--- a/documents/2.4.0/pick_reports_across_datasets_v3.pptx
+++ b/documents/2.4.0/pick_reports_across_datasets_v3.pptx
@@ -6,25 +6,27 @@
   </p:sldMasterIdLst>
   <p:sldIdLst>
     <p:sldId id="325" r:id="rId2"/>
-    <p:sldId id="332" r:id="rId3"/>
-    <p:sldId id="335" r:id="rId4"/>
-    <p:sldId id="336" r:id="rId5"/>
-    <p:sldId id="333" r:id="rId6"/>
-    <p:sldId id="315" r:id="rId7"/>
-    <p:sldId id="326" r:id="rId8"/>
-    <p:sldId id="329" r:id="rId9"/>
-    <p:sldId id="334" r:id="rId10"/>
-    <p:sldId id="331" r:id="rId11"/>
-    <p:sldId id="330" r:id="rId12"/>
-    <p:sldId id="327" r:id="rId13"/>
-    <p:sldId id="328" r:id="rId14"/>
-    <p:sldId id="316" r:id="rId15"/>
-    <p:sldId id="319" r:id="rId16"/>
-    <p:sldId id="318" r:id="rId17"/>
-    <p:sldId id="323" r:id="rId18"/>
-    <p:sldId id="324" r:id="rId19"/>
-    <p:sldId id="320" r:id="rId20"/>
-    <p:sldId id="321" r:id="rId21"/>
+    <p:sldId id="338" r:id="rId3"/>
+    <p:sldId id="332" r:id="rId4"/>
+    <p:sldId id="335" r:id="rId5"/>
+    <p:sldId id="336" r:id="rId6"/>
+    <p:sldId id="333" r:id="rId7"/>
+    <p:sldId id="315" r:id="rId8"/>
+    <p:sldId id="326" r:id="rId9"/>
+    <p:sldId id="337" r:id="rId10"/>
+    <p:sldId id="329" r:id="rId11"/>
+    <p:sldId id="334" r:id="rId12"/>
+    <p:sldId id="331" r:id="rId13"/>
+    <p:sldId id="330" r:id="rId14"/>
+    <p:sldId id="327" r:id="rId15"/>
+    <p:sldId id="328" r:id="rId16"/>
+    <p:sldId id="316" r:id="rId17"/>
+    <p:sldId id="319" r:id="rId18"/>
+    <p:sldId id="318" r:id="rId19"/>
+    <p:sldId id="323" r:id="rId20"/>
+    <p:sldId id="324" r:id="rId21"/>
+    <p:sldId id="320" r:id="rId22"/>
+    <p:sldId id="321" r:id="rId23"/>
   </p:sldIdLst>
   <p:sldSz cx="12192000" cy="6858000"/>
   <p:notesSz cx="6858000" cy="9144000"/>
@@ -3633,6 +3635,2149 @@
   <p:cSld>
     <p:spTree>
       <p:nvGrpSpPr>
+        <p:cNvPr id="1" name=""/>
+        <p:cNvGrpSpPr/>
+        <p:nvPr/>
+      </p:nvGrpSpPr>
+      <p:grpSpPr>
+        <a:xfrm>
+          <a:off x="0" y="0"/>
+          <a:ext cx="0" cy="0"/>
+          <a:chOff x="0" y="0"/>
+          <a:chExt cx="0" cy="0"/>
+        </a:xfrm>
+      </p:grpSpPr>
+      <p:sp>
+        <p:nvSpPr>
+          <p:cNvPr id="3" name="Content Placeholder 2">
+            <a:extLst>
+              <a:ext uri="{FF2B5EF4-FFF2-40B4-BE49-F238E27FC236}">
+                <a16:creationId xmlns:a16="http://schemas.microsoft.com/office/drawing/2014/main" id="{5B095388-DF22-9031-3619-73AD841B9E0C}"/>
+              </a:ext>
+            </a:extLst>
+          </p:cNvPr>
+          <p:cNvSpPr>
+            <a:spLocks noGrp="1"/>
+          </p:cNvSpPr>
+          <p:nvPr>
+            <p:ph idx="1"/>
+          </p:nvPr>
+        </p:nvSpPr>
+        <p:spPr>
+          <a:xfrm>
+            <a:off x="268857" y="1125746"/>
+            <a:ext cx="8219535" cy="5387197"/>
+          </a:xfrm>
+        </p:spPr>
+        <p:txBody>
+          <a:bodyPr>
+            <a:normAutofit fontScale="70000" lnSpcReduction="20000"/>
+          </a:bodyPr>
+          <a:lstStyle/>
+          <a:p>
+            <a:pPr>
+              <a:lnSpc>
+                <a:spcPct val="110000"/>
+              </a:lnSpc>
+            </a:pPr>
+            <a:r>
+              <a:rPr lang="en-US" dirty="0"/>
+              <a:t>We are trying to do 2 different things:</a:t>
+            </a:r>
+          </a:p>
+          <a:p>
+            <a:pPr lvl="1">
+              <a:lnSpc>
+                <a:spcPct val="110000"/>
+              </a:lnSpc>
+            </a:pPr>
+            <a:r>
+              <a:rPr lang="en-US" dirty="0"/>
+              <a:t>Identify features (II does this)</a:t>
+            </a:r>
+          </a:p>
+          <a:p>
+            <a:pPr lvl="1">
+              <a:lnSpc>
+                <a:spcPct val="110000"/>
+              </a:lnSpc>
+            </a:pPr>
+            <a:r>
+              <a:rPr lang="en-US" dirty="0"/>
+              <a:t>Associate between features in different PS, and in different datasets (the same PS)</a:t>
+            </a:r>
+          </a:p>
+          <a:p>
+            <a:pPr lvl="1">
+              <a:lnSpc>
+                <a:spcPct val="110000"/>
+              </a:lnSpc>
+            </a:pPr>
+            <a:endParaRPr lang="en-US" dirty="0"/>
+          </a:p>
+          <a:p>
+            <a:pPr>
+              <a:lnSpc>
+                <a:spcPct val="110000"/>
+              </a:lnSpc>
+            </a:pPr>
+            <a:r>
+              <a:rPr lang="en-US" dirty="0"/>
+              <a:t>So, </a:t>
+            </a:r>
+            <a:r>
+              <a:rPr lang="en-US" i="1" dirty="0" err="1"/>
+              <a:t>interoperablityIdentifier</a:t>
+            </a:r>
+            <a:r>
+              <a:rPr lang="en-US" dirty="0"/>
+              <a:t> identifies “features”</a:t>
+            </a:r>
+          </a:p>
+          <a:p>
+            <a:pPr>
+              <a:lnSpc>
+                <a:spcPct val="110000"/>
+              </a:lnSpc>
+            </a:pPr>
+            <a:r>
+              <a:rPr lang="en-US" i="1" dirty="0" err="1"/>
+              <a:t>featureReference.interoperabilityIdentifier</a:t>
+            </a:r>
+            <a:r>
+              <a:rPr lang="en-US" i="1" dirty="0"/>
+              <a:t> </a:t>
+            </a:r>
+            <a:r>
+              <a:rPr lang="en-US" dirty="0"/>
+              <a:t>contains a reference to “other” identifiers</a:t>
+            </a:r>
+          </a:p>
+          <a:p>
+            <a:pPr>
+              <a:lnSpc>
+                <a:spcPct val="110000"/>
+              </a:lnSpc>
+            </a:pPr>
+            <a:endParaRPr lang="en-US" dirty="0"/>
+          </a:p>
+          <a:p>
+            <a:pPr>
+              <a:lnSpc>
+                <a:spcPct val="110000"/>
+              </a:lnSpc>
+            </a:pPr>
+            <a:r>
+              <a:rPr lang="en-US" dirty="0"/>
+              <a:t>The ECDIS returns (in the pick report)</a:t>
+            </a:r>
+          </a:p>
+          <a:p>
+            <a:pPr lvl="1">
+              <a:lnSpc>
+                <a:spcPct val="110000"/>
+              </a:lnSpc>
+            </a:pPr>
+            <a:r>
+              <a:rPr lang="en-US" dirty="0"/>
+              <a:t>All features with identical </a:t>
+            </a:r>
+            <a:r>
+              <a:rPr lang="en-US" dirty="0" err="1"/>
+              <a:t>interoperabilityIdentifiers</a:t>
+            </a:r>
+            <a:endParaRPr lang="en-US" dirty="0"/>
+          </a:p>
+          <a:p>
+            <a:pPr lvl="1">
+              <a:lnSpc>
+                <a:spcPct val="110000"/>
+              </a:lnSpc>
+            </a:pPr>
+            <a:r>
+              <a:rPr lang="en-US" dirty="0"/>
+              <a:t>Any feature which has a feature reference containing the </a:t>
+            </a:r>
+            <a:r>
+              <a:rPr lang="en-US" dirty="0" err="1"/>
+              <a:t>interoperabilityIdentifier</a:t>
+            </a:r>
+            <a:r>
+              <a:rPr lang="en-US" dirty="0"/>
+              <a:t> of the picked feature.</a:t>
+            </a:r>
+          </a:p>
+          <a:p>
+            <a:pPr lvl="1">
+              <a:lnSpc>
+                <a:spcPct val="110000"/>
+              </a:lnSpc>
+            </a:pPr>
+            <a:endParaRPr lang="en-US" dirty="0"/>
+          </a:p>
+          <a:p>
+            <a:pPr>
+              <a:lnSpc>
+                <a:spcPct val="110000"/>
+              </a:lnSpc>
+            </a:pPr>
+            <a:r>
+              <a:rPr lang="en-US" dirty="0"/>
+              <a:t>Can you have multiple II?</a:t>
+            </a:r>
+          </a:p>
+          <a:p>
+            <a:pPr>
+              <a:lnSpc>
+                <a:spcPct val="110000"/>
+              </a:lnSpc>
+            </a:pPr>
+            <a:r>
+              <a:rPr lang="en-US" dirty="0"/>
+              <a:t>How can you associate between different datasets (same PS)?</a:t>
+            </a:r>
+          </a:p>
+          <a:p>
+            <a:pPr>
+              <a:lnSpc>
+                <a:spcPct val="110000"/>
+              </a:lnSpc>
+            </a:pPr>
+            <a:endParaRPr lang="en-GB" dirty="0"/>
+          </a:p>
+        </p:txBody>
+      </p:sp>
+      <p:pic>
+        <p:nvPicPr>
+          <p:cNvPr id="4" name="Picture 3">
+            <a:extLst>
+              <a:ext uri="{FF2B5EF4-FFF2-40B4-BE49-F238E27FC236}">
+                <a16:creationId xmlns:a16="http://schemas.microsoft.com/office/drawing/2014/main" id="{4592D963-5E8B-F948-8C5D-9C58CDD0E56C}"/>
+              </a:ext>
+            </a:extLst>
+          </p:cNvPr>
+          <p:cNvPicPr>
+            <a:picLocks noChangeAspect="1"/>
+          </p:cNvPicPr>
+          <p:nvPr/>
+        </p:nvPicPr>
+        <p:blipFill>
+          <a:blip r:embed="rId2"/>
+          <a:stretch>
+            <a:fillRect/>
+          </a:stretch>
+        </p:blipFill>
+        <p:spPr>
+          <a:xfrm>
+            <a:off x="8846430" y="1427741"/>
+            <a:ext cx="2863129" cy="1513867"/>
+          </a:xfrm>
+          <a:prstGeom prst="rect">
+            <a:avLst/>
+          </a:prstGeom>
+        </p:spPr>
+      </p:pic>
+      <p:sp>
+        <p:nvSpPr>
+          <p:cNvPr id="6" name="TextBox 5">
+            <a:extLst>
+              <a:ext uri="{FF2B5EF4-FFF2-40B4-BE49-F238E27FC236}">
+                <a16:creationId xmlns:a16="http://schemas.microsoft.com/office/drawing/2014/main" id="{EA230D40-7741-BF8D-4E01-355F3E60F53E}"/>
+              </a:ext>
+            </a:extLst>
+          </p:cNvPr>
+          <p:cNvSpPr txBox="1"/>
+          <p:nvPr/>
+        </p:nvSpPr>
+        <p:spPr>
+          <a:xfrm>
+            <a:off x="231835" y="160391"/>
+            <a:ext cx="11883965" cy="338554"/>
+          </a:xfrm>
+          <a:prstGeom prst="rect">
+            <a:avLst/>
+          </a:prstGeom>
+          <a:noFill/>
+        </p:spPr>
+        <p:txBody>
+          <a:bodyPr wrap="square">
+            <a:spAutoFit/>
+          </a:bodyPr>
+          <a:lstStyle/>
+          <a:p>
+            <a:r>
+              <a:rPr lang="en-US" sz="1600" dirty="0">
+                <a:latin typeface="Consolas" panose="020B0609020204030204" pitchFamily="49" charset="0"/>
+              </a:rPr>
+              <a:t>Ex : </a:t>
+            </a:r>
+            <a:r>
+              <a:rPr lang="en-US" sz="1600" dirty="0">
+                <a:solidFill>
+                  <a:srgbClr val="C00000"/>
+                </a:solidFill>
+                <a:latin typeface="Consolas" panose="020B0609020204030204" pitchFamily="49" charset="0"/>
+              </a:rPr>
+              <a:t>Light=II1, bridge=II2, </a:t>
+            </a:r>
+            <a:r>
+              <a:rPr lang="en-US" sz="1600" dirty="0" err="1">
+                <a:solidFill>
+                  <a:srgbClr val="C00000"/>
+                </a:solidFill>
+                <a:latin typeface="Consolas" panose="020B0609020204030204" pitchFamily="49" charset="0"/>
+              </a:rPr>
+              <a:t>bridge.featureReference.intId</a:t>
+            </a:r>
+            <a:r>
+              <a:rPr lang="en-US" sz="1600" dirty="0">
+                <a:solidFill>
+                  <a:srgbClr val="C00000"/>
+                </a:solidFill>
+                <a:latin typeface="Consolas" panose="020B0609020204030204" pitchFamily="49" charset="0"/>
+              </a:rPr>
+              <a:t>=II1 and bridge(ENC1) = II2 = bridge(ENC2) </a:t>
+            </a:r>
+            <a:endParaRPr lang="en-GB" sz="1600" dirty="0">
+              <a:solidFill>
+                <a:srgbClr val="C00000"/>
+              </a:solidFill>
+              <a:latin typeface="Consolas" panose="020B0609020204030204" pitchFamily="49" charset="0"/>
+            </a:endParaRPr>
+          </a:p>
+        </p:txBody>
+      </p:sp>
+    </p:spTree>
+    <p:extLst>
+      <p:ext uri="{BB962C8B-B14F-4D97-AF65-F5344CB8AC3E}">
+        <p14:creationId xmlns:p14="http://schemas.microsoft.com/office/powerpoint/2010/main" val="3973382050"/>
+      </p:ext>
+    </p:extLst>
+  </p:cSld>
+  <p:clrMapOvr>
+    <a:masterClrMapping/>
+  </p:clrMapOvr>
+</p:sld>
+</file>
+
+<file path=ppt/slides/slide11.xml><?xml version="1.0" encoding="utf-8"?>
+<p:sld xmlns:a="http://schemas.openxmlformats.org/drawingml/2006/main" xmlns:r="http://schemas.openxmlformats.org/officeDocument/2006/relationships" xmlns:p="http://schemas.openxmlformats.org/presentationml/2006/main">
+  <p:cSld>
+    <p:spTree>
+      <p:nvGrpSpPr>
+        <p:cNvPr id="1" name="">
+          <a:extLst>
+            <a:ext uri="{FF2B5EF4-FFF2-40B4-BE49-F238E27FC236}">
+              <a16:creationId xmlns:a16="http://schemas.microsoft.com/office/drawing/2014/main" id="{4387EED8-565A-F2D4-4989-4D05BDE082F3}"/>
+            </a:ext>
+          </a:extLst>
+        </p:cNvPr>
+        <p:cNvGrpSpPr/>
+        <p:nvPr/>
+      </p:nvGrpSpPr>
+      <p:grpSpPr>
+        <a:xfrm>
+          <a:off x="0" y="0"/>
+          <a:ext cx="0" cy="0"/>
+          <a:chOff x="0" y="0"/>
+          <a:chExt cx="0" cy="0"/>
+        </a:xfrm>
+      </p:grpSpPr>
+      <p:sp>
+        <p:nvSpPr>
+          <p:cNvPr id="5" name="Rectangle 4">
+            <a:extLst>
+              <a:ext uri="{FF2B5EF4-FFF2-40B4-BE49-F238E27FC236}">
+                <a16:creationId xmlns:a16="http://schemas.microsoft.com/office/drawing/2014/main" id="{2AE00AA5-C066-2362-16CE-95DC56A7D042}"/>
+              </a:ext>
+            </a:extLst>
+          </p:cNvPr>
+          <p:cNvSpPr/>
+          <p:nvPr/>
+        </p:nvSpPr>
+        <p:spPr>
+          <a:xfrm>
+            <a:off x="230572" y="1505414"/>
+            <a:ext cx="3438144" cy="3608832"/>
+          </a:xfrm>
+          <a:prstGeom prst="rect">
+            <a:avLst/>
+          </a:prstGeom>
+          <a:solidFill>
+            <a:schemeClr val="accent5">
+              <a:lumMod val="40000"/>
+              <a:lumOff val="60000"/>
+            </a:schemeClr>
+          </a:solidFill>
+        </p:spPr>
+        <p:style>
+          <a:lnRef idx="2">
+            <a:schemeClr val="accent1">
+              <a:shade val="15000"/>
+            </a:schemeClr>
+          </a:lnRef>
+          <a:fillRef idx="1">
+            <a:schemeClr val="accent1"/>
+          </a:fillRef>
+          <a:effectRef idx="0">
+            <a:schemeClr val="accent1"/>
+          </a:effectRef>
+          <a:fontRef idx="minor">
+            <a:schemeClr val="lt1"/>
+          </a:fontRef>
+        </p:style>
+        <p:txBody>
+          <a:bodyPr rtlCol="0" anchor="ctr"/>
+          <a:lstStyle/>
+          <a:p>
+            <a:pPr marL="0" marR="0" lvl="0" indent="0" algn="ctr" defTabSz="914400" rtl="0" eaLnBrk="1" fontAlgn="auto" latinLnBrk="0" hangingPunct="1">
+              <a:lnSpc>
+                <a:spcPct val="100000"/>
+              </a:lnSpc>
+              <a:spcBef>
+                <a:spcPts val="0"/>
+              </a:spcBef>
+              <a:spcAft>
+                <a:spcPts val="0"/>
+              </a:spcAft>
+              <a:buClrTx/>
+              <a:buSzTx/>
+              <a:buFontTx/>
+              <a:buNone/>
+              <a:tabLst/>
+              <a:defRPr/>
+            </a:pPr>
+            <a:endParaRPr kumimoji="0" lang="en-GB" sz="1800" b="0" i="0" u="none" strike="noStrike" kern="1200" cap="none" spc="0" normalizeH="0" baseline="0" noProof="0">
+              <a:ln>
+                <a:noFill/>
+              </a:ln>
+              <a:solidFill>
+                <a:prstClr val="white"/>
+              </a:solidFill>
+              <a:effectLst/>
+              <a:uLnTx/>
+              <a:uFillTx/>
+              <a:latin typeface="Calibri" panose="020F0502020204030204"/>
+              <a:ea typeface="+mn-ea"/>
+              <a:cs typeface="+mn-cs"/>
+            </a:endParaRPr>
+          </a:p>
+        </p:txBody>
+      </p:sp>
+      <p:sp>
+        <p:nvSpPr>
+          <p:cNvPr id="6" name="Rectangle 5">
+            <a:extLst>
+              <a:ext uri="{FF2B5EF4-FFF2-40B4-BE49-F238E27FC236}">
+                <a16:creationId xmlns:a16="http://schemas.microsoft.com/office/drawing/2014/main" id="{D0FCA589-9ADB-6CBA-4DD3-ED600FD8DD92}"/>
+              </a:ext>
+            </a:extLst>
+          </p:cNvPr>
+          <p:cNvSpPr/>
+          <p:nvPr/>
+        </p:nvSpPr>
+        <p:spPr>
+          <a:xfrm>
+            <a:off x="3668716" y="1505414"/>
+            <a:ext cx="3438144" cy="3608832"/>
+          </a:xfrm>
+          <a:prstGeom prst="rect">
+            <a:avLst/>
+          </a:prstGeom>
+          <a:solidFill>
+            <a:schemeClr val="accent5">
+              <a:lumMod val="40000"/>
+              <a:lumOff val="60000"/>
+            </a:schemeClr>
+          </a:solidFill>
+        </p:spPr>
+        <p:style>
+          <a:lnRef idx="2">
+            <a:schemeClr val="accent1">
+              <a:shade val="15000"/>
+            </a:schemeClr>
+          </a:lnRef>
+          <a:fillRef idx="1">
+            <a:schemeClr val="accent1"/>
+          </a:fillRef>
+          <a:effectRef idx="0">
+            <a:schemeClr val="accent1"/>
+          </a:effectRef>
+          <a:fontRef idx="minor">
+            <a:schemeClr val="lt1"/>
+          </a:fontRef>
+        </p:style>
+        <p:txBody>
+          <a:bodyPr rtlCol="0" anchor="ctr"/>
+          <a:lstStyle/>
+          <a:p>
+            <a:pPr marL="0" marR="0" lvl="0" indent="0" algn="ctr" defTabSz="914400" rtl="0" eaLnBrk="1" fontAlgn="auto" latinLnBrk="0" hangingPunct="1">
+              <a:lnSpc>
+                <a:spcPct val="100000"/>
+              </a:lnSpc>
+              <a:spcBef>
+                <a:spcPts val="0"/>
+              </a:spcBef>
+              <a:spcAft>
+                <a:spcPts val="0"/>
+              </a:spcAft>
+              <a:buClrTx/>
+              <a:buSzTx/>
+              <a:buFontTx/>
+              <a:buNone/>
+              <a:tabLst/>
+              <a:defRPr/>
+            </a:pPr>
+            <a:endParaRPr kumimoji="0" lang="en-GB" sz="1800" b="0" i="0" u="none" strike="noStrike" kern="1200" cap="none" spc="0" normalizeH="0" baseline="0" noProof="0">
+              <a:ln>
+                <a:noFill/>
+              </a:ln>
+              <a:solidFill>
+                <a:prstClr val="white"/>
+              </a:solidFill>
+              <a:effectLst/>
+              <a:uLnTx/>
+              <a:uFillTx/>
+              <a:latin typeface="Calibri" panose="020F0502020204030204"/>
+              <a:ea typeface="+mn-ea"/>
+              <a:cs typeface="+mn-cs"/>
+            </a:endParaRPr>
+          </a:p>
+        </p:txBody>
+      </p:sp>
+      <p:sp>
+        <p:nvSpPr>
+          <p:cNvPr id="7" name="Rectangle 6">
+            <a:extLst>
+              <a:ext uri="{FF2B5EF4-FFF2-40B4-BE49-F238E27FC236}">
+                <a16:creationId xmlns:a16="http://schemas.microsoft.com/office/drawing/2014/main" id="{4CE89AA8-A529-EE7F-C6D5-C5FD7C561CF0}"/>
+              </a:ext>
+            </a:extLst>
+          </p:cNvPr>
+          <p:cNvSpPr/>
+          <p:nvPr/>
+        </p:nvSpPr>
+        <p:spPr>
+          <a:xfrm>
+            <a:off x="1817504" y="2877120"/>
+            <a:ext cx="2962656" cy="2029968"/>
+          </a:xfrm>
+          <a:prstGeom prst="rect">
+            <a:avLst/>
+          </a:prstGeom>
+          <a:noFill/>
+        </p:spPr>
+        <p:style>
+          <a:lnRef idx="2">
+            <a:schemeClr val="accent1">
+              <a:shade val="15000"/>
+            </a:schemeClr>
+          </a:lnRef>
+          <a:fillRef idx="1">
+            <a:schemeClr val="accent1"/>
+          </a:fillRef>
+          <a:effectRef idx="0">
+            <a:schemeClr val="accent1"/>
+          </a:effectRef>
+          <a:fontRef idx="minor">
+            <a:schemeClr val="lt1"/>
+          </a:fontRef>
+        </p:style>
+        <p:txBody>
+          <a:bodyPr rtlCol="0" anchor="ctr"/>
+          <a:lstStyle/>
+          <a:p>
+            <a:pPr marL="0" marR="0" lvl="0" indent="0" algn="ctr" defTabSz="914400" rtl="0" eaLnBrk="1" fontAlgn="auto" latinLnBrk="0" hangingPunct="1">
+              <a:lnSpc>
+                <a:spcPct val="100000"/>
+              </a:lnSpc>
+              <a:spcBef>
+                <a:spcPts val="0"/>
+              </a:spcBef>
+              <a:spcAft>
+                <a:spcPts val="0"/>
+              </a:spcAft>
+              <a:buClrTx/>
+              <a:buSzTx/>
+              <a:buFontTx/>
+              <a:buNone/>
+              <a:tabLst/>
+              <a:defRPr/>
+            </a:pPr>
+            <a:endParaRPr kumimoji="0" lang="en-GB" sz="1800" b="0" i="0" u="none" strike="noStrike" kern="1200" cap="none" spc="0" normalizeH="0" baseline="0" noProof="0">
+              <a:ln>
+                <a:noFill/>
+              </a:ln>
+              <a:solidFill>
+                <a:prstClr val="white"/>
+              </a:solidFill>
+              <a:effectLst/>
+              <a:uLnTx/>
+              <a:uFillTx/>
+              <a:latin typeface="Calibri" panose="020F0502020204030204"/>
+              <a:ea typeface="+mn-ea"/>
+              <a:cs typeface="+mn-cs"/>
+            </a:endParaRPr>
+          </a:p>
+        </p:txBody>
+      </p:sp>
+      <p:sp>
+        <p:nvSpPr>
+          <p:cNvPr id="13" name="TextBox 12">
+            <a:extLst>
+              <a:ext uri="{FF2B5EF4-FFF2-40B4-BE49-F238E27FC236}">
+                <a16:creationId xmlns:a16="http://schemas.microsoft.com/office/drawing/2014/main" id="{AD7086ED-941F-43B7-6F4B-D4A78A87EBE6}"/>
+              </a:ext>
+            </a:extLst>
+          </p:cNvPr>
+          <p:cNvSpPr txBox="1"/>
+          <p:nvPr/>
+        </p:nvSpPr>
+        <p:spPr>
+          <a:xfrm>
+            <a:off x="3107005" y="1487603"/>
+            <a:ext cx="647934" cy="369332"/>
+          </a:xfrm>
+          <a:prstGeom prst="rect">
+            <a:avLst/>
+          </a:prstGeom>
+          <a:noFill/>
+        </p:spPr>
+        <p:txBody>
+          <a:bodyPr wrap="none" rtlCol="0">
+            <a:spAutoFit/>
+          </a:bodyPr>
+          <a:lstStyle/>
+          <a:p>
+            <a:pPr marL="0" marR="0" lvl="0" indent="0" algn="l" defTabSz="914400" rtl="0" eaLnBrk="1" fontAlgn="auto" latinLnBrk="0" hangingPunct="1">
+              <a:lnSpc>
+                <a:spcPct val="100000"/>
+              </a:lnSpc>
+              <a:spcBef>
+                <a:spcPts val="0"/>
+              </a:spcBef>
+              <a:spcAft>
+                <a:spcPts val="0"/>
+              </a:spcAft>
+              <a:buClrTx/>
+              <a:buSzTx/>
+              <a:buFontTx/>
+              <a:buNone/>
+              <a:tabLst/>
+              <a:defRPr/>
+            </a:pPr>
+            <a:r>
+              <a:rPr kumimoji="0" lang="en-US" sz="1800" b="0" i="0" u="none" strike="noStrike" kern="1200" cap="none" spc="0" normalizeH="0" baseline="0" noProof="0" dirty="0">
+                <a:ln>
+                  <a:noFill/>
+                </a:ln>
+                <a:solidFill>
+                  <a:srgbClr val="44546A">
+                    <a:lumMod val="50000"/>
+                  </a:srgbClr>
+                </a:solidFill>
+                <a:effectLst/>
+                <a:uLnTx/>
+                <a:uFillTx/>
+                <a:latin typeface="Calibri" panose="020F0502020204030204"/>
+                <a:ea typeface="+mn-ea"/>
+                <a:cs typeface="+mn-cs"/>
+              </a:rPr>
+              <a:t>ENC</a:t>
+            </a:r>
+            <a:r>
+              <a:rPr kumimoji="0" lang="en-US" sz="1800" b="0" i="0" u="none" strike="noStrike" kern="1200" cap="none" spc="0" normalizeH="0" baseline="-25000" noProof="0" dirty="0">
+                <a:ln>
+                  <a:noFill/>
+                </a:ln>
+                <a:solidFill>
+                  <a:srgbClr val="44546A">
+                    <a:lumMod val="50000"/>
+                  </a:srgbClr>
+                </a:solidFill>
+                <a:effectLst/>
+                <a:uLnTx/>
+                <a:uFillTx/>
+                <a:latin typeface="Calibri" panose="020F0502020204030204"/>
+                <a:ea typeface="+mn-ea"/>
+                <a:cs typeface="+mn-cs"/>
+              </a:rPr>
+              <a:t>1</a:t>
+            </a:r>
+            <a:endParaRPr kumimoji="0" lang="en-GB" sz="1800" b="0" i="0" u="none" strike="noStrike" kern="1200" cap="none" spc="0" normalizeH="0" baseline="0" noProof="0" dirty="0">
+              <a:ln>
+                <a:noFill/>
+              </a:ln>
+              <a:solidFill>
+                <a:srgbClr val="44546A">
+                  <a:lumMod val="50000"/>
+                </a:srgbClr>
+              </a:solidFill>
+              <a:effectLst/>
+              <a:uLnTx/>
+              <a:uFillTx/>
+              <a:latin typeface="Calibri" panose="020F0502020204030204"/>
+              <a:ea typeface="+mn-ea"/>
+              <a:cs typeface="+mn-cs"/>
+            </a:endParaRPr>
+          </a:p>
+        </p:txBody>
+      </p:sp>
+      <p:sp>
+        <p:nvSpPr>
+          <p:cNvPr id="14" name="TextBox 13">
+            <a:extLst>
+              <a:ext uri="{FF2B5EF4-FFF2-40B4-BE49-F238E27FC236}">
+                <a16:creationId xmlns:a16="http://schemas.microsoft.com/office/drawing/2014/main" id="{3F268402-8392-2861-A7D7-C810EF306CB9}"/>
+              </a:ext>
+            </a:extLst>
+          </p:cNvPr>
+          <p:cNvSpPr txBox="1"/>
+          <p:nvPr/>
+        </p:nvSpPr>
+        <p:spPr>
+          <a:xfrm>
+            <a:off x="6545149" y="1452827"/>
+            <a:ext cx="647934" cy="369332"/>
+          </a:xfrm>
+          <a:prstGeom prst="rect">
+            <a:avLst/>
+          </a:prstGeom>
+          <a:noFill/>
+        </p:spPr>
+        <p:txBody>
+          <a:bodyPr wrap="none" rtlCol="0">
+            <a:spAutoFit/>
+          </a:bodyPr>
+          <a:lstStyle/>
+          <a:p>
+            <a:pPr marL="0" marR="0" lvl="0" indent="0" algn="l" defTabSz="914400" rtl="0" eaLnBrk="1" fontAlgn="auto" latinLnBrk="0" hangingPunct="1">
+              <a:lnSpc>
+                <a:spcPct val="100000"/>
+              </a:lnSpc>
+              <a:spcBef>
+                <a:spcPts val="0"/>
+              </a:spcBef>
+              <a:spcAft>
+                <a:spcPts val="0"/>
+              </a:spcAft>
+              <a:buClrTx/>
+              <a:buSzTx/>
+              <a:buFontTx/>
+              <a:buNone/>
+              <a:tabLst/>
+              <a:defRPr/>
+            </a:pPr>
+            <a:r>
+              <a:rPr kumimoji="0" lang="en-US" sz="1800" b="0" i="0" u="none" strike="noStrike" kern="1200" cap="none" spc="0" normalizeH="0" baseline="0" noProof="0" dirty="0">
+                <a:ln>
+                  <a:noFill/>
+                </a:ln>
+                <a:solidFill>
+                  <a:srgbClr val="44546A">
+                    <a:lumMod val="50000"/>
+                  </a:srgbClr>
+                </a:solidFill>
+                <a:effectLst/>
+                <a:uLnTx/>
+                <a:uFillTx/>
+                <a:latin typeface="Calibri" panose="020F0502020204030204"/>
+                <a:ea typeface="+mn-ea"/>
+                <a:cs typeface="+mn-cs"/>
+              </a:rPr>
+              <a:t>ENC</a:t>
+            </a:r>
+            <a:r>
+              <a:rPr kumimoji="0" lang="en-US" sz="1800" b="0" i="0" u="none" strike="noStrike" kern="1200" cap="none" spc="0" normalizeH="0" baseline="-25000" noProof="0" dirty="0">
+                <a:ln>
+                  <a:noFill/>
+                </a:ln>
+                <a:solidFill>
+                  <a:srgbClr val="44546A">
+                    <a:lumMod val="50000"/>
+                  </a:srgbClr>
+                </a:solidFill>
+                <a:effectLst/>
+                <a:uLnTx/>
+                <a:uFillTx/>
+                <a:latin typeface="Calibri" panose="020F0502020204030204"/>
+                <a:ea typeface="+mn-ea"/>
+                <a:cs typeface="+mn-cs"/>
+              </a:rPr>
+              <a:t>2</a:t>
+            </a:r>
+            <a:endParaRPr kumimoji="0" lang="en-GB" sz="1800" b="0" i="0" u="none" strike="noStrike" kern="1200" cap="none" spc="0" normalizeH="0" baseline="0" noProof="0" dirty="0">
+              <a:ln>
+                <a:noFill/>
+              </a:ln>
+              <a:solidFill>
+                <a:srgbClr val="44546A">
+                  <a:lumMod val="50000"/>
+                </a:srgbClr>
+              </a:solidFill>
+              <a:effectLst/>
+              <a:uLnTx/>
+              <a:uFillTx/>
+              <a:latin typeface="Calibri" panose="020F0502020204030204"/>
+              <a:ea typeface="+mn-ea"/>
+              <a:cs typeface="+mn-cs"/>
+            </a:endParaRPr>
+          </a:p>
+        </p:txBody>
+      </p:sp>
+      <p:sp>
+        <p:nvSpPr>
+          <p:cNvPr id="31" name="TextBox 30">
+            <a:extLst>
+              <a:ext uri="{FF2B5EF4-FFF2-40B4-BE49-F238E27FC236}">
+                <a16:creationId xmlns:a16="http://schemas.microsoft.com/office/drawing/2014/main" id="{654D8603-D743-0F6E-0FCF-78AD173318D0}"/>
+              </a:ext>
+            </a:extLst>
+          </p:cNvPr>
+          <p:cNvSpPr txBox="1"/>
+          <p:nvPr/>
+        </p:nvSpPr>
+        <p:spPr>
+          <a:xfrm>
+            <a:off x="199429" y="1487603"/>
+            <a:ext cx="569643" cy="246221"/>
+          </a:xfrm>
+          <a:prstGeom prst="rect">
+            <a:avLst/>
+          </a:prstGeom>
+          <a:noFill/>
+        </p:spPr>
+        <p:txBody>
+          <a:bodyPr wrap="square" rtlCol="0">
+            <a:spAutoFit/>
+          </a:bodyPr>
+          <a:lstStyle/>
+          <a:p>
+            <a:pPr marL="0" marR="0" lvl="0" indent="0" algn="l" defTabSz="914400" rtl="0" eaLnBrk="1" fontAlgn="auto" latinLnBrk="0" hangingPunct="1">
+              <a:lnSpc>
+                <a:spcPct val="100000"/>
+              </a:lnSpc>
+              <a:spcBef>
+                <a:spcPts val="0"/>
+              </a:spcBef>
+              <a:spcAft>
+                <a:spcPts val="0"/>
+              </a:spcAft>
+              <a:buClrTx/>
+              <a:buSzTx/>
+              <a:buFontTx/>
+              <a:buNone/>
+              <a:tabLst/>
+              <a:defRPr/>
+            </a:pPr>
+            <a:r>
+              <a:rPr kumimoji="0" lang="en-US" sz="1000" b="1" i="0" u="none" strike="noStrike" kern="1200" cap="none" spc="0" normalizeH="0" baseline="0" noProof="0" dirty="0">
+                <a:ln>
+                  <a:noFill/>
+                </a:ln>
+                <a:solidFill>
+                  <a:prstClr val="black"/>
+                </a:solidFill>
+                <a:effectLst/>
+                <a:uLnTx/>
+                <a:uFillTx/>
+                <a:latin typeface="Consolas" panose="020B0609020204030204" pitchFamily="49" charset="0"/>
+                <a:ea typeface="+mn-ea"/>
+                <a:cs typeface="+mn-cs"/>
+              </a:rPr>
+              <a:t>S-101</a:t>
+            </a:r>
+            <a:endParaRPr kumimoji="0" lang="en-GB" sz="1000" b="1" i="0" u="none" strike="noStrike" kern="1200" cap="none" spc="0" normalizeH="0" baseline="0" noProof="0" dirty="0">
+              <a:ln>
+                <a:noFill/>
+              </a:ln>
+              <a:solidFill>
+                <a:prstClr val="black"/>
+              </a:solidFill>
+              <a:effectLst/>
+              <a:uLnTx/>
+              <a:uFillTx/>
+              <a:latin typeface="Consolas" panose="020B0609020204030204" pitchFamily="49" charset="0"/>
+              <a:ea typeface="+mn-ea"/>
+              <a:cs typeface="+mn-cs"/>
+            </a:endParaRPr>
+          </a:p>
+        </p:txBody>
+      </p:sp>
+      <p:sp>
+        <p:nvSpPr>
+          <p:cNvPr id="33" name="TextBox 32">
+            <a:extLst>
+              <a:ext uri="{FF2B5EF4-FFF2-40B4-BE49-F238E27FC236}">
+                <a16:creationId xmlns:a16="http://schemas.microsoft.com/office/drawing/2014/main" id="{2C2318B4-C26B-0B1D-232F-CE17CBF29DA0}"/>
+              </a:ext>
+            </a:extLst>
+          </p:cNvPr>
+          <p:cNvSpPr txBox="1"/>
+          <p:nvPr/>
+        </p:nvSpPr>
+        <p:spPr>
+          <a:xfrm>
+            <a:off x="3611895" y="1487602"/>
+            <a:ext cx="569643" cy="246221"/>
+          </a:xfrm>
+          <a:prstGeom prst="rect">
+            <a:avLst/>
+          </a:prstGeom>
+          <a:noFill/>
+        </p:spPr>
+        <p:txBody>
+          <a:bodyPr wrap="square" rtlCol="0">
+            <a:spAutoFit/>
+          </a:bodyPr>
+          <a:lstStyle/>
+          <a:p>
+            <a:pPr marL="0" marR="0" lvl="0" indent="0" algn="l" defTabSz="914400" rtl="0" eaLnBrk="1" fontAlgn="auto" latinLnBrk="0" hangingPunct="1">
+              <a:lnSpc>
+                <a:spcPct val="100000"/>
+              </a:lnSpc>
+              <a:spcBef>
+                <a:spcPts val="0"/>
+              </a:spcBef>
+              <a:spcAft>
+                <a:spcPts val="0"/>
+              </a:spcAft>
+              <a:buClrTx/>
+              <a:buSzTx/>
+              <a:buFontTx/>
+              <a:buNone/>
+              <a:tabLst/>
+              <a:defRPr/>
+            </a:pPr>
+            <a:r>
+              <a:rPr kumimoji="0" lang="en-US" sz="1000" b="1" i="0" u="none" strike="noStrike" kern="1200" cap="none" spc="0" normalizeH="0" baseline="0" noProof="0" dirty="0">
+                <a:ln>
+                  <a:noFill/>
+                </a:ln>
+                <a:solidFill>
+                  <a:prstClr val="black"/>
+                </a:solidFill>
+                <a:effectLst/>
+                <a:uLnTx/>
+                <a:uFillTx/>
+                <a:latin typeface="Consolas" panose="020B0609020204030204" pitchFamily="49" charset="0"/>
+                <a:ea typeface="+mn-ea"/>
+                <a:cs typeface="+mn-cs"/>
+              </a:rPr>
+              <a:t>S-101</a:t>
+            </a:r>
+            <a:endParaRPr kumimoji="0" lang="en-GB" sz="1000" b="1" i="0" u="none" strike="noStrike" kern="1200" cap="none" spc="0" normalizeH="0" baseline="0" noProof="0" dirty="0">
+              <a:ln>
+                <a:noFill/>
+              </a:ln>
+              <a:solidFill>
+                <a:prstClr val="black"/>
+              </a:solidFill>
+              <a:effectLst/>
+              <a:uLnTx/>
+              <a:uFillTx/>
+              <a:latin typeface="Consolas" panose="020B0609020204030204" pitchFamily="49" charset="0"/>
+              <a:ea typeface="+mn-ea"/>
+              <a:cs typeface="+mn-cs"/>
+            </a:endParaRPr>
+          </a:p>
+        </p:txBody>
+      </p:sp>
+      <p:sp>
+        <p:nvSpPr>
+          <p:cNvPr id="39" name="Freeform: Shape 38">
+            <a:extLst>
+              <a:ext uri="{FF2B5EF4-FFF2-40B4-BE49-F238E27FC236}">
+                <a16:creationId xmlns:a16="http://schemas.microsoft.com/office/drawing/2014/main" id="{2BE721FB-05C5-BF5E-1021-9928C3BB3F21}"/>
+              </a:ext>
+            </a:extLst>
+          </p:cNvPr>
+          <p:cNvSpPr/>
+          <p:nvPr/>
+        </p:nvSpPr>
+        <p:spPr>
+          <a:xfrm rot="16200000">
+            <a:off x="3369255" y="3721432"/>
+            <a:ext cx="685149" cy="1191416"/>
+          </a:xfrm>
+          <a:custGeom>
+            <a:avLst/>
+            <a:gdLst>
+              <a:gd name="connsiteX0" fmla="*/ 226406 w 685149"/>
+              <a:gd name="connsiteY0" fmla="*/ 0 h 1191416"/>
+              <a:gd name="connsiteX1" fmla="*/ 2288 w 685149"/>
+              <a:gd name="connsiteY1" fmla="*/ 663388 h 1191416"/>
+              <a:gd name="connsiteX2" fmla="*/ 136759 w 685149"/>
+              <a:gd name="connsiteY2" fmla="*/ 1071282 h 1191416"/>
+              <a:gd name="connsiteX3" fmla="*/ 540171 w 685149"/>
+              <a:gd name="connsiteY3" fmla="*/ 1174376 h 1191416"/>
+              <a:gd name="connsiteX4" fmla="*/ 674641 w 685149"/>
+              <a:gd name="connsiteY4" fmla="*/ 770964 h 1191416"/>
+              <a:gd name="connsiteX5" fmla="*/ 665677 w 685149"/>
+              <a:gd name="connsiteY5" fmla="*/ 591670 h 1191416"/>
+              <a:gd name="connsiteX6" fmla="*/ 580512 w 685149"/>
+              <a:gd name="connsiteY6" fmla="*/ 219635 h 1191416"/>
+              <a:gd name="connsiteX7" fmla="*/ 450524 w 685149"/>
+              <a:gd name="connsiteY7" fmla="*/ 4482 h 1191416"/>
+            </a:gdLst>
+            <a:ahLst/>
+            <a:cxnLst>
+              <a:cxn ang="0">
+                <a:pos x="connsiteX0" y="connsiteY0"/>
+              </a:cxn>
+              <a:cxn ang="0">
+                <a:pos x="connsiteX1" y="connsiteY1"/>
+              </a:cxn>
+              <a:cxn ang="0">
+                <a:pos x="connsiteX2" y="connsiteY2"/>
+              </a:cxn>
+              <a:cxn ang="0">
+                <a:pos x="connsiteX3" y="connsiteY3"/>
+              </a:cxn>
+              <a:cxn ang="0">
+                <a:pos x="connsiteX4" y="connsiteY4"/>
+              </a:cxn>
+              <a:cxn ang="0">
+                <a:pos x="connsiteX5" y="connsiteY5"/>
+              </a:cxn>
+              <a:cxn ang="0">
+                <a:pos x="connsiteX6" y="connsiteY6"/>
+              </a:cxn>
+              <a:cxn ang="0">
+                <a:pos x="connsiteX7" y="connsiteY7"/>
+              </a:cxn>
+            </a:cxnLst>
+            <a:rect l="l" t="t" r="r" b="b"/>
+            <a:pathLst>
+              <a:path w="685149" h="1191416">
+                <a:moveTo>
+                  <a:pt x="226406" y="0"/>
+                </a:moveTo>
+                <a:cubicBezTo>
+                  <a:pt x="121817" y="242420"/>
+                  <a:pt x="17229" y="484841"/>
+                  <a:pt x="2288" y="663388"/>
+                </a:cubicBezTo>
+                <a:cubicBezTo>
+                  <a:pt x="-12653" y="841935"/>
+                  <a:pt x="47112" y="986117"/>
+                  <a:pt x="136759" y="1071282"/>
+                </a:cubicBezTo>
+                <a:cubicBezTo>
+                  <a:pt x="226406" y="1156447"/>
+                  <a:pt x="450524" y="1224429"/>
+                  <a:pt x="540171" y="1174376"/>
+                </a:cubicBezTo>
+                <a:cubicBezTo>
+                  <a:pt x="629818" y="1124323"/>
+                  <a:pt x="653723" y="868082"/>
+                  <a:pt x="674641" y="770964"/>
+                </a:cubicBezTo>
+                <a:cubicBezTo>
+                  <a:pt x="695559" y="673846"/>
+                  <a:pt x="681365" y="683558"/>
+                  <a:pt x="665677" y="591670"/>
+                </a:cubicBezTo>
+                <a:cubicBezTo>
+                  <a:pt x="649989" y="499782"/>
+                  <a:pt x="616371" y="317500"/>
+                  <a:pt x="580512" y="219635"/>
+                </a:cubicBezTo>
+                <a:cubicBezTo>
+                  <a:pt x="544653" y="121770"/>
+                  <a:pt x="497588" y="63126"/>
+                  <a:pt x="450524" y="4482"/>
+                </a:cubicBezTo>
+              </a:path>
+            </a:pathLst>
+          </a:custGeom>
+          <a:noFill/>
+          <a:ln w="28575">
+            <a:solidFill>
+              <a:srgbClr val="C925BD"/>
+            </a:solidFill>
+            <a:prstDash val="sysDot"/>
+          </a:ln>
+        </p:spPr>
+        <p:style>
+          <a:lnRef idx="2">
+            <a:schemeClr val="accent1">
+              <a:shade val="15000"/>
+            </a:schemeClr>
+          </a:lnRef>
+          <a:fillRef idx="1">
+            <a:schemeClr val="accent1"/>
+          </a:fillRef>
+          <a:effectRef idx="0">
+            <a:schemeClr val="accent1"/>
+          </a:effectRef>
+          <a:fontRef idx="minor">
+            <a:schemeClr val="lt1"/>
+          </a:fontRef>
+        </p:style>
+        <p:txBody>
+          <a:bodyPr rtlCol="0" anchor="ctr"/>
+          <a:lstStyle/>
+          <a:p>
+            <a:pPr marL="0" marR="0" lvl="0" indent="0" algn="ctr" defTabSz="914400" rtl="0" eaLnBrk="1" fontAlgn="auto" latinLnBrk="0" hangingPunct="1">
+              <a:lnSpc>
+                <a:spcPct val="100000"/>
+              </a:lnSpc>
+              <a:spcBef>
+                <a:spcPts val="0"/>
+              </a:spcBef>
+              <a:spcAft>
+                <a:spcPts val="0"/>
+              </a:spcAft>
+              <a:buClrTx/>
+              <a:buSzTx/>
+              <a:buFontTx/>
+              <a:buNone/>
+              <a:tabLst/>
+              <a:defRPr/>
+            </a:pPr>
+            <a:endParaRPr kumimoji="0" lang="en-GB" sz="1800" b="0" i="0" u="none" strike="noStrike" kern="1200" cap="none" spc="0" normalizeH="0" baseline="0" noProof="0">
+              <a:ln>
+                <a:noFill/>
+              </a:ln>
+              <a:solidFill>
+                <a:prstClr val="white"/>
+              </a:solidFill>
+              <a:effectLst/>
+              <a:uLnTx/>
+              <a:uFillTx/>
+              <a:latin typeface="Calibri" panose="020F0502020204030204"/>
+              <a:ea typeface="+mn-ea"/>
+              <a:cs typeface="+mn-cs"/>
+            </a:endParaRPr>
+          </a:p>
+        </p:txBody>
+      </p:sp>
+      <p:sp>
+        <p:nvSpPr>
+          <p:cNvPr id="11" name="TextBox 10">
+            <a:extLst>
+              <a:ext uri="{FF2B5EF4-FFF2-40B4-BE49-F238E27FC236}">
+                <a16:creationId xmlns:a16="http://schemas.microsoft.com/office/drawing/2014/main" id="{B50B1F15-082C-32C3-7484-2D625CF168B6}"/>
+              </a:ext>
+            </a:extLst>
+          </p:cNvPr>
+          <p:cNvSpPr txBox="1"/>
+          <p:nvPr/>
+        </p:nvSpPr>
+        <p:spPr>
+          <a:xfrm rot="20414996">
+            <a:off x="3056051" y="3865474"/>
+            <a:ext cx="591829" cy="246221"/>
+          </a:xfrm>
+          <a:prstGeom prst="rect">
+            <a:avLst/>
+          </a:prstGeom>
+          <a:noFill/>
+        </p:spPr>
+        <p:txBody>
+          <a:bodyPr wrap="none" rtlCol="0">
+            <a:spAutoFit/>
+          </a:bodyPr>
+          <a:lstStyle/>
+          <a:p>
+            <a:pPr marL="0" marR="0" lvl="0" indent="0" algn="l" defTabSz="914400" rtl="0" eaLnBrk="1" fontAlgn="auto" latinLnBrk="0" hangingPunct="1">
+              <a:lnSpc>
+                <a:spcPct val="100000"/>
+              </a:lnSpc>
+              <a:spcBef>
+                <a:spcPts val="0"/>
+              </a:spcBef>
+              <a:spcAft>
+                <a:spcPts val="0"/>
+              </a:spcAft>
+              <a:buClrTx/>
+              <a:buSzTx/>
+              <a:buFontTx/>
+              <a:buNone/>
+              <a:tabLst/>
+              <a:defRPr/>
+            </a:pPr>
+            <a:r>
+              <a:rPr kumimoji="0" lang="en-US" sz="1000" b="1" i="0" u="none" strike="noStrike" kern="1200" cap="none" spc="0" normalizeH="0" baseline="0" noProof="0" dirty="0">
+                <a:ln>
+                  <a:noFill/>
+                </a:ln>
+                <a:solidFill>
+                  <a:prstClr val="black"/>
+                </a:solidFill>
+                <a:effectLst/>
+                <a:uLnTx/>
+                <a:uFillTx/>
+                <a:latin typeface="Calibri" panose="020F0502020204030204"/>
+                <a:ea typeface="+mn-ea"/>
+                <a:cs typeface="+mn-cs"/>
+              </a:rPr>
+              <a:t>Spatial</a:t>
+            </a:r>
+            <a:r>
+              <a:rPr kumimoji="0" lang="en-US" sz="1000" b="1" i="0" u="none" strike="noStrike" kern="1200" cap="none" spc="0" normalizeH="0" baseline="-25000" noProof="0" dirty="0">
+                <a:ln>
+                  <a:noFill/>
+                </a:ln>
+                <a:solidFill>
+                  <a:prstClr val="black"/>
+                </a:solidFill>
+                <a:effectLst/>
+                <a:uLnTx/>
+                <a:uFillTx/>
+                <a:latin typeface="Calibri" panose="020F0502020204030204"/>
+                <a:ea typeface="+mn-ea"/>
+                <a:cs typeface="+mn-cs"/>
+              </a:rPr>
+              <a:t>1</a:t>
+            </a:r>
+            <a:endParaRPr kumimoji="0" lang="en-GB" sz="1000" b="1" i="0" u="none" strike="noStrike" kern="1200" cap="none" spc="0" normalizeH="0" baseline="0" noProof="0" dirty="0">
+              <a:ln>
+                <a:noFill/>
+              </a:ln>
+              <a:solidFill>
+                <a:prstClr val="black"/>
+              </a:solidFill>
+              <a:effectLst/>
+              <a:uLnTx/>
+              <a:uFillTx/>
+              <a:latin typeface="Calibri" panose="020F0502020204030204"/>
+              <a:ea typeface="+mn-ea"/>
+              <a:cs typeface="+mn-cs"/>
+            </a:endParaRPr>
+          </a:p>
+        </p:txBody>
+      </p:sp>
+      <p:sp>
+        <p:nvSpPr>
+          <p:cNvPr id="32" name="TextBox 31">
+            <a:extLst>
+              <a:ext uri="{FF2B5EF4-FFF2-40B4-BE49-F238E27FC236}">
+                <a16:creationId xmlns:a16="http://schemas.microsoft.com/office/drawing/2014/main" id="{A8264199-AEA3-EB5E-EE26-A4C53BE880E1}"/>
+              </a:ext>
+            </a:extLst>
+          </p:cNvPr>
+          <p:cNvSpPr txBox="1"/>
+          <p:nvPr/>
+        </p:nvSpPr>
+        <p:spPr>
+          <a:xfrm rot="1382470">
+            <a:off x="3048476" y="4515153"/>
+            <a:ext cx="591829" cy="246221"/>
+          </a:xfrm>
+          <a:prstGeom prst="rect">
+            <a:avLst/>
+          </a:prstGeom>
+          <a:noFill/>
+        </p:spPr>
+        <p:txBody>
+          <a:bodyPr wrap="none" rtlCol="0">
+            <a:spAutoFit/>
+          </a:bodyPr>
+          <a:lstStyle/>
+          <a:p>
+            <a:pPr marL="0" marR="0" lvl="0" indent="0" algn="l" defTabSz="914400" rtl="0" eaLnBrk="1" fontAlgn="auto" latinLnBrk="0" hangingPunct="1">
+              <a:lnSpc>
+                <a:spcPct val="100000"/>
+              </a:lnSpc>
+              <a:spcBef>
+                <a:spcPts val="0"/>
+              </a:spcBef>
+              <a:spcAft>
+                <a:spcPts val="0"/>
+              </a:spcAft>
+              <a:buClrTx/>
+              <a:buSzTx/>
+              <a:buFontTx/>
+              <a:buNone/>
+              <a:tabLst/>
+              <a:defRPr/>
+            </a:pPr>
+            <a:r>
+              <a:rPr kumimoji="0" lang="en-US" sz="1000" b="1" i="0" u="none" strike="noStrike" kern="1200" cap="none" spc="0" normalizeH="0" baseline="0" noProof="0" dirty="0">
+                <a:ln>
+                  <a:noFill/>
+                </a:ln>
+                <a:solidFill>
+                  <a:prstClr val="black"/>
+                </a:solidFill>
+                <a:effectLst/>
+                <a:uLnTx/>
+                <a:uFillTx/>
+                <a:latin typeface="Calibri" panose="020F0502020204030204"/>
+                <a:ea typeface="+mn-ea"/>
+                <a:cs typeface="+mn-cs"/>
+              </a:rPr>
+              <a:t>Spatial</a:t>
+            </a:r>
+            <a:r>
+              <a:rPr kumimoji="0" lang="en-US" sz="1000" b="1" i="0" u="none" strike="noStrike" kern="1200" cap="none" spc="0" normalizeH="0" baseline="-25000" noProof="0" dirty="0">
+                <a:ln>
+                  <a:noFill/>
+                </a:ln>
+                <a:solidFill>
+                  <a:prstClr val="black"/>
+                </a:solidFill>
+                <a:effectLst/>
+                <a:uLnTx/>
+                <a:uFillTx/>
+                <a:latin typeface="Calibri" panose="020F0502020204030204"/>
+                <a:ea typeface="+mn-ea"/>
+                <a:cs typeface="+mn-cs"/>
+              </a:rPr>
+              <a:t>2</a:t>
+            </a:r>
+            <a:endParaRPr kumimoji="0" lang="en-GB" sz="1000" b="1" i="0" u="none" strike="noStrike" kern="1200" cap="none" spc="0" normalizeH="0" baseline="0" noProof="0" dirty="0">
+              <a:ln>
+                <a:noFill/>
+              </a:ln>
+              <a:solidFill>
+                <a:prstClr val="black"/>
+              </a:solidFill>
+              <a:effectLst/>
+              <a:uLnTx/>
+              <a:uFillTx/>
+              <a:latin typeface="Calibri" panose="020F0502020204030204"/>
+              <a:ea typeface="+mn-ea"/>
+              <a:cs typeface="+mn-cs"/>
+            </a:endParaRPr>
+          </a:p>
+        </p:txBody>
+      </p:sp>
+      <p:sp>
+        <p:nvSpPr>
+          <p:cNvPr id="41" name="TextBox 40">
+            <a:extLst>
+              <a:ext uri="{FF2B5EF4-FFF2-40B4-BE49-F238E27FC236}">
+                <a16:creationId xmlns:a16="http://schemas.microsoft.com/office/drawing/2014/main" id="{63CF069F-7CE4-99A9-31EC-9CA6EAF26715}"/>
+              </a:ext>
+            </a:extLst>
+          </p:cNvPr>
+          <p:cNvSpPr txBox="1"/>
+          <p:nvPr/>
+        </p:nvSpPr>
+        <p:spPr>
+          <a:xfrm>
+            <a:off x="3869865" y="5193649"/>
+            <a:ext cx="1075936" cy="215444"/>
+          </a:xfrm>
+          <a:prstGeom prst="rect">
+            <a:avLst/>
+          </a:prstGeom>
+          <a:noFill/>
+        </p:spPr>
+        <p:txBody>
+          <a:bodyPr wrap="none" rtlCol="0">
+            <a:spAutoFit/>
+          </a:bodyPr>
+          <a:lstStyle/>
+          <a:p>
+            <a:pPr marL="0" marR="0" lvl="0" indent="0" algn="l" defTabSz="914400" rtl="0" eaLnBrk="1" fontAlgn="auto" latinLnBrk="0" hangingPunct="1">
+              <a:lnSpc>
+                <a:spcPct val="100000"/>
+              </a:lnSpc>
+              <a:spcBef>
+                <a:spcPts val="0"/>
+              </a:spcBef>
+              <a:spcAft>
+                <a:spcPts val="0"/>
+              </a:spcAft>
+              <a:buClrTx/>
+              <a:buSzTx/>
+              <a:buFontTx/>
+              <a:buNone/>
+              <a:tabLst/>
+              <a:defRPr/>
+            </a:pPr>
+            <a:r>
+              <a:rPr kumimoji="0" lang="en-US" sz="800" b="1" i="0" u="none" strike="noStrike" kern="1200" cap="none" spc="0" normalizeH="0" baseline="0" noProof="0" dirty="0" err="1">
+                <a:ln>
+                  <a:noFill/>
+                </a:ln>
+                <a:solidFill>
+                  <a:prstClr val="black"/>
+                </a:solidFill>
+                <a:effectLst/>
+                <a:uLnTx/>
+                <a:uFillTx/>
+                <a:latin typeface="Calibri" panose="020F0502020204030204"/>
+                <a:ea typeface="+mn-ea"/>
+                <a:cs typeface="+mn-cs"/>
+              </a:rPr>
+              <a:t>foid</a:t>
+            </a:r>
+            <a:r>
+              <a:rPr kumimoji="0" lang="en-US" sz="800" b="1" i="0" u="none" strike="noStrike" kern="1200" cap="none" spc="0" normalizeH="0" baseline="0" noProof="0" dirty="0">
+                <a:ln>
+                  <a:noFill/>
+                </a:ln>
+                <a:solidFill>
+                  <a:prstClr val="black"/>
+                </a:solidFill>
+                <a:effectLst/>
+                <a:uLnTx/>
+                <a:uFillTx/>
+                <a:latin typeface="Calibri" panose="020F0502020204030204"/>
+                <a:ea typeface="+mn-ea"/>
+                <a:cs typeface="+mn-cs"/>
+              </a:rPr>
+              <a:t>=1810:238975:35</a:t>
+            </a:r>
+            <a:endParaRPr kumimoji="0" lang="en-GB" sz="800" b="1" i="0" u="none" strike="noStrike" kern="1200" cap="none" spc="0" normalizeH="0" baseline="0" noProof="0" dirty="0">
+              <a:ln>
+                <a:noFill/>
+              </a:ln>
+              <a:solidFill>
+                <a:prstClr val="black"/>
+              </a:solidFill>
+              <a:effectLst/>
+              <a:uLnTx/>
+              <a:uFillTx/>
+              <a:latin typeface="Calibri" panose="020F0502020204030204"/>
+              <a:ea typeface="+mn-ea"/>
+              <a:cs typeface="+mn-cs"/>
+            </a:endParaRPr>
+          </a:p>
+        </p:txBody>
+      </p:sp>
+      <p:sp>
+        <p:nvSpPr>
+          <p:cNvPr id="42" name="TextBox 41">
+            <a:extLst>
+              <a:ext uri="{FF2B5EF4-FFF2-40B4-BE49-F238E27FC236}">
+                <a16:creationId xmlns:a16="http://schemas.microsoft.com/office/drawing/2014/main" id="{7E7600F2-AAD5-B46F-8E14-ED008F2D187F}"/>
+              </a:ext>
+            </a:extLst>
+          </p:cNvPr>
+          <p:cNvSpPr txBox="1"/>
+          <p:nvPr/>
+        </p:nvSpPr>
+        <p:spPr>
+          <a:xfrm>
+            <a:off x="2268454" y="5180514"/>
+            <a:ext cx="1075936" cy="215444"/>
+          </a:xfrm>
+          <a:prstGeom prst="rect">
+            <a:avLst/>
+          </a:prstGeom>
+          <a:noFill/>
+        </p:spPr>
+        <p:txBody>
+          <a:bodyPr wrap="none" rtlCol="0">
+            <a:spAutoFit/>
+          </a:bodyPr>
+          <a:lstStyle/>
+          <a:p>
+            <a:pPr marL="0" marR="0" lvl="0" indent="0" algn="l" defTabSz="914400" rtl="0" eaLnBrk="1" fontAlgn="auto" latinLnBrk="0" hangingPunct="1">
+              <a:lnSpc>
+                <a:spcPct val="100000"/>
+              </a:lnSpc>
+              <a:spcBef>
+                <a:spcPts val="0"/>
+              </a:spcBef>
+              <a:spcAft>
+                <a:spcPts val="0"/>
+              </a:spcAft>
+              <a:buClrTx/>
+              <a:buSzTx/>
+              <a:buFontTx/>
+              <a:buNone/>
+              <a:tabLst/>
+              <a:defRPr/>
+            </a:pPr>
+            <a:r>
+              <a:rPr kumimoji="0" lang="en-US" sz="800" b="1" i="0" u="none" strike="noStrike" kern="1200" cap="none" spc="0" normalizeH="0" baseline="0" noProof="0" dirty="0" err="1">
+                <a:ln>
+                  <a:noFill/>
+                </a:ln>
+                <a:solidFill>
+                  <a:prstClr val="black"/>
+                </a:solidFill>
+                <a:effectLst/>
+                <a:uLnTx/>
+                <a:uFillTx/>
+                <a:latin typeface="Calibri" panose="020F0502020204030204"/>
+                <a:ea typeface="+mn-ea"/>
+                <a:cs typeface="+mn-cs"/>
+              </a:rPr>
+              <a:t>foid</a:t>
+            </a:r>
+            <a:r>
+              <a:rPr kumimoji="0" lang="en-US" sz="800" b="1" i="0" u="none" strike="noStrike" kern="1200" cap="none" spc="0" normalizeH="0" baseline="0" noProof="0" dirty="0">
+                <a:ln>
+                  <a:noFill/>
+                </a:ln>
+                <a:solidFill>
+                  <a:prstClr val="black"/>
+                </a:solidFill>
+                <a:effectLst/>
+                <a:uLnTx/>
+                <a:uFillTx/>
+                <a:latin typeface="Calibri" panose="020F0502020204030204"/>
+                <a:ea typeface="+mn-ea"/>
+                <a:cs typeface="+mn-cs"/>
+              </a:rPr>
+              <a:t>=1810:238975:35</a:t>
+            </a:r>
+            <a:endParaRPr kumimoji="0" lang="en-GB" sz="800" b="1" i="0" u="none" strike="noStrike" kern="1200" cap="none" spc="0" normalizeH="0" baseline="0" noProof="0" dirty="0">
+              <a:ln>
+                <a:noFill/>
+              </a:ln>
+              <a:solidFill>
+                <a:prstClr val="black"/>
+              </a:solidFill>
+              <a:effectLst/>
+              <a:uLnTx/>
+              <a:uFillTx/>
+              <a:latin typeface="Calibri" panose="020F0502020204030204"/>
+              <a:ea typeface="+mn-ea"/>
+              <a:cs typeface="+mn-cs"/>
+            </a:endParaRPr>
+          </a:p>
+        </p:txBody>
+      </p:sp>
+      <p:sp>
+        <p:nvSpPr>
+          <p:cNvPr id="43" name="Freeform: Shape 42">
+            <a:extLst>
+              <a:ext uri="{FF2B5EF4-FFF2-40B4-BE49-F238E27FC236}">
+                <a16:creationId xmlns:a16="http://schemas.microsoft.com/office/drawing/2014/main" id="{002E3025-3412-15A1-7BF2-2F34D7273F63}"/>
+              </a:ext>
+            </a:extLst>
+          </p:cNvPr>
+          <p:cNvSpPr/>
+          <p:nvPr/>
+        </p:nvSpPr>
+        <p:spPr>
+          <a:xfrm>
+            <a:off x="2865412" y="4508073"/>
+            <a:ext cx="358624" cy="721658"/>
+          </a:xfrm>
+          <a:custGeom>
+            <a:avLst/>
+            <a:gdLst>
+              <a:gd name="connsiteX0" fmla="*/ 9000 w 358624"/>
+              <a:gd name="connsiteY0" fmla="*/ 721658 h 721658"/>
+              <a:gd name="connsiteX1" fmla="*/ 44859 w 358624"/>
+              <a:gd name="connsiteY1" fmla="*/ 138953 h 721658"/>
+              <a:gd name="connsiteX2" fmla="*/ 358624 w 358624"/>
+              <a:gd name="connsiteY2" fmla="*/ 0 h 721658"/>
+            </a:gdLst>
+            <a:ahLst/>
+            <a:cxnLst>
+              <a:cxn ang="0">
+                <a:pos x="connsiteX0" y="connsiteY0"/>
+              </a:cxn>
+              <a:cxn ang="0">
+                <a:pos x="connsiteX1" y="connsiteY1"/>
+              </a:cxn>
+              <a:cxn ang="0">
+                <a:pos x="connsiteX2" y="connsiteY2"/>
+              </a:cxn>
+            </a:cxnLst>
+            <a:rect l="l" t="t" r="r" b="b"/>
+            <a:pathLst>
+              <a:path w="358624" h="721658">
+                <a:moveTo>
+                  <a:pt x="9000" y="721658"/>
+                </a:moveTo>
+                <a:cubicBezTo>
+                  <a:pt x="-2206" y="490443"/>
+                  <a:pt x="-13412" y="259229"/>
+                  <a:pt x="44859" y="138953"/>
+                </a:cubicBezTo>
+                <a:cubicBezTo>
+                  <a:pt x="103130" y="18677"/>
+                  <a:pt x="230877" y="9338"/>
+                  <a:pt x="358624" y="0"/>
+                </a:cubicBezTo>
+              </a:path>
+            </a:pathLst>
+          </a:custGeom>
+          <a:noFill/>
+          <a:ln>
+            <a:tailEnd type="triangle"/>
+          </a:ln>
+        </p:spPr>
+        <p:style>
+          <a:lnRef idx="2">
+            <a:schemeClr val="accent1">
+              <a:shade val="15000"/>
+            </a:schemeClr>
+          </a:lnRef>
+          <a:fillRef idx="1">
+            <a:schemeClr val="accent1"/>
+          </a:fillRef>
+          <a:effectRef idx="0">
+            <a:schemeClr val="accent1"/>
+          </a:effectRef>
+          <a:fontRef idx="minor">
+            <a:schemeClr val="lt1"/>
+          </a:fontRef>
+        </p:style>
+        <p:txBody>
+          <a:bodyPr rtlCol="0" anchor="ctr"/>
+          <a:lstStyle/>
+          <a:p>
+            <a:pPr marL="0" marR="0" lvl="0" indent="0" algn="ctr" defTabSz="914400" rtl="0" eaLnBrk="1" fontAlgn="auto" latinLnBrk="0" hangingPunct="1">
+              <a:lnSpc>
+                <a:spcPct val="100000"/>
+              </a:lnSpc>
+              <a:spcBef>
+                <a:spcPts val="0"/>
+              </a:spcBef>
+              <a:spcAft>
+                <a:spcPts val="0"/>
+              </a:spcAft>
+              <a:buClrTx/>
+              <a:buSzTx/>
+              <a:buFontTx/>
+              <a:buNone/>
+              <a:tabLst/>
+              <a:defRPr/>
+            </a:pPr>
+            <a:endParaRPr kumimoji="0" lang="en-GB" sz="1800" b="0" i="0" u="none" strike="noStrike" kern="1200" cap="none" spc="0" normalizeH="0" baseline="0" noProof="0">
+              <a:ln>
+                <a:noFill/>
+              </a:ln>
+              <a:solidFill>
+                <a:prstClr val="white"/>
+              </a:solidFill>
+              <a:effectLst/>
+              <a:uLnTx/>
+              <a:uFillTx/>
+              <a:latin typeface="Calibri" panose="020F0502020204030204"/>
+              <a:ea typeface="+mn-ea"/>
+              <a:cs typeface="+mn-cs"/>
+            </a:endParaRPr>
+          </a:p>
+        </p:txBody>
+      </p:sp>
+      <p:sp>
+        <p:nvSpPr>
+          <p:cNvPr id="44" name="Freeform: Shape 43">
+            <a:extLst>
+              <a:ext uri="{FF2B5EF4-FFF2-40B4-BE49-F238E27FC236}">
+                <a16:creationId xmlns:a16="http://schemas.microsoft.com/office/drawing/2014/main" id="{1D1A5878-4727-64A6-54CC-76C326FB0625}"/>
+              </a:ext>
+            </a:extLst>
+          </p:cNvPr>
+          <p:cNvSpPr/>
+          <p:nvPr/>
+        </p:nvSpPr>
+        <p:spPr>
+          <a:xfrm>
+            <a:off x="2639457" y="4082234"/>
+            <a:ext cx="533919" cy="1154962"/>
+          </a:xfrm>
+          <a:custGeom>
+            <a:avLst/>
+            <a:gdLst>
+              <a:gd name="connsiteX0" fmla="*/ 247049 w 533919"/>
+              <a:gd name="connsiteY0" fmla="*/ 1154962 h 1154962"/>
+              <a:gd name="connsiteX1" fmla="*/ 519 w 533919"/>
+              <a:gd name="connsiteY1" fmla="*/ 285386 h 1154962"/>
+              <a:gd name="connsiteX2" fmla="*/ 305319 w 533919"/>
+              <a:gd name="connsiteY2" fmla="*/ 16445 h 1154962"/>
+              <a:gd name="connsiteX3" fmla="*/ 533919 w 533919"/>
+              <a:gd name="connsiteY3" fmla="*/ 52303 h 1154962"/>
+            </a:gdLst>
+            <a:ahLst/>
+            <a:cxnLst>
+              <a:cxn ang="0">
+                <a:pos x="connsiteX0" y="connsiteY0"/>
+              </a:cxn>
+              <a:cxn ang="0">
+                <a:pos x="connsiteX1" y="connsiteY1"/>
+              </a:cxn>
+              <a:cxn ang="0">
+                <a:pos x="connsiteX2" y="connsiteY2"/>
+              </a:cxn>
+              <a:cxn ang="0">
+                <a:pos x="connsiteX3" y="connsiteY3"/>
+              </a:cxn>
+            </a:cxnLst>
+            <a:rect l="l" t="t" r="r" b="b"/>
+            <a:pathLst>
+              <a:path w="533919" h="1154962">
+                <a:moveTo>
+                  <a:pt x="247049" y="1154962"/>
+                </a:moveTo>
+                <a:cubicBezTo>
+                  <a:pt x="118928" y="815050"/>
+                  <a:pt x="-9193" y="475139"/>
+                  <a:pt x="519" y="285386"/>
+                </a:cubicBezTo>
+                <a:cubicBezTo>
+                  <a:pt x="10231" y="95633"/>
+                  <a:pt x="216419" y="55292"/>
+                  <a:pt x="305319" y="16445"/>
+                </a:cubicBezTo>
+                <a:cubicBezTo>
+                  <a:pt x="394219" y="-22402"/>
+                  <a:pt x="464069" y="14950"/>
+                  <a:pt x="533919" y="52303"/>
+                </a:cubicBezTo>
+              </a:path>
+            </a:pathLst>
+          </a:custGeom>
+          <a:noFill/>
+          <a:ln>
+            <a:tailEnd type="triangle"/>
+          </a:ln>
+        </p:spPr>
+        <p:style>
+          <a:lnRef idx="2">
+            <a:schemeClr val="accent1">
+              <a:shade val="15000"/>
+            </a:schemeClr>
+          </a:lnRef>
+          <a:fillRef idx="1">
+            <a:schemeClr val="accent1"/>
+          </a:fillRef>
+          <a:effectRef idx="0">
+            <a:schemeClr val="accent1"/>
+          </a:effectRef>
+          <a:fontRef idx="minor">
+            <a:schemeClr val="lt1"/>
+          </a:fontRef>
+        </p:style>
+        <p:txBody>
+          <a:bodyPr rtlCol="0" anchor="ctr"/>
+          <a:lstStyle/>
+          <a:p>
+            <a:pPr marL="0" marR="0" lvl="0" indent="0" algn="ctr" defTabSz="914400" rtl="0" eaLnBrk="1" fontAlgn="auto" latinLnBrk="0" hangingPunct="1">
+              <a:lnSpc>
+                <a:spcPct val="100000"/>
+              </a:lnSpc>
+              <a:spcBef>
+                <a:spcPts val="0"/>
+              </a:spcBef>
+              <a:spcAft>
+                <a:spcPts val="0"/>
+              </a:spcAft>
+              <a:buClrTx/>
+              <a:buSzTx/>
+              <a:buFontTx/>
+              <a:buNone/>
+              <a:tabLst/>
+              <a:defRPr/>
+            </a:pPr>
+            <a:endParaRPr kumimoji="0" lang="en-GB" sz="1800" b="0" i="0" u="none" strike="noStrike" kern="1200" cap="none" spc="0" normalizeH="0" baseline="0" noProof="0">
+              <a:ln>
+                <a:noFill/>
+              </a:ln>
+              <a:solidFill>
+                <a:prstClr val="white"/>
+              </a:solidFill>
+              <a:effectLst/>
+              <a:uLnTx/>
+              <a:uFillTx/>
+              <a:latin typeface="Calibri" panose="020F0502020204030204"/>
+              <a:ea typeface="+mn-ea"/>
+              <a:cs typeface="+mn-cs"/>
+            </a:endParaRPr>
+          </a:p>
+        </p:txBody>
+      </p:sp>
+      <p:sp>
+        <p:nvSpPr>
+          <p:cNvPr id="45" name="Freeform: Shape 44">
+            <a:extLst>
+              <a:ext uri="{FF2B5EF4-FFF2-40B4-BE49-F238E27FC236}">
+                <a16:creationId xmlns:a16="http://schemas.microsoft.com/office/drawing/2014/main" id="{C0224D3A-5BA7-8BF5-4B73-54598EBD4F23}"/>
+              </a:ext>
+            </a:extLst>
+          </p:cNvPr>
+          <p:cNvSpPr/>
+          <p:nvPr/>
+        </p:nvSpPr>
+        <p:spPr>
+          <a:xfrm>
+            <a:off x="4231341" y="4347882"/>
+            <a:ext cx="167100" cy="900953"/>
+          </a:xfrm>
+          <a:custGeom>
+            <a:avLst/>
+            <a:gdLst>
+              <a:gd name="connsiteX0" fmla="*/ 0 w 167100"/>
+              <a:gd name="connsiteY0" fmla="*/ 900953 h 900953"/>
+              <a:gd name="connsiteX1" fmla="*/ 165847 w 167100"/>
+              <a:gd name="connsiteY1" fmla="*/ 170330 h 900953"/>
+              <a:gd name="connsiteX2" fmla="*/ 62753 w 167100"/>
+              <a:gd name="connsiteY2" fmla="*/ 0 h 900953"/>
+            </a:gdLst>
+            <a:ahLst/>
+            <a:cxnLst>
+              <a:cxn ang="0">
+                <a:pos x="connsiteX0" y="connsiteY0"/>
+              </a:cxn>
+              <a:cxn ang="0">
+                <a:pos x="connsiteX1" y="connsiteY1"/>
+              </a:cxn>
+              <a:cxn ang="0">
+                <a:pos x="connsiteX2" y="connsiteY2"/>
+              </a:cxn>
+            </a:cxnLst>
+            <a:rect l="l" t="t" r="r" b="b"/>
+            <a:pathLst>
+              <a:path w="167100" h="900953">
+                <a:moveTo>
+                  <a:pt x="0" y="900953"/>
+                </a:moveTo>
+                <a:cubicBezTo>
+                  <a:pt x="77694" y="610721"/>
+                  <a:pt x="155388" y="320489"/>
+                  <a:pt x="165847" y="170330"/>
+                </a:cubicBezTo>
+                <a:cubicBezTo>
+                  <a:pt x="176306" y="20171"/>
+                  <a:pt x="119529" y="10085"/>
+                  <a:pt x="62753" y="0"/>
+                </a:cubicBezTo>
+              </a:path>
+            </a:pathLst>
+          </a:custGeom>
+          <a:noFill/>
+          <a:ln>
+            <a:tailEnd type="triangle"/>
+          </a:ln>
+        </p:spPr>
+        <p:style>
+          <a:lnRef idx="2">
+            <a:schemeClr val="accent1">
+              <a:shade val="15000"/>
+            </a:schemeClr>
+          </a:lnRef>
+          <a:fillRef idx="1">
+            <a:schemeClr val="accent1"/>
+          </a:fillRef>
+          <a:effectRef idx="0">
+            <a:schemeClr val="accent1"/>
+          </a:effectRef>
+          <a:fontRef idx="minor">
+            <a:schemeClr val="lt1"/>
+          </a:fontRef>
+        </p:style>
+        <p:txBody>
+          <a:bodyPr rtlCol="0" anchor="ctr"/>
+          <a:lstStyle/>
+          <a:p>
+            <a:pPr marL="0" marR="0" lvl="0" indent="0" algn="ctr" defTabSz="914400" rtl="0" eaLnBrk="1" fontAlgn="auto" latinLnBrk="0" hangingPunct="1">
+              <a:lnSpc>
+                <a:spcPct val="100000"/>
+              </a:lnSpc>
+              <a:spcBef>
+                <a:spcPts val="0"/>
+              </a:spcBef>
+              <a:spcAft>
+                <a:spcPts val="0"/>
+              </a:spcAft>
+              <a:buClrTx/>
+              <a:buSzTx/>
+              <a:buFontTx/>
+              <a:buNone/>
+              <a:tabLst/>
+              <a:defRPr/>
+            </a:pPr>
+            <a:endParaRPr kumimoji="0" lang="en-GB" sz="1800" b="0" i="0" u="none" strike="noStrike" kern="1200" cap="none" spc="0" normalizeH="0" baseline="0" noProof="0">
+              <a:ln>
+                <a:noFill/>
+              </a:ln>
+              <a:solidFill>
+                <a:prstClr val="white"/>
+              </a:solidFill>
+              <a:effectLst/>
+              <a:uLnTx/>
+              <a:uFillTx/>
+              <a:latin typeface="Calibri" panose="020F0502020204030204"/>
+              <a:ea typeface="+mn-ea"/>
+              <a:cs typeface="+mn-cs"/>
+            </a:endParaRPr>
+          </a:p>
+        </p:txBody>
+      </p:sp>
+      <p:sp>
+        <p:nvSpPr>
+          <p:cNvPr id="46" name="TextBox 45">
+            <a:extLst>
+              <a:ext uri="{FF2B5EF4-FFF2-40B4-BE49-F238E27FC236}">
+                <a16:creationId xmlns:a16="http://schemas.microsoft.com/office/drawing/2014/main" id="{66B65465-554A-A9C7-B016-144DFFB1858B}"/>
+              </a:ext>
+            </a:extLst>
+          </p:cNvPr>
+          <p:cNvSpPr txBox="1"/>
+          <p:nvPr/>
+        </p:nvSpPr>
+        <p:spPr>
+          <a:xfrm>
+            <a:off x="1996885" y="4362617"/>
+            <a:ext cx="570990" cy="369332"/>
+          </a:xfrm>
+          <a:prstGeom prst="rect">
+            <a:avLst/>
+          </a:prstGeom>
+          <a:noFill/>
+        </p:spPr>
+        <p:txBody>
+          <a:bodyPr wrap="none" rtlCol="0">
+            <a:spAutoFit/>
+          </a:bodyPr>
+          <a:lstStyle/>
+          <a:p>
+            <a:pPr marL="0" marR="0" lvl="0" indent="0" algn="l" defTabSz="914400" rtl="0" eaLnBrk="1" fontAlgn="auto" latinLnBrk="0" hangingPunct="1">
+              <a:lnSpc>
+                <a:spcPct val="100000"/>
+              </a:lnSpc>
+              <a:spcBef>
+                <a:spcPts val="0"/>
+              </a:spcBef>
+              <a:spcAft>
+                <a:spcPts val="0"/>
+              </a:spcAft>
+              <a:buClrTx/>
+              <a:buSzTx/>
+              <a:buFontTx/>
+              <a:buNone/>
+              <a:tabLst/>
+              <a:defRPr/>
+            </a:pPr>
+            <a:r>
+              <a:rPr kumimoji="0" lang="en-US" sz="1800" b="1" i="0" u="none" strike="noStrike" kern="1200" cap="none" spc="0" normalizeH="0" baseline="0" noProof="0" dirty="0">
+                <a:ln>
+                  <a:noFill/>
+                </a:ln>
+                <a:solidFill>
+                  <a:srgbClr val="7030A0"/>
+                </a:solidFill>
+                <a:effectLst/>
+                <a:uLnTx/>
+                <a:uFillTx/>
+                <a:latin typeface="Calibri" panose="020F0502020204030204"/>
+                <a:ea typeface="+mn-ea"/>
+                <a:cs typeface="+mn-cs"/>
+              </a:rPr>
+              <a:t>pick</a:t>
+            </a:r>
+            <a:endParaRPr kumimoji="0" lang="en-GB" sz="1800" b="1" i="0" u="none" strike="noStrike" kern="1200" cap="none" spc="0" normalizeH="0" baseline="0" noProof="0" dirty="0">
+              <a:ln>
+                <a:noFill/>
+              </a:ln>
+              <a:solidFill>
+                <a:srgbClr val="7030A0"/>
+              </a:solidFill>
+              <a:effectLst/>
+              <a:uLnTx/>
+              <a:uFillTx/>
+              <a:latin typeface="Calibri" panose="020F0502020204030204"/>
+              <a:ea typeface="+mn-ea"/>
+              <a:cs typeface="+mn-cs"/>
+            </a:endParaRPr>
+          </a:p>
+        </p:txBody>
+      </p:sp>
+      <p:cxnSp>
+        <p:nvCxnSpPr>
+          <p:cNvPr id="47" name="Straight Arrow Connector 46">
+            <a:extLst>
+              <a:ext uri="{FF2B5EF4-FFF2-40B4-BE49-F238E27FC236}">
+                <a16:creationId xmlns:a16="http://schemas.microsoft.com/office/drawing/2014/main" id="{F59C39DF-9310-096D-71DE-18A2BAAF2C38}"/>
+              </a:ext>
+            </a:extLst>
+          </p:cNvPr>
+          <p:cNvCxnSpPr>
+            <a:cxnSpLocks/>
+          </p:cNvCxnSpPr>
+          <p:nvPr/>
+        </p:nvCxnSpPr>
+        <p:spPr>
+          <a:xfrm flipV="1">
+            <a:off x="2490002" y="4455459"/>
+            <a:ext cx="599109" cy="105229"/>
+          </a:xfrm>
+          <a:prstGeom prst="straightConnector1">
+            <a:avLst/>
+          </a:prstGeom>
+          <a:ln>
+            <a:solidFill>
+              <a:schemeClr val="tx1"/>
+            </a:solidFill>
+            <a:tailEnd type="triangle"/>
+          </a:ln>
+        </p:spPr>
+        <p:style>
+          <a:lnRef idx="1">
+            <a:schemeClr val="accent1"/>
+          </a:lnRef>
+          <a:fillRef idx="0">
+            <a:schemeClr val="accent1"/>
+          </a:fillRef>
+          <a:effectRef idx="0">
+            <a:schemeClr val="accent1"/>
+          </a:effectRef>
+          <a:fontRef idx="minor">
+            <a:schemeClr val="tx1"/>
+          </a:fontRef>
+        </p:style>
+      </p:cxnSp>
+      <p:sp>
+        <p:nvSpPr>
+          <p:cNvPr id="49" name="TextBox 48">
+            <a:extLst>
+              <a:ext uri="{FF2B5EF4-FFF2-40B4-BE49-F238E27FC236}">
+                <a16:creationId xmlns:a16="http://schemas.microsoft.com/office/drawing/2014/main" id="{C507BA05-0E72-4884-4476-E82CD0E6925A}"/>
+              </a:ext>
+            </a:extLst>
+          </p:cNvPr>
+          <p:cNvSpPr txBox="1"/>
+          <p:nvPr/>
+        </p:nvSpPr>
+        <p:spPr>
+          <a:xfrm>
+            <a:off x="1814161" y="2842383"/>
+            <a:ext cx="1049133" cy="369332"/>
+          </a:xfrm>
+          <a:prstGeom prst="rect">
+            <a:avLst/>
+          </a:prstGeom>
+          <a:noFill/>
+        </p:spPr>
+        <p:txBody>
+          <a:bodyPr wrap="none" rtlCol="0">
+            <a:spAutoFit/>
+          </a:bodyPr>
+          <a:lstStyle/>
+          <a:p>
+            <a:pPr marL="0" marR="0" lvl="0" indent="0" algn="l" defTabSz="914400" rtl="0" eaLnBrk="1" fontAlgn="auto" latinLnBrk="0" hangingPunct="1">
+              <a:lnSpc>
+                <a:spcPct val="100000"/>
+              </a:lnSpc>
+              <a:spcBef>
+                <a:spcPts val="0"/>
+              </a:spcBef>
+              <a:spcAft>
+                <a:spcPts val="0"/>
+              </a:spcAft>
+              <a:buClrTx/>
+              <a:buSzTx/>
+              <a:buFontTx/>
+              <a:buNone/>
+              <a:tabLst/>
+              <a:defRPr/>
+            </a:pPr>
+            <a:r>
+              <a:rPr kumimoji="0" lang="en-US" sz="1800" b="0" i="0" u="none" strike="noStrike" kern="1200" cap="none" spc="0" normalizeH="0" baseline="0" noProof="0" dirty="0">
+                <a:ln>
+                  <a:noFill/>
+                </a:ln>
+                <a:solidFill>
+                  <a:prstClr val="black"/>
+                </a:solidFill>
+                <a:effectLst/>
+                <a:uLnTx/>
+                <a:uFillTx/>
+                <a:latin typeface="Calibri" panose="020F0502020204030204"/>
+                <a:ea typeface="+mn-ea"/>
+                <a:cs typeface="+mn-cs"/>
+              </a:rPr>
+              <a:t>Viewport</a:t>
+            </a:r>
+            <a:endParaRPr kumimoji="0" lang="en-GB" sz="1800" b="0" i="0" u="none" strike="noStrike" kern="1200" cap="none" spc="0" normalizeH="0" baseline="0" noProof="0" dirty="0">
+              <a:ln>
+                <a:noFill/>
+              </a:ln>
+              <a:solidFill>
+                <a:prstClr val="black"/>
+              </a:solidFill>
+              <a:effectLst/>
+              <a:uLnTx/>
+              <a:uFillTx/>
+              <a:latin typeface="Calibri" panose="020F0502020204030204"/>
+              <a:ea typeface="+mn-ea"/>
+              <a:cs typeface="+mn-cs"/>
+            </a:endParaRPr>
+          </a:p>
+        </p:txBody>
+      </p:sp>
+      <p:pic>
+        <p:nvPicPr>
+          <p:cNvPr id="2" name="Picture 1">
+            <a:extLst>
+              <a:ext uri="{FF2B5EF4-FFF2-40B4-BE49-F238E27FC236}">
+                <a16:creationId xmlns:a16="http://schemas.microsoft.com/office/drawing/2014/main" id="{8C3D4385-4E27-43B3-4A77-978DE1511855}"/>
+              </a:ext>
+            </a:extLst>
+          </p:cNvPr>
+          <p:cNvPicPr>
+            <a:picLocks noChangeAspect="1"/>
+          </p:cNvPicPr>
+          <p:nvPr/>
+        </p:nvPicPr>
+        <p:blipFill>
+          <a:blip r:embed="rId2"/>
+          <a:stretch>
+            <a:fillRect/>
+          </a:stretch>
+        </p:blipFill>
+        <p:spPr>
+          <a:xfrm>
+            <a:off x="5528156" y="136205"/>
+            <a:ext cx="6369745" cy="1237219"/>
+          </a:xfrm>
+          <a:prstGeom prst="rect">
+            <a:avLst/>
+          </a:prstGeom>
+        </p:spPr>
+      </p:pic>
+      <p:pic>
+        <p:nvPicPr>
+          <p:cNvPr id="3" name="Picture 2">
+            <a:extLst>
+              <a:ext uri="{FF2B5EF4-FFF2-40B4-BE49-F238E27FC236}">
+                <a16:creationId xmlns:a16="http://schemas.microsoft.com/office/drawing/2014/main" id="{F88D3A8D-B588-49AE-D9F0-91BF17B0AFE0}"/>
+              </a:ext>
+            </a:extLst>
+          </p:cNvPr>
+          <p:cNvPicPr>
+            <a:picLocks noChangeAspect="1"/>
+          </p:cNvPicPr>
+          <p:nvPr/>
+        </p:nvPicPr>
+        <p:blipFill>
+          <a:blip r:embed="rId3"/>
+          <a:stretch>
+            <a:fillRect/>
+          </a:stretch>
+        </p:blipFill>
+        <p:spPr>
+          <a:xfrm>
+            <a:off x="4158184" y="5927274"/>
+            <a:ext cx="7921043" cy="822806"/>
+          </a:xfrm>
+          <a:prstGeom prst="rect">
+            <a:avLst/>
+          </a:prstGeom>
+        </p:spPr>
+      </p:pic>
+    </p:spTree>
+    <p:extLst>
+      <p:ext uri="{BB962C8B-B14F-4D97-AF65-F5344CB8AC3E}">
+        <p14:creationId xmlns:p14="http://schemas.microsoft.com/office/powerpoint/2010/main" val="3853371298"/>
+      </p:ext>
+    </p:extLst>
+  </p:cSld>
+  <p:clrMapOvr>
+    <a:masterClrMapping/>
+  </p:clrMapOvr>
+</p:sld>
+</file>
+
+<file path=ppt/slides/slide12.xml><?xml version="1.0" encoding="utf-8"?>
+<p:sld xmlns:a="http://schemas.openxmlformats.org/drawingml/2006/main" xmlns:r="http://schemas.openxmlformats.org/officeDocument/2006/relationships" xmlns:p="http://schemas.openxmlformats.org/presentationml/2006/main">
+  <p:cSld>
+    <p:spTree>
+      <p:nvGrpSpPr>
         <p:cNvPr id="1" name="">
           <a:extLst>
             <a:ext uri="{FF2B5EF4-FFF2-40B4-BE49-F238E27FC236}">
@@ -3983,7 +6128,7 @@
 </p:sld>
 </file>
 
-<file path=ppt/slides/slide11.xml><?xml version="1.0" encoding="utf-8"?>
+<file path=ppt/slides/slide13.xml><?xml version="1.0" encoding="utf-8"?>
 <p:sld xmlns:a="http://schemas.openxmlformats.org/drawingml/2006/main" xmlns:r="http://schemas.openxmlformats.org/officeDocument/2006/relationships" xmlns:p="http://schemas.openxmlformats.org/presentationml/2006/main">
   <p:cSld>
     <p:spTree>
@@ -4366,7 +6511,7 @@
 </p:sld>
 </file>
 
-<file path=ppt/slides/slide12.xml><?xml version="1.0" encoding="utf-8"?>
+<file path=ppt/slides/slide14.xml><?xml version="1.0" encoding="utf-8"?>
 <p:sld xmlns:a="http://schemas.openxmlformats.org/drawingml/2006/main" xmlns:r="http://schemas.openxmlformats.org/officeDocument/2006/relationships" xmlns:p="http://schemas.openxmlformats.org/presentationml/2006/main">
   <p:cSld>
     <p:spTree>
@@ -6244,7 +8389,7 @@
 </p:sld>
 </file>
 
-<file path=ppt/slides/slide13.xml><?xml version="1.0" encoding="utf-8"?>
+<file path=ppt/slides/slide15.xml><?xml version="1.0" encoding="utf-8"?>
 <p:sld xmlns:a="http://schemas.openxmlformats.org/drawingml/2006/main" xmlns:r="http://schemas.openxmlformats.org/officeDocument/2006/relationships" xmlns:p="http://schemas.openxmlformats.org/presentationml/2006/main">
   <p:cSld>
     <p:spTree>
@@ -8894,7 +11039,7 @@
 </p:sld>
 </file>
 
-<file path=ppt/slides/slide14.xml><?xml version="1.0" encoding="utf-8"?>
+<file path=ppt/slides/slide16.xml><?xml version="1.0" encoding="utf-8"?>
 <p:sld xmlns:a="http://schemas.openxmlformats.org/drawingml/2006/main" xmlns:r="http://schemas.openxmlformats.org/officeDocument/2006/relationships" xmlns:p="http://schemas.openxmlformats.org/presentationml/2006/main">
   <p:cSld>
     <p:spTree>
@@ -10707,7 +12852,7 @@
 </p:sld>
 </file>
 
-<file path=ppt/slides/slide15.xml><?xml version="1.0" encoding="utf-8"?>
+<file path=ppt/slides/slide17.xml><?xml version="1.0" encoding="utf-8"?>
 <p:sld xmlns:a="http://schemas.openxmlformats.org/drawingml/2006/main" xmlns:r="http://schemas.openxmlformats.org/officeDocument/2006/relationships" xmlns:p="http://schemas.openxmlformats.org/presentationml/2006/main">
   <p:cSld>
     <p:spTree>
@@ -10936,7 +13081,7 @@
 </p:sld>
 </file>
 
-<file path=ppt/slides/slide16.xml><?xml version="1.0" encoding="utf-8"?>
+<file path=ppt/slides/slide18.xml><?xml version="1.0" encoding="utf-8"?>
 <p:sld xmlns:a="http://schemas.openxmlformats.org/drawingml/2006/main" xmlns:r="http://schemas.openxmlformats.org/officeDocument/2006/relationships" xmlns:p="http://schemas.openxmlformats.org/presentationml/2006/main">
   <p:cSld>
     <p:spTree>
@@ -11939,7 +14084,7 @@
 </p:sld>
 </file>
 
-<file path=ppt/slides/slide17.xml><?xml version="1.0" encoding="utf-8"?>
+<file path=ppt/slides/slide19.xml><?xml version="1.0" encoding="utf-8"?>
 <p:sld xmlns:a="http://schemas.openxmlformats.org/drawingml/2006/main" xmlns:r="http://schemas.openxmlformats.org/officeDocument/2006/relationships" xmlns:p="http://schemas.openxmlformats.org/presentationml/2006/main">
   <p:cSld>
     <p:spTree>
@@ -12928,7 +15073,87 @@
 </p:sld>
 </file>
 
-<file path=ppt/slides/slide18.xml><?xml version="1.0" encoding="utf-8"?>
+<file path=ppt/slides/slide2.xml><?xml version="1.0" encoding="utf-8"?>
+<p:sld xmlns:a="http://schemas.openxmlformats.org/drawingml/2006/main" xmlns:r="http://schemas.openxmlformats.org/officeDocument/2006/relationships" xmlns:p="http://schemas.openxmlformats.org/presentationml/2006/main">
+  <p:cSld>
+    <p:spTree>
+      <p:nvGrpSpPr>
+        <p:cNvPr id="1" name=""/>
+        <p:cNvGrpSpPr/>
+        <p:nvPr/>
+      </p:nvGrpSpPr>
+      <p:grpSpPr>
+        <a:xfrm>
+          <a:off x="0" y="0"/>
+          <a:ext cx="0" cy="0"/>
+          <a:chOff x="0" y="0"/>
+          <a:chExt cx="0" cy="0"/>
+        </a:xfrm>
+      </p:grpSpPr>
+      <p:sp>
+        <p:nvSpPr>
+          <p:cNvPr id="2" name="Title 1">
+            <a:extLst>
+              <a:ext uri="{FF2B5EF4-FFF2-40B4-BE49-F238E27FC236}">
+                <a16:creationId xmlns:a16="http://schemas.microsoft.com/office/drawing/2014/main" id="{FEA85EB5-3FE6-3CDD-C2ED-6D0EF3818307}"/>
+              </a:ext>
+            </a:extLst>
+          </p:cNvPr>
+          <p:cNvSpPr>
+            <a:spLocks noGrp="1"/>
+          </p:cNvSpPr>
+          <p:nvPr>
+            <p:ph type="title"/>
+          </p:nvPr>
+        </p:nvSpPr>
+        <p:spPr/>
+        <p:txBody>
+          <a:bodyPr/>
+          <a:lstStyle/>
+          <a:p>
+            <a:endParaRPr lang="en-GB"/>
+          </a:p>
+        </p:txBody>
+      </p:sp>
+      <p:sp>
+        <p:nvSpPr>
+          <p:cNvPr id="3" name="Content Placeholder 2">
+            <a:extLst>
+              <a:ext uri="{FF2B5EF4-FFF2-40B4-BE49-F238E27FC236}">
+                <a16:creationId xmlns:a16="http://schemas.microsoft.com/office/drawing/2014/main" id="{6997DFA4-8BB6-DF84-30C5-FC7F8139170A}"/>
+              </a:ext>
+            </a:extLst>
+          </p:cNvPr>
+          <p:cNvSpPr>
+            <a:spLocks noGrp="1"/>
+          </p:cNvSpPr>
+          <p:nvPr>
+            <p:ph idx="1"/>
+          </p:nvPr>
+        </p:nvSpPr>
+        <p:spPr/>
+        <p:txBody>
+          <a:bodyPr/>
+          <a:lstStyle/>
+          <a:p>
+            <a:endParaRPr lang="en-GB"/>
+          </a:p>
+        </p:txBody>
+      </p:sp>
+    </p:spTree>
+    <p:extLst>
+      <p:ext uri="{BB962C8B-B14F-4D97-AF65-F5344CB8AC3E}">
+        <p14:creationId xmlns:p14="http://schemas.microsoft.com/office/powerpoint/2010/main" val="3372809641"/>
+      </p:ext>
+    </p:extLst>
+  </p:cSld>
+  <p:clrMapOvr>
+    <a:masterClrMapping/>
+  </p:clrMapOvr>
+</p:sld>
+</file>
+
+<file path=ppt/slides/slide20.xml><?xml version="1.0" encoding="utf-8"?>
 <p:sld xmlns:a="http://schemas.openxmlformats.org/drawingml/2006/main" xmlns:r="http://schemas.openxmlformats.org/officeDocument/2006/relationships" xmlns:p="http://schemas.openxmlformats.org/presentationml/2006/main">
   <p:cSld>
     <p:spTree>
@@ -14674,7 +16899,7 @@
 </p:sld>
 </file>
 
-<file path=ppt/slides/slide19.xml><?xml version="1.0" encoding="utf-8"?>
+<file path=ppt/slides/slide21.xml><?xml version="1.0" encoding="utf-8"?>
 <p:sld xmlns:a="http://schemas.openxmlformats.org/drawingml/2006/main" xmlns:r="http://schemas.openxmlformats.org/officeDocument/2006/relationships" xmlns:p="http://schemas.openxmlformats.org/presentationml/2006/main">
   <p:cSld>
     <p:spTree>
@@ -17444,1856 +19669,7 @@
 </p:sld>
 </file>
 
-<file path=ppt/slides/slide2.xml><?xml version="1.0" encoding="utf-8"?>
-<p:sld xmlns:a="http://schemas.openxmlformats.org/drawingml/2006/main" xmlns:r="http://schemas.openxmlformats.org/officeDocument/2006/relationships" xmlns:p="http://schemas.openxmlformats.org/presentationml/2006/main">
-  <p:cSld>
-    <p:spTree>
-      <p:nvGrpSpPr>
-        <p:cNvPr id="1" name="">
-          <a:extLst>
-            <a:ext uri="{FF2B5EF4-FFF2-40B4-BE49-F238E27FC236}">
-              <a16:creationId xmlns:a16="http://schemas.microsoft.com/office/drawing/2014/main" id="{BFB8C13B-DC60-6CAA-EEEB-1E3D8BC6960F}"/>
-            </a:ext>
-          </a:extLst>
-        </p:cNvPr>
-        <p:cNvGrpSpPr/>
-        <p:nvPr/>
-      </p:nvGrpSpPr>
-      <p:grpSpPr>
-        <a:xfrm>
-          <a:off x="0" y="0"/>
-          <a:ext cx="0" cy="0"/>
-          <a:chOff x="0" y="0"/>
-          <a:chExt cx="0" cy="0"/>
-        </a:xfrm>
-      </p:grpSpPr>
-      <p:sp>
-        <p:nvSpPr>
-          <p:cNvPr id="5" name="Rectangle 4">
-            <a:extLst>
-              <a:ext uri="{FF2B5EF4-FFF2-40B4-BE49-F238E27FC236}">
-                <a16:creationId xmlns:a16="http://schemas.microsoft.com/office/drawing/2014/main" id="{171DCD72-545E-107A-90F9-4529F76E8DD4}"/>
-              </a:ext>
-            </a:extLst>
-          </p:cNvPr>
-          <p:cNvSpPr/>
-          <p:nvPr/>
-        </p:nvSpPr>
-        <p:spPr>
-          <a:xfrm>
-            <a:off x="230572" y="1505414"/>
-            <a:ext cx="3438144" cy="3608832"/>
-          </a:xfrm>
-          <a:prstGeom prst="rect">
-            <a:avLst/>
-          </a:prstGeom>
-          <a:solidFill>
-            <a:schemeClr val="accent5">
-              <a:lumMod val="40000"/>
-              <a:lumOff val="60000"/>
-            </a:schemeClr>
-          </a:solidFill>
-        </p:spPr>
-        <p:style>
-          <a:lnRef idx="2">
-            <a:schemeClr val="accent1">
-              <a:shade val="15000"/>
-            </a:schemeClr>
-          </a:lnRef>
-          <a:fillRef idx="1">
-            <a:schemeClr val="accent1"/>
-          </a:fillRef>
-          <a:effectRef idx="0">
-            <a:schemeClr val="accent1"/>
-          </a:effectRef>
-          <a:fontRef idx="minor">
-            <a:schemeClr val="lt1"/>
-          </a:fontRef>
-        </p:style>
-        <p:txBody>
-          <a:bodyPr rtlCol="0" anchor="ctr"/>
-          <a:lstStyle/>
-          <a:p>
-            <a:pPr marL="0" marR="0" lvl="0" indent="0" algn="ctr" defTabSz="914400" rtl="0" eaLnBrk="1" fontAlgn="auto" latinLnBrk="0" hangingPunct="1">
-              <a:lnSpc>
-                <a:spcPct val="100000"/>
-              </a:lnSpc>
-              <a:spcBef>
-                <a:spcPts val="0"/>
-              </a:spcBef>
-              <a:spcAft>
-                <a:spcPts val="0"/>
-              </a:spcAft>
-              <a:buClrTx/>
-              <a:buSzTx/>
-              <a:buFontTx/>
-              <a:buNone/>
-              <a:tabLst/>
-              <a:defRPr/>
-            </a:pPr>
-            <a:endParaRPr kumimoji="0" lang="en-GB" sz="1800" b="0" i="0" u="none" strike="noStrike" kern="1200" cap="none" spc="0" normalizeH="0" baseline="0" noProof="0">
-              <a:ln>
-                <a:noFill/>
-              </a:ln>
-              <a:solidFill>
-                <a:prstClr val="white"/>
-              </a:solidFill>
-              <a:effectLst/>
-              <a:uLnTx/>
-              <a:uFillTx/>
-              <a:latin typeface="Calibri" panose="020F0502020204030204"/>
-              <a:ea typeface="+mn-ea"/>
-              <a:cs typeface="+mn-cs"/>
-            </a:endParaRPr>
-          </a:p>
-        </p:txBody>
-      </p:sp>
-      <p:sp>
-        <p:nvSpPr>
-          <p:cNvPr id="6" name="Rectangle 5">
-            <a:extLst>
-              <a:ext uri="{FF2B5EF4-FFF2-40B4-BE49-F238E27FC236}">
-                <a16:creationId xmlns:a16="http://schemas.microsoft.com/office/drawing/2014/main" id="{7F3F3261-E190-F265-5AA0-D4D07205C1D3}"/>
-              </a:ext>
-            </a:extLst>
-          </p:cNvPr>
-          <p:cNvSpPr/>
-          <p:nvPr/>
-        </p:nvSpPr>
-        <p:spPr>
-          <a:xfrm>
-            <a:off x="3668716" y="1505414"/>
-            <a:ext cx="3438144" cy="3608832"/>
-          </a:xfrm>
-          <a:prstGeom prst="rect">
-            <a:avLst/>
-          </a:prstGeom>
-          <a:solidFill>
-            <a:schemeClr val="accent5">
-              <a:lumMod val="40000"/>
-              <a:lumOff val="60000"/>
-            </a:schemeClr>
-          </a:solidFill>
-        </p:spPr>
-        <p:style>
-          <a:lnRef idx="2">
-            <a:schemeClr val="accent1">
-              <a:shade val="15000"/>
-            </a:schemeClr>
-          </a:lnRef>
-          <a:fillRef idx="1">
-            <a:schemeClr val="accent1"/>
-          </a:fillRef>
-          <a:effectRef idx="0">
-            <a:schemeClr val="accent1"/>
-          </a:effectRef>
-          <a:fontRef idx="minor">
-            <a:schemeClr val="lt1"/>
-          </a:fontRef>
-        </p:style>
-        <p:txBody>
-          <a:bodyPr rtlCol="0" anchor="ctr"/>
-          <a:lstStyle/>
-          <a:p>
-            <a:pPr marL="0" marR="0" lvl="0" indent="0" algn="ctr" defTabSz="914400" rtl="0" eaLnBrk="1" fontAlgn="auto" latinLnBrk="0" hangingPunct="1">
-              <a:lnSpc>
-                <a:spcPct val="100000"/>
-              </a:lnSpc>
-              <a:spcBef>
-                <a:spcPts val="0"/>
-              </a:spcBef>
-              <a:spcAft>
-                <a:spcPts val="0"/>
-              </a:spcAft>
-              <a:buClrTx/>
-              <a:buSzTx/>
-              <a:buFontTx/>
-              <a:buNone/>
-              <a:tabLst/>
-              <a:defRPr/>
-            </a:pPr>
-            <a:endParaRPr kumimoji="0" lang="en-GB" sz="1800" b="0" i="0" u="none" strike="noStrike" kern="1200" cap="none" spc="0" normalizeH="0" baseline="0" noProof="0">
-              <a:ln>
-                <a:noFill/>
-              </a:ln>
-              <a:solidFill>
-                <a:prstClr val="white"/>
-              </a:solidFill>
-              <a:effectLst/>
-              <a:uLnTx/>
-              <a:uFillTx/>
-              <a:latin typeface="Calibri" panose="020F0502020204030204"/>
-              <a:ea typeface="+mn-ea"/>
-              <a:cs typeface="+mn-cs"/>
-            </a:endParaRPr>
-          </a:p>
-        </p:txBody>
-      </p:sp>
-      <p:sp>
-        <p:nvSpPr>
-          <p:cNvPr id="4" name="Rectangle 3">
-            <a:extLst>
-              <a:ext uri="{FF2B5EF4-FFF2-40B4-BE49-F238E27FC236}">
-                <a16:creationId xmlns:a16="http://schemas.microsoft.com/office/drawing/2014/main" id="{861BAF83-A7BA-8EB8-2311-272D873F329A}"/>
-              </a:ext>
-            </a:extLst>
-          </p:cNvPr>
-          <p:cNvSpPr/>
-          <p:nvPr/>
-        </p:nvSpPr>
-        <p:spPr>
-          <a:xfrm rot="21193878">
-            <a:off x="1648514" y="2866427"/>
-            <a:ext cx="4937760" cy="673445"/>
-          </a:xfrm>
-          <a:prstGeom prst="rect">
-            <a:avLst/>
-          </a:prstGeom>
-          <a:ln>
-            <a:solidFill>
-              <a:srgbClr val="C00000"/>
-            </a:solidFill>
-          </a:ln>
-        </p:spPr>
-        <p:style>
-          <a:lnRef idx="2">
-            <a:schemeClr val="accent1">
-              <a:shade val="15000"/>
-            </a:schemeClr>
-          </a:lnRef>
-          <a:fillRef idx="1">
-            <a:schemeClr val="accent1"/>
-          </a:fillRef>
-          <a:effectRef idx="0">
-            <a:schemeClr val="accent1"/>
-          </a:effectRef>
-          <a:fontRef idx="minor">
-            <a:schemeClr val="lt1"/>
-          </a:fontRef>
-        </p:style>
-        <p:txBody>
-          <a:bodyPr rtlCol="0" anchor="ctr"/>
-          <a:lstStyle/>
-          <a:p>
-            <a:pPr marL="0" marR="0" lvl="0" indent="0" algn="ctr" defTabSz="914400" rtl="0" eaLnBrk="1" fontAlgn="auto" latinLnBrk="0" hangingPunct="1">
-              <a:lnSpc>
-                <a:spcPct val="100000"/>
-              </a:lnSpc>
-              <a:spcBef>
-                <a:spcPts val="0"/>
-              </a:spcBef>
-              <a:spcAft>
-                <a:spcPts val="0"/>
-              </a:spcAft>
-              <a:buClrTx/>
-              <a:buSzTx/>
-              <a:buFontTx/>
-              <a:buNone/>
-              <a:tabLst/>
-              <a:defRPr/>
-            </a:pPr>
-            <a:r>
-              <a:rPr kumimoji="0" lang="en-US" sz="1800" b="0" i="0" u="none" strike="noStrike" kern="1200" cap="none" spc="0" normalizeH="0" baseline="0" noProof="0" dirty="0">
-                <a:ln>
-                  <a:noFill/>
-                </a:ln>
-                <a:solidFill>
-                  <a:prstClr val="white"/>
-                </a:solidFill>
-                <a:effectLst/>
-                <a:uLnTx/>
-                <a:uFillTx/>
-                <a:latin typeface="Calibri" panose="020F0502020204030204"/>
-                <a:ea typeface="+mn-ea"/>
-                <a:cs typeface="+mn-cs"/>
-              </a:rPr>
-              <a:t>Bridge</a:t>
-            </a:r>
-            <a:endParaRPr kumimoji="0" lang="en-GB" sz="1800" b="0" i="0" u="none" strike="noStrike" kern="1200" cap="none" spc="0" normalizeH="0" baseline="0" noProof="0" dirty="0">
-              <a:ln>
-                <a:noFill/>
-              </a:ln>
-              <a:solidFill>
-                <a:prstClr val="white"/>
-              </a:solidFill>
-              <a:effectLst/>
-              <a:uLnTx/>
-              <a:uFillTx/>
-              <a:latin typeface="Calibri" panose="020F0502020204030204"/>
-              <a:ea typeface="+mn-ea"/>
-              <a:cs typeface="+mn-cs"/>
-            </a:endParaRPr>
-          </a:p>
-        </p:txBody>
-      </p:sp>
-      <p:sp>
-        <p:nvSpPr>
-          <p:cNvPr id="7" name="Rectangle 6">
-            <a:extLst>
-              <a:ext uri="{FF2B5EF4-FFF2-40B4-BE49-F238E27FC236}">
-                <a16:creationId xmlns:a16="http://schemas.microsoft.com/office/drawing/2014/main" id="{1171059B-86AD-0FE2-61B4-89153C422A6C}"/>
-              </a:ext>
-            </a:extLst>
-          </p:cNvPr>
-          <p:cNvSpPr/>
-          <p:nvPr/>
-        </p:nvSpPr>
-        <p:spPr>
-          <a:xfrm>
-            <a:off x="468316" y="2738838"/>
-            <a:ext cx="2962656" cy="2029968"/>
-          </a:xfrm>
-          <a:prstGeom prst="rect">
-            <a:avLst/>
-          </a:prstGeom>
-          <a:noFill/>
-        </p:spPr>
-        <p:style>
-          <a:lnRef idx="2">
-            <a:schemeClr val="accent1">
-              <a:shade val="15000"/>
-            </a:schemeClr>
-          </a:lnRef>
-          <a:fillRef idx="1">
-            <a:schemeClr val="accent1"/>
-          </a:fillRef>
-          <a:effectRef idx="0">
-            <a:schemeClr val="accent1"/>
-          </a:effectRef>
-          <a:fontRef idx="minor">
-            <a:schemeClr val="lt1"/>
-          </a:fontRef>
-        </p:style>
-        <p:txBody>
-          <a:bodyPr rtlCol="0" anchor="ctr"/>
-          <a:lstStyle/>
-          <a:p>
-            <a:pPr marL="0" marR="0" lvl="0" indent="0" algn="ctr" defTabSz="914400" rtl="0" eaLnBrk="1" fontAlgn="auto" latinLnBrk="0" hangingPunct="1">
-              <a:lnSpc>
-                <a:spcPct val="100000"/>
-              </a:lnSpc>
-              <a:spcBef>
-                <a:spcPts val="0"/>
-              </a:spcBef>
-              <a:spcAft>
-                <a:spcPts val="0"/>
-              </a:spcAft>
-              <a:buClrTx/>
-              <a:buSzTx/>
-              <a:buFontTx/>
-              <a:buNone/>
-              <a:tabLst/>
-              <a:defRPr/>
-            </a:pPr>
-            <a:endParaRPr kumimoji="0" lang="en-GB" sz="1800" b="0" i="0" u="none" strike="noStrike" kern="1200" cap="none" spc="0" normalizeH="0" baseline="0" noProof="0">
-              <a:ln>
-                <a:noFill/>
-              </a:ln>
-              <a:solidFill>
-                <a:prstClr val="white"/>
-              </a:solidFill>
-              <a:effectLst/>
-              <a:uLnTx/>
-              <a:uFillTx/>
-              <a:latin typeface="Calibri" panose="020F0502020204030204"/>
-              <a:ea typeface="+mn-ea"/>
-              <a:cs typeface="+mn-cs"/>
-            </a:endParaRPr>
-          </a:p>
-        </p:txBody>
-      </p:sp>
-      <p:sp>
-        <p:nvSpPr>
-          <p:cNvPr id="8" name="TextBox 7">
-            <a:extLst>
-              <a:ext uri="{FF2B5EF4-FFF2-40B4-BE49-F238E27FC236}">
-                <a16:creationId xmlns:a16="http://schemas.microsoft.com/office/drawing/2014/main" id="{0015E66A-F381-4249-5C5B-F2A8B54504B4}"/>
-              </a:ext>
-            </a:extLst>
-          </p:cNvPr>
-          <p:cNvSpPr txBox="1"/>
-          <p:nvPr/>
-        </p:nvSpPr>
-        <p:spPr>
-          <a:xfrm>
-            <a:off x="431219" y="2700230"/>
-            <a:ext cx="1049133" cy="369332"/>
-          </a:xfrm>
-          <a:prstGeom prst="rect">
-            <a:avLst/>
-          </a:prstGeom>
-          <a:noFill/>
-        </p:spPr>
-        <p:txBody>
-          <a:bodyPr wrap="none" rtlCol="0">
-            <a:spAutoFit/>
-          </a:bodyPr>
-          <a:lstStyle/>
-          <a:p>
-            <a:pPr marL="0" marR="0" lvl="0" indent="0" algn="l" defTabSz="914400" rtl="0" eaLnBrk="1" fontAlgn="auto" latinLnBrk="0" hangingPunct="1">
-              <a:lnSpc>
-                <a:spcPct val="100000"/>
-              </a:lnSpc>
-              <a:spcBef>
-                <a:spcPts val="0"/>
-              </a:spcBef>
-              <a:spcAft>
-                <a:spcPts val="0"/>
-              </a:spcAft>
-              <a:buClrTx/>
-              <a:buSzTx/>
-              <a:buFontTx/>
-              <a:buNone/>
-              <a:tabLst/>
-              <a:defRPr/>
-            </a:pPr>
-            <a:r>
-              <a:rPr kumimoji="0" lang="en-US" sz="1800" b="0" i="0" u="none" strike="noStrike" kern="1200" cap="none" spc="0" normalizeH="0" baseline="0" noProof="0" dirty="0">
-                <a:ln>
-                  <a:noFill/>
-                </a:ln>
-                <a:solidFill>
-                  <a:prstClr val="black"/>
-                </a:solidFill>
-                <a:effectLst/>
-                <a:uLnTx/>
-                <a:uFillTx/>
-                <a:latin typeface="Calibri" panose="020F0502020204030204"/>
-                <a:ea typeface="+mn-ea"/>
-                <a:cs typeface="+mn-cs"/>
-              </a:rPr>
-              <a:t>Viewport</a:t>
-            </a:r>
-            <a:endParaRPr kumimoji="0" lang="en-GB" sz="1800" b="0" i="0" u="none" strike="noStrike" kern="1200" cap="none" spc="0" normalizeH="0" baseline="0" noProof="0" dirty="0">
-              <a:ln>
-                <a:noFill/>
-              </a:ln>
-              <a:solidFill>
-                <a:prstClr val="black"/>
-              </a:solidFill>
-              <a:effectLst/>
-              <a:uLnTx/>
-              <a:uFillTx/>
-              <a:latin typeface="Calibri" panose="020F0502020204030204"/>
-              <a:ea typeface="+mn-ea"/>
-              <a:cs typeface="+mn-cs"/>
-            </a:endParaRPr>
-          </a:p>
-        </p:txBody>
-      </p:sp>
-      <p:cxnSp>
-        <p:nvCxnSpPr>
-          <p:cNvPr id="10" name="Straight Connector 9">
-            <a:extLst>
-              <a:ext uri="{FF2B5EF4-FFF2-40B4-BE49-F238E27FC236}">
-                <a16:creationId xmlns:a16="http://schemas.microsoft.com/office/drawing/2014/main" id="{EBA09C29-A53D-FA25-4641-9D48FA1D8ADA}"/>
-              </a:ext>
-            </a:extLst>
-          </p:cNvPr>
-          <p:cNvCxnSpPr>
-            <a:cxnSpLocks/>
-          </p:cNvCxnSpPr>
-          <p:nvPr/>
-        </p:nvCxnSpPr>
-        <p:spPr>
-          <a:xfrm>
-            <a:off x="3668716" y="2915622"/>
-            <a:ext cx="0" cy="662432"/>
-          </a:xfrm>
-          <a:prstGeom prst="line">
-            <a:avLst/>
-          </a:prstGeom>
-          <a:ln>
-            <a:solidFill>
-              <a:schemeClr val="tx1">
-                <a:lumMod val="95000"/>
-                <a:lumOff val="5000"/>
-              </a:schemeClr>
-            </a:solidFill>
-            <a:prstDash val="dash"/>
-          </a:ln>
-        </p:spPr>
-        <p:style>
-          <a:lnRef idx="1">
-            <a:schemeClr val="accent1"/>
-          </a:lnRef>
-          <a:fillRef idx="0">
-            <a:schemeClr val="accent1"/>
-          </a:fillRef>
-          <a:effectRef idx="0">
-            <a:schemeClr val="accent1"/>
-          </a:effectRef>
-          <a:fontRef idx="minor">
-            <a:schemeClr val="tx1"/>
-          </a:fontRef>
-        </p:style>
-      </p:cxnSp>
-      <p:sp>
-        <p:nvSpPr>
-          <p:cNvPr id="13" name="TextBox 12">
-            <a:extLst>
-              <a:ext uri="{FF2B5EF4-FFF2-40B4-BE49-F238E27FC236}">
-                <a16:creationId xmlns:a16="http://schemas.microsoft.com/office/drawing/2014/main" id="{FD45D6EC-5F17-926C-33D0-55EA1B2A2134}"/>
-              </a:ext>
-            </a:extLst>
-          </p:cNvPr>
-          <p:cNvSpPr txBox="1"/>
-          <p:nvPr/>
-        </p:nvSpPr>
-        <p:spPr>
-          <a:xfrm>
-            <a:off x="3107005" y="1487603"/>
-            <a:ext cx="647934" cy="369332"/>
-          </a:xfrm>
-          <a:prstGeom prst="rect">
-            <a:avLst/>
-          </a:prstGeom>
-          <a:noFill/>
-        </p:spPr>
-        <p:txBody>
-          <a:bodyPr wrap="none" rtlCol="0">
-            <a:spAutoFit/>
-          </a:bodyPr>
-          <a:lstStyle/>
-          <a:p>
-            <a:pPr marL="0" marR="0" lvl="0" indent="0" algn="l" defTabSz="914400" rtl="0" eaLnBrk="1" fontAlgn="auto" latinLnBrk="0" hangingPunct="1">
-              <a:lnSpc>
-                <a:spcPct val="100000"/>
-              </a:lnSpc>
-              <a:spcBef>
-                <a:spcPts val="0"/>
-              </a:spcBef>
-              <a:spcAft>
-                <a:spcPts val="0"/>
-              </a:spcAft>
-              <a:buClrTx/>
-              <a:buSzTx/>
-              <a:buFontTx/>
-              <a:buNone/>
-              <a:tabLst/>
-              <a:defRPr/>
-            </a:pPr>
-            <a:r>
-              <a:rPr kumimoji="0" lang="en-US" sz="1800" b="0" i="0" u="none" strike="noStrike" kern="1200" cap="none" spc="0" normalizeH="0" baseline="0" noProof="0" dirty="0">
-                <a:ln>
-                  <a:noFill/>
-                </a:ln>
-                <a:solidFill>
-                  <a:srgbClr val="44546A">
-                    <a:lumMod val="50000"/>
-                  </a:srgbClr>
-                </a:solidFill>
-                <a:effectLst/>
-                <a:uLnTx/>
-                <a:uFillTx/>
-                <a:latin typeface="Calibri" panose="020F0502020204030204"/>
-                <a:ea typeface="+mn-ea"/>
-                <a:cs typeface="+mn-cs"/>
-              </a:rPr>
-              <a:t>ENC</a:t>
-            </a:r>
-            <a:r>
-              <a:rPr kumimoji="0" lang="en-US" sz="1800" b="0" i="0" u="none" strike="noStrike" kern="1200" cap="none" spc="0" normalizeH="0" baseline="-25000" noProof="0" dirty="0">
-                <a:ln>
-                  <a:noFill/>
-                </a:ln>
-                <a:solidFill>
-                  <a:srgbClr val="44546A">
-                    <a:lumMod val="50000"/>
-                  </a:srgbClr>
-                </a:solidFill>
-                <a:effectLst/>
-                <a:uLnTx/>
-                <a:uFillTx/>
-                <a:latin typeface="Calibri" panose="020F0502020204030204"/>
-                <a:ea typeface="+mn-ea"/>
-                <a:cs typeface="+mn-cs"/>
-              </a:rPr>
-              <a:t>1</a:t>
-            </a:r>
-            <a:endParaRPr kumimoji="0" lang="en-GB" sz="1800" b="0" i="0" u="none" strike="noStrike" kern="1200" cap="none" spc="0" normalizeH="0" baseline="0" noProof="0" dirty="0">
-              <a:ln>
-                <a:noFill/>
-              </a:ln>
-              <a:solidFill>
-                <a:srgbClr val="44546A">
-                  <a:lumMod val="50000"/>
-                </a:srgbClr>
-              </a:solidFill>
-              <a:effectLst/>
-              <a:uLnTx/>
-              <a:uFillTx/>
-              <a:latin typeface="Calibri" panose="020F0502020204030204"/>
-              <a:ea typeface="+mn-ea"/>
-              <a:cs typeface="+mn-cs"/>
-            </a:endParaRPr>
-          </a:p>
-        </p:txBody>
-      </p:sp>
-      <p:sp>
-        <p:nvSpPr>
-          <p:cNvPr id="14" name="TextBox 13">
-            <a:extLst>
-              <a:ext uri="{FF2B5EF4-FFF2-40B4-BE49-F238E27FC236}">
-                <a16:creationId xmlns:a16="http://schemas.microsoft.com/office/drawing/2014/main" id="{D40006B2-C45F-2C32-AB42-81338898691D}"/>
-              </a:ext>
-            </a:extLst>
-          </p:cNvPr>
-          <p:cNvSpPr txBox="1"/>
-          <p:nvPr/>
-        </p:nvSpPr>
-        <p:spPr>
-          <a:xfrm>
-            <a:off x="6545149" y="1452827"/>
-            <a:ext cx="647934" cy="369332"/>
-          </a:xfrm>
-          <a:prstGeom prst="rect">
-            <a:avLst/>
-          </a:prstGeom>
-          <a:noFill/>
-        </p:spPr>
-        <p:txBody>
-          <a:bodyPr wrap="none" rtlCol="0">
-            <a:spAutoFit/>
-          </a:bodyPr>
-          <a:lstStyle/>
-          <a:p>
-            <a:pPr marL="0" marR="0" lvl="0" indent="0" algn="l" defTabSz="914400" rtl="0" eaLnBrk="1" fontAlgn="auto" latinLnBrk="0" hangingPunct="1">
-              <a:lnSpc>
-                <a:spcPct val="100000"/>
-              </a:lnSpc>
-              <a:spcBef>
-                <a:spcPts val="0"/>
-              </a:spcBef>
-              <a:spcAft>
-                <a:spcPts val="0"/>
-              </a:spcAft>
-              <a:buClrTx/>
-              <a:buSzTx/>
-              <a:buFontTx/>
-              <a:buNone/>
-              <a:tabLst/>
-              <a:defRPr/>
-            </a:pPr>
-            <a:r>
-              <a:rPr kumimoji="0" lang="en-US" sz="1800" b="0" i="0" u="none" strike="noStrike" kern="1200" cap="none" spc="0" normalizeH="0" baseline="0" noProof="0" dirty="0">
-                <a:ln>
-                  <a:noFill/>
-                </a:ln>
-                <a:solidFill>
-                  <a:srgbClr val="44546A">
-                    <a:lumMod val="50000"/>
-                  </a:srgbClr>
-                </a:solidFill>
-                <a:effectLst/>
-                <a:uLnTx/>
-                <a:uFillTx/>
-                <a:latin typeface="Calibri" panose="020F0502020204030204"/>
-                <a:ea typeface="+mn-ea"/>
-                <a:cs typeface="+mn-cs"/>
-              </a:rPr>
-              <a:t>ENC</a:t>
-            </a:r>
-            <a:r>
-              <a:rPr kumimoji="0" lang="en-US" sz="1800" b="0" i="0" u="none" strike="noStrike" kern="1200" cap="none" spc="0" normalizeH="0" baseline="-25000" noProof="0" dirty="0">
-                <a:ln>
-                  <a:noFill/>
-                </a:ln>
-                <a:solidFill>
-                  <a:srgbClr val="44546A">
-                    <a:lumMod val="50000"/>
-                  </a:srgbClr>
-                </a:solidFill>
-                <a:effectLst/>
-                <a:uLnTx/>
-                <a:uFillTx/>
-                <a:latin typeface="Calibri" panose="020F0502020204030204"/>
-                <a:ea typeface="+mn-ea"/>
-                <a:cs typeface="+mn-cs"/>
-              </a:rPr>
-              <a:t>2</a:t>
-            </a:r>
-            <a:endParaRPr kumimoji="0" lang="en-GB" sz="1800" b="0" i="0" u="none" strike="noStrike" kern="1200" cap="none" spc="0" normalizeH="0" baseline="0" noProof="0" dirty="0">
-              <a:ln>
-                <a:noFill/>
-              </a:ln>
-              <a:solidFill>
-                <a:srgbClr val="44546A">
-                  <a:lumMod val="50000"/>
-                </a:srgbClr>
-              </a:solidFill>
-              <a:effectLst/>
-              <a:uLnTx/>
-              <a:uFillTx/>
-              <a:latin typeface="Calibri" panose="020F0502020204030204"/>
-              <a:ea typeface="+mn-ea"/>
-              <a:cs typeface="+mn-cs"/>
-            </a:endParaRPr>
-          </a:p>
-        </p:txBody>
-      </p:sp>
-      <p:sp>
-        <p:nvSpPr>
-          <p:cNvPr id="16" name="Oval 15">
-            <a:extLst>
-              <a:ext uri="{FF2B5EF4-FFF2-40B4-BE49-F238E27FC236}">
-                <a16:creationId xmlns:a16="http://schemas.microsoft.com/office/drawing/2014/main" id="{90FCB501-C99A-5821-5703-45B5DD1ACAFB}"/>
-              </a:ext>
-            </a:extLst>
-          </p:cNvPr>
-          <p:cNvSpPr/>
-          <p:nvPr/>
-        </p:nvSpPr>
-        <p:spPr>
-          <a:xfrm>
-            <a:off x="4912190" y="2590850"/>
-            <a:ext cx="89408" cy="85344"/>
-          </a:xfrm>
-          <a:prstGeom prst="ellipse">
-            <a:avLst/>
-          </a:prstGeom>
-          <a:solidFill>
-            <a:srgbClr val="FF0000"/>
-          </a:solidFill>
-        </p:spPr>
-        <p:style>
-          <a:lnRef idx="2">
-            <a:schemeClr val="accent1">
-              <a:shade val="15000"/>
-            </a:schemeClr>
-          </a:lnRef>
-          <a:fillRef idx="1">
-            <a:schemeClr val="accent1"/>
-          </a:fillRef>
-          <a:effectRef idx="0">
-            <a:schemeClr val="accent1"/>
-          </a:effectRef>
-          <a:fontRef idx="minor">
-            <a:schemeClr val="lt1"/>
-          </a:fontRef>
-        </p:style>
-        <p:txBody>
-          <a:bodyPr rtlCol="0" anchor="ctr"/>
-          <a:lstStyle/>
-          <a:p>
-            <a:pPr marL="0" marR="0" lvl="0" indent="0" algn="ctr" defTabSz="914400" rtl="0" eaLnBrk="1" fontAlgn="auto" latinLnBrk="0" hangingPunct="1">
-              <a:lnSpc>
-                <a:spcPct val="100000"/>
-              </a:lnSpc>
-              <a:spcBef>
-                <a:spcPts val="0"/>
-              </a:spcBef>
-              <a:spcAft>
-                <a:spcPts val="0"/>
-              </a:spcAft>
-              <a:buClrTx/>
-              <a:buSzTx/>
-              <a:buFontTx/>
-              <a:buNone/>
-              <a:tabLst/>
-              <a:defRPr/>
-            </a:pPr>
-            <a:endParaRPr kumimoji="0" lang="en-GB" sz="1800" b="0" i="0" u="none" strike="noStrike" kern="1200" cap="none" spc="0" normalizeH="0" baseline="0" noProof="0">
-              <a:ln>
-                <a:noFill/>
-              </a:ln>
-              <a:solidFill>
-                <a:prstClr val="white"/>
-              </a:solidFill>
-              <a:effectLst/>
-              <a:uLnTx/>
-              <a:uFillTx/>
-              <a:latin typeface="Calibri" panose="020F0502020204030204"/>
-              <a:ea typeface="+mn-ea"/>
-              <a:cs typeface="+mn-cs"/>
-            </a:endParaRPr>
-          </a:p>
-        </p:txBody>
-      </p:sp>
-      <p:sp>
-        <p:nvSpPr>
-          <p:cNvPr id="17" name="Oval 16">
-            <a:extLst>
-              <a:ext uri="{FF2B5EF4-FFF2-40B4-BE49-F238E27FC236}">
-                <a16:creationId xmlns:a16="http://schemas.microsoft.com/office/drawing/2014/main" id="{ECE7B046-C23C-10D1-7C70-E3BB3B5E368E}"/>
-              </a:ext>
-            </a:extLst>
-          </p:cNvPr>
-          <p:cNvSpPr/>
-          <p:nvPr/>
-        </p:nvSpPr>
-        <p:spPr>
-          <a:xfrm>
-            <a:off x="4889775" y="3509447"/>
-            <a:ext cx="89408" cy="85344"/>
-          </a:xfrm>
-          <a:prstGeom prst="ellipse">
-            <a:avLst/>
-          </a:prstGeom>
-          <a:solidFill>
-            <a:schemeClr val="accent6">
-              <a:lumMod val="60000"/>
-              <a:lumOff val="40000"/>
-            </a:schemeClr>
-          </a:solidFill>
-        </p:spPr>
-        <p:style>
-          <a:lnRef idx="2">
-            <a:schemeClr val="accent1">
-              <a:shade val="15000"/>
-            </a:schemeClr>
-          </a:lnRef>
-          <a:fillRef idx="1">
-            <a:schemeClr val="accent1"/>
-          </a:fillRef>
-          <a:effectRef idx="0">
-            <a:schemeClr val="accent1"/>
-          </a:effectRef>
-          <a:fontRef idx="minor">
-            <a:schemeClr val="lt1"/>
-          </a:fontRef>
-        </p:style>
-        <p:txBody>
-          <a:bodyPr rtlCol="0" anchor="ctr"/>
-          <a:lstStyle/>
-          <a:p>
-            <a:pPr marL="0" marR="0" lvl="0" indent="0" algn="ctr" defTabSz="914400" rtl="0" eaLnBrk="1" fontAlgn="auto" latinLnBrk="0" hangingPunct="1">
-              <a:lnSpc>
-                <a:spcPct val="100000"/>
-              </a:lnSpc>
-              <a:spcBef>
-                <a:spcPts val="0"/>
-              </a:spcBef>
-              <a:spcAft>
-                <a:spcPts val="0"/>
-              </a:spcAft>
-              <a:buClrTx/>
-              <a:buSzTx/>
-              <a:buFontTx/>
-              <a:buNone/>
-              <a:tabLst/>
-              <a:defRPr/>
-            </a:pPr>
-            <a:endParaRPr kumimoji="0" lang="en-GB" sz="1800" b="0" i="0" u="none" strike="noStrike" kern="1200" cap="none" spc="0" normalizeH="0" baseline="0" noProof="0">
-              <a:ln>
-                <a:noFill/>
-              </a:ln>
-              <a:solidFill>
-                <a:prstClr val="white"/>
-              </a:solidFill>
-              <a:effectLst/>
-              <a:uLnTx/>
-              <a:uFillTx/>
-              <a:latin typeface="Calibri" panose="020F0502020204030204"/>
-              <a:ea typeface="+mn-ea"/>
-              <a:cs typeface="+mn-cs"/>
-            </a:endParaRPr>
-          </a:p>
-        </p:txBody>
-      </p:sp>
-      <p:cxnSp>
-        <p:nvCxnSpPr>
-          <p:cNvPr id="19" name="Straight Arrow Connector 18">
-            <a:extLst>
-              <a:ext uri="{FF2B5EF4-FFF2-40B4-BE49-F238E27FC236}">
-                <a16:creationId xmlns:a16="http://schemas.microsoft.com/office/drawing/2014/main" id="{041872E0-F863-E2A0-1158-FD26D427C4A4}"/>
-              </a:ext>
-            </a:extLst>
-          </p:cNvPr>
-          <p:cNvCxnSpPr/>
-          <p:nvPr/>
-        </p:nvCxnSpPr>
-        <p:spPr>
-          <a:xfrm>
-            <a:off x="1480352" y="3341005"/>
-            <a:ext cx="268705" cy="168442"/>
-          </a:xfrm>
-          <a:prstGeom prst="straightConnector1">
-            <a:avLst/>
-          </a:prstGeom>
-          <a:ln>
-            <a:solidFill>
-              <a:schemeClr val="tx1"/>
-            </a:solidFill>
-            <a:tailEnd type="triangle"/>
-          </a:ln>
-        </p:spPr>
-        <p:style>
-          <a:lnRef idx="1">
-            <a:schemeClr val="accent1"/>
-          </a:lnRef>
-          <a:fillRef idx="0">
-            <a:schemeClr val="accent1"/>
-          </a:fillRef>
-          <a:effectRef idx="0">
-            <a:schemeClr val="accent1"/>
-          </a:effectRef>
-          <a:fontRef idx="minor">
-            <a:schemeClr val="tx1"/>
-          </a:fontRef>
-        </p:style>
-      </p:cxnSp>
-      <p:sp>
-        <p:nvSpPr>
-          <p:cNvPr id="25" name="TextBox 24">
-            <a:extLst>
-              <a:ext uri="{FF2B5EF4-FFF2-40B4-BE49-F238E27FC236}">
-                <a16:creationId xmlns:a16="http://schemas.microsoft.com/office/drawing/2014/main" id="{AB7121D8-A136-26BB-C5F8-55842663AC99}"/>
-              </a:ext>
-            </a:extLst>
-          </p:cNvPr>
-          <p:cNvSpPr txBox="1"/>
-          <p:nvPr/>
-        </p:nvSpPr>
-        <p:spPr>
-          <a:xfrm>
-            <a:off x="1005408" y="3140115"/>
-            <a:ext cx="570990" cy="369332"/>
-          </a:xfrm>
-          <a:prstGeom prst="rect">
-            <a:avLst/>
-          </a:prstGeom>
-          <a:noFill/>
-        </p:spPr>
-        <p:txBody>
-          <a:bodyPr wrap="none" rtlCol="0">
-            <a:spAutoFit/>
-          </a:bodyPr>
-          <a:lstStyle/>
-          <a:p>
-            <a:pPr marL="0" marR="0" lvl="0" indent="0" algn="l" defTabSz="914400" rtl="0" eaLnBrk="1" fontAlgn="auto" latinLnBrk="0" hangingPunct="1">
-              <a:lnSpc>
-                <a:spcPct val="100000"/>
-              </a:lnSpc>
-              <a:spcBef>
-                <a:spcPts val="0"/>
-              </a:spcBef>
-              <a:spcAft>
-                <a:spcPts val="0"/>
-              </a:spcAft>
-              <a:buClrTx/>
-              <a:buSzTx/>
-              <a:buFontTx/>
-              <a:buNone/>
-              <a:tabLst/>
-              <a:defRPr/>
-            </a:pPr>
-            <a:r>
-              <a:rPr kumimoji="0" lang="en-US" sz="1800" b="1" i="0" u="none" strike="noStrike" kern="1200" cap="none" spc="0" normalizeH="0" baseline="0" noProof="0" dirty="0">
-                <a:ln>
-                  <a:noFill/>
-                </a:ln>
-                <a:solidFill>
-                  <a:srgbClr val="7030A0"/>
-                </a:solidFill>
-                <a:effectLst/>
-                <a:uLnTx/>
-                <a:uFillTx/>
-                <a:latin typeface="Calibri" panose="020F0502020204030204"/>
-                <a:ea typeface="+mn-ea"/>
-                <a:cs typeface="+mn-cs"/>
-              </a:rPr>
-              <a:t>pick</a:t>
-            </a:r>
-            <a:endParaRPr kumimoji="0" lang="en-GB" sz="1800" b="1" i="0" u="none" strike="noStrike" kern="1200" cap="none" spc="0" normalizeH="0" baseline="0" noProof="0" dirty="0">
-              <a:ln>
-                <a:noFill/>
-              </a:ln>
-              <a:solidFill>
-                <a:srgbClr val="7030A0"/>
-              </a:solidFill>
-              <a:effectLst/>
-              <a:uLnTx/>
-              <a:uFillTx/>
-              <a:latin typeface="Calibri" panose="020F0502020204030204"/>
-              <a:ea typeface="+mn-ea"/>
-              <a:cs typeface="+mn-cs"/>
-            </a:endParaRPr>
-          </a:p>
-        </p:txBody>
-      </p:sp>
-      <p:sp>
-        <p:nvSpPr>
-          <p:cNvPr id="26" name="TextBox 25">
-            <a:extLst>
-              <a:ext uri="{FF2B5EF4-FFF2-40B4-BE49-F238E27FC236}">
-                <a16:creationId xmlns:a16="http://schemas.microsoft.com/office/drawing/2014/main" id="{823399EB-F265-BBC6-6A25-2CCB916AC1F0}"/>
-              </a:ext>
-            </a:extLst>
-          </p:cNvPr>
-          <p:cNvSpPr txBox="1"/>
-          <p:nvPr/>
-        </p:nvSpPr>
-        <p:spPr>
-          <a:xfrm>
-            <a:off x="2039367" y="3264430"/>
-            <a:ext cx="251992" cy="261610"/>
-          </a:xfrm>
-          <a:prstGeom prst="rect">
-            <a:avLst/>
-          </a:prstGeom>
-          <a:noFill/>
-        </p:spPr>
-        <p:txBody>
-          <a:bodyPr wrap="none" rtlCol="0">
-            <a:spAutoFit/>
-          </a:bodyPr>
-          <a:lstStyle/>
-          <a:p>
-            <a:pPr marL="0" marR="0" lvl="0" indent="0" algn="l" defTabSz="914400" rtl="0" eaLnBrk="1" fontAlgn="auto" latinLnBrk="0" hangingPunct="1">
-              <a:lnSpc>
-                <a:spcPct val="100000"/>
-              </a:lnSpc>
-              <a:spcBef>
-                <a:spcPts val="0"/>
-              </a:spcBef>
-              <a:spcAft>
-                <a:spcPts val="0"/>
-              </a:spcAft>
-              <a:buClrTx/>
-              <a:buSzTx/>
-              <a:buFontTx/>
-              <a:buNone/>
-              <a:tabLst/>
-              <a:defRPr/>
-            </a:pPr>
-            <a:r>
-              <a:rPr kumimoji="0" lang="en-US" sz="1100" b="1" i="0" u="none" strike="noStrike" kern="1200" cap="none" spc="0" normalizeH="0" baseline="0" noProof="0" dirty="0">
-                <a:ln>
-                  <a:noFill/>
-                </a:ln>
-                <a:solidFill>
-                  <a:srgbClr val="C00000"/>
-                </a:solidFill>
-                <a:effectLst/>
-                <a:uLnTx/>
-                <a:uFillTx/>
-                <a:latin typeface="Calibri" panose="020F0502020204030204"/>
-                <a:ea typeface="+mn-ea"/>
-                <a:cs typeface="+mn-cs"/>
-              </a:rPr>
-              <a:t>a</a:t>
-            </a:r>
-            <a:endParaRPr kumimoji="0" lang="en-GB" sz="1100" b="1" i="0" u="none" strike="noStrike" kern="1200" cap="none" spc="0" normalizeH="0" baseline="0" noProof="0" dirty="0">
-              <a:ln>
-                <a:noFill/>
-              </a:ln>
-              <a:solidFill>
-                <a:srgbClr val="C00000"/>
-              </a:solidFill>
-              <a:effectLst/>
-              <a:uLnTx/>
-              <a:uFillTx/>
-              <a:latin typeface="Calibri" panose="020F0502020204030204"/>
-              <a:ea typeface="+mn-ea"/>
-              <a:cs typeface="+mn-cs"/>
-            </a:endParaRPr>
-          </a:p>
-        </p:txBody>
-      </p:sp>
-      <p:sp>
-        <p:nvSpPr>
-          <p:cNvPr id="27" name="TextBox 26">
-            <a:extLst>
-              <a:ext uri="{FF2B5EF4-FFF2-40B4-BE49-F238E27FC236}">
-                <a16:creationId xmlns:a16="http://schemas.microsoft.com/office/drawing/2014/main" id="{59D36467-33B9-DD36-9E33-581A2E13C2F5}"/>
-              </a:ext>
-            </a:extLst>
-          </p:cNvPr>
-          <p:cNvSpPr txBox="1"/>
-          <p:nvPr/>
-        </p:nvSpPr>
-        <p:spPr>
-          <a:xfrm>
-            <a:off x="6091517" y="2856121"/>
-            <a:ext cx="258404" cy="261610"/>
-          </a:xfrm>
-          <a:prstGeom prst="rect">
-            <a:avLst/>
-          </a:prstGeom>
-          <a:noFill/>
-        </p:spPr>
-        <p:txBody>
-          <a:bodyPr wrap="none" rtlCol="0">
-            <a:spAutoFit/>
-          </a:bodyPr>
-          <a:lstStyle/>
-          <a:p>
-            <a:pPr marL="0" marR="0" lvl="0" indent="0" algn="l" defTabSz="914400" rtl="0" eaLnBrk="1" fontAlgn="auto" latinLnBrk="0" hangingPunct="1">
-              <a:lnSpc>
-                <a:spcPct val="100000"/>
-              </a:lnSpc>
-              <a:spcBef>
-                <a:spcPts val="0"/>
-              </a:spcBef>
-              <a:spcAft>
-                <a:spcPts val="0"/>
-              </a:spcAft>
-              <a:buClrTx/>
-              <a:buSzTx/>
-              <a:buFontTx/>
-              <a:buNone/>
-              <a:tabLst/>
-              <a:defRPr/>
-            </a:pPr>
-            <a:r>
-              <a:rPr kumimoji="0" lang="en-US" sz="1100" b="1" i="0" u="none" strike="noStrike" kern="1200" cap="none" spc="0" normalizeH="0" baseline="0" noProof="0" dirty="0">
-                <a:ln>
-                  <a:noFill/>
-                </a:ln>
-                <a:solidFill>
-                  <a:srgbClr val="C00000"/>
-                </a:solidFill>
-                <a:effectLst/>
-                <a:uLnTx/>
-                <a:uFillTx/>
-                <a:latin typeface="Calibri" panose="020F0502020204030204"/>
-                <a:ea typeface="+mn-ea"/>
-                <a:cs typeface="+mn-cs"/>
-              </a:rPr>
-              <a:t>b</a:t>
-            </a:r>
-            <a:endParaRPr kumimoji="0" lang="en-GB" sz="1100" b="1" i="0" u="none" strike="noStrike" kern="1200" cap="none" spc="0" normalizeH="0" baseline="0" noProof="0" dirty="0">
-              <a:ln>
-                <a:noFill/>
-              </a:ln>
-              <a:solidFill>
-                <a:srgbClr val="C00000"/>
-              </a:solidFill>
-              <a:effectLst/>
-              <a:uLnTx/>
-              <a:uFillTx/>
-              <a:latin typeface="Calibri" panose="020F0502020204030204"/>
-              <a:ea typeface="+mn-ea"/>
-              <a:cs typeface="+mn-cs"/>
-            </a:endParaRPr>
-          </a:p>
-        </p:txBody>
-      </p:sp>
-      <p:sp>
-        <p:nvSpPr>
-          <p:cNvPr id="28" name="TextBox 27">
-            <a:extLst>
-              <a:ext uri="{FF2B5EF4-FFF2-40B4-BE49-F238E27FC236}">
-                <a16:creationId xmlns:a16="http://schemas.microsoft.com/office/drawing/2014/main" id="{E25558D4-95CF-D410-9307-3F672E5D3C41}"/>
-              </a:ext>
-            </a:extLst>
-          </p:cNvPr>
-          <p:cNvSpPr txBox="1"/>
-          <p:nvPr/>
-        </p:nvSpPr>
-        <p:spPr>
-          <a:xfrm>
-            <a:off x="4931583" y="2551270"/>
-            <a:ext cx="243978" cy="261610"/>
-          </a:xfrm>
-          <a:prstGeom prst="rect">
-            <a:avLst/>
-          </a:prstGeom>
-          <a:noFill/>
-        </p:spPr>
-        <p:txBody>
-          <a:bodyPr wrap="none" rtlCol="0">
-            <a:spAutoFit/>
-          </a:bodyPr>
-          <a:lstStyle/>
-          <a:p>
-            <a:pPr marL="0" marR="0" lvl="0" indent="0" algn="l" defTabSz="914400" rtl="0" eaLnBrk="1" fontAlgn="auto" latinLnBrk="0" hangingPunct="1">
-              <a:lnSpc>
-                <a:spcPct val="100000"/>
-              </a:lnSpc>
-              <a:spcBef>
-                <a:spcPts val="0"/>
-              </a:spcBef>
-              <a:spcAft>
-                <a:spcPts val="0"/>
-              </a:spcAft>
-              <a:buClrTx/>
-              <a:buSzTx/>
-              <a:buFontTx/>
-              <a:buNone/>
-              <a:tabLst/>
-              <a:defRPr/>
-            </a:pPr>
-            <a:r>
-              <a:rPr kumimoji="0" lang="en-US" sz="1100" b="1" i="0" u="none" strike="noStrike" kern="1200" cap="none" spc="0" normalizeH="0" baseline="0" noProof="0" dirty="0">
-                <a:ln>
-                  <a:noFill/>
-                </a:ln>
-                <a:solidFill>
-                  <a:srgbClr val="C00000"/>
-                </a:solidFill>
-                <a:effectLst/>
-                <a:uLnTx/>
-                <a:uFillTx/>
-                <a:latin typeface="Calibri" panose="020F0502020204030204"/>
-                <a:ea typeface="+mn-ea"/>
-                <a:cs typeface="+mn-cs"/>
-              </a:rPr>
-              <a:t>c</a:t>
-            </a:r>
-            <a:endParaRPr kumimoji="0" lang="en-GB" sz="1100" b="1" i="0" u="none" strike="noStrike" kern="1200" cap="none" spc="0" normalizeH="0" baseline="0" noProof="0" dirty="0">
-              <a:ln>
-                <a:noFill/>
-              </a:ln>
-              <a:solidFill>
-                <a:srgbClr val="C00000"/>
-              </a:solidFill>
-              <a:effectLst/>
-              <a:uLnTx/>
-              <a:uFillTx/>
-              <a:latin typeface="Calibri" panose="020F0502020204030204"/>
-              <a:ea typeface="+mn-ea"/>
-              <a:cs typeface="+mn-cs"/>
-            </a:endParaRPr>
-          </a:p>
-        </p:txBody>
-      </p:sp>
-      <p:sp>
-        <p:nvSpPr>
-          <p:cNvPr id="29" name="TextBox 28">
-            <a:extLst>
-              <a:ext uri="{FF2B5EF4-FFF2-40B4-BE49-F238E27FC236}">
-                <a16:creationId xmlns:a16="http://schemas.microsoft.com/office/drawing/2014/main" id="{067D206D-70DA-6776-96E4-0E26C8CEFF3A}"/>
-              </a:ext>
-            </a:extLst>
-          </p:cNvPr>
-          <p:cNvSpPr txBox="1"/>
-          <p:nvPr/>
-        </p:nvSpPr>
-        <p:spPr>
-          <a:xfrm>
-            <a:off x="4917157" y="3554148"/>
-            <a:ext cx="258404" cy="261610"/>
-          </a:xfrm>
-          <a:prstGeom prst="rect">
-            <a:avLst/>
-          </a:prstGeom>
-          <a:noFill/>
-        </p:spPr>
-        <p:txBody>
-          <a:bodyPr wrap="none" rtlCol="0">
-            <a:spAutoFit/>
-          </a:bodyPr>
-          <a:lstStyle/>
-          <a:p>
-            <a:pPr marL="0" marR="0" lvl="0" indent="0" algn="l" defTabSz="914400" rtl="0" eaLnBrk="1" fontAlgn="auto" latinLnBrk="0" hangingPunct="1">
-              <a:lnSpc>
-                <a:spcPct val="100000"/>
-              </a:lnSpc>
-              <a:spcBef>
-                <a:spcPts val="0"/>
-              </a:spcBef>
-              <a:spcAft>
-                <a:spcPts val="0"/>
-              </a:spcAft>
-              <a:buClrTx/>
-              <a:buSzTx/>
-              <a:buFontTx/>
-              <a:buNone/>
-              <a:tabLst/>
-              <a:defRPr/>
-            </a:pPr>
-            <a:r>
-              <a:rPr kumimoji="0" lang="en-US" sz="1100" b="1" i="0" u="none" strike="noStrike" kern="1200" cap="none" spc="0" normalizeH="0" baseline="0" noProof="0" dirty="0">
-                <a:ln>
-                  <a:noFill/>
-                </a:ln>
-                <a:solidFill>
-                  <a:srgbClr val="C00000"/>
-                </a:solidFill>
-                <a:effectLst/>
-                <a:uLnTx/>
-                <a:uFillTx/>
-                <a:latin typeface="Calibri" panose="020F0502020204030204"/>
-                <a:ea typeface="+mn-ea"/>
-                <a:cs typeface="+mn-cs"/>
-              </a:rPr>
-              <a:t>d</a:t>
-            </a:r>
-            <a:endParaRPr kumimoji="0" lang="en-GB" sz="1100" b="1" i="0" u="none" strike="noStrike" kern="1200" cap="none" spc="0" normalizeH="0" baseline="0" noProof="0" dirty="0">
-              <a:ln>
-                <a:noFill/>
-              </a:ln>
-              <a:solidFill>
-                <a:srgbClr val="C00000"/>
-              </a:solidFill>
-              <a:effectLst/>
-              <a:uLnTx/>
-              <a:uFillTx/>
-              <a:latin typeface="Calibri" panose="020F0502020204030204"/>
-              <a:ea typeface="+mn-ea"/>
-              <a:cs typeface="+mn-cs"/>
-            </a:endParaRPr>
-          </a:p>
-        </p:txBody>
-      </p:sp>
-      <p:sp>
-        <p:nvSpPr>
-          <p:cNvPr id="31" name="TextBox 30">
-            <a:extLst>
-              <a:ext uri="{FF2B5EF4-FFF2-40B4-BE49-F238E27FC236}">
-                <a16:creationId xmlns:a16="http://schemas.microsoft.com/office/drawing/2014/main" id="{ED74DDBF-B079-7AF8-FEDC-6F220E10DFEA}"/>
-              </a:ext>
-            </a:extLst>
-          </p:cNvPr>
-          <p:cNvSpPr txBox="1"/>
-          <p:nvPr/>
-        </p:nvSpPr>
-        <p:spPr>
-          <a:xfrm>
-            <a:off x="199429" y="1487603"/>
-            <a:ext cx="569643" cy="246221"/>
-          </a:xfrm>
-          <a:prstGeom prst="rect">
-            <a:avLst/>
-          </a:prstGeom>
-          <a:noFill/>
-        </p:spPr>
-        <p:txBody>
-          <a:bodyPr wrap="square" rtlCol="0">
-            <a:spAutoFit/>
-          </a:bodyPr>
-          <a:lstStyle/>
-          <a:p>
-            <a:pPr marL="0" marR="0" lvl="0" indent="0" algn="l" defTabSz="914400" rtl="0" eaLnBrk="1" fontAlgn="auto" latinLnBrk="0" hangingPunct="1">
-              <a:lnSpc>
-                <a:spcPct val="100000"/>
-              </a:lnSpc>
-              <a:spcBef>
-                <a:spcPts val="0"/>
-              </a:spcBef>
-              <a:spcAft>
-                <a:spcPts val="0"/>
-              </a:spcAft>
-              <a:buClrTx/>
-              <a:buSzTx/>
-              <a:buFontTx/>
-              <a:buNone/>
-              <a:tabLst/>
-              <a:defRPr/>
-            </a:pPr>
-            <a:r>
-              <a:rPr kumimoji="0" lang="en-US" sz="1000" b="1" i="0" u="none" strike="noStrike" kern="1200" cap="none" spc="0" normalizeH="0" baseline="0" noProof="0" dirty="0">
-                <a:ln>
-                  <a:noFill/>
-                </a:ln>
-                <a:solidFill>
-                  <a:prstClr val="black"/>
-                </a:solidFill>
-                <a:effectLst/>
-                <a:uLnTx/>
-                <a:uFillTx/>
-                <a:latin typeface="Consolas" panose="020B0609020204030204" pitchFamily="49" charset="0"/>
-                <a:ea typeface="+mn-ea"/>
-                <a:cs typeface="+mn-cs"/>
-              </a:rPr>
-              <a:t>S-101</a:t>
-            </a:r>
-            <a:endParaRPr kumimoji="0" lang="en-GB" sz="1000" b="1" i="0" u="none" strike="noStrike" kern="1200" cap="none" spc="0" normalizeH="0" baseline="0" noProof="0" dirty="0">
-              <a:ln>
-                <a:noFill/>
-              </a:ln>
-              <a:solidFill>
-                <a:prstClr val="black"/>
-              </a:solidFill>
-              <a:effectLst/>
-              <a:uLnTx/>
-              <a:uFillTx/>
-              <a:latin typeface="Consolas" panose="020B0609020204030204" pitchFamily="49" charset="0"/>
-              <a:ea typeface="+mn-ea"/>
-              <a:cs typeface="+mn-cs"/>
-            </a:endParaRPr>
-          </a:p>
-        </p:txBody>
-      </p:sp>
-      <p:sp>
-        <p:nvSpPr>
-          <p:cNvPr id="33" name="TextBox 32">
-            <a:extLst>
-              <a:ext uri="{FF2B5EF4-FFF2-40B4-BE49-F238E27FC236}">
-                <a16:creationId xmlns:a16="http://schemas.microsoft.com/office/drawing/2014/main" id="{74AAA8C0-8E0D-DC2C-0628-8685872C7FC3}"/>
-              </a:ext>
-            </a:extLst>
-          </p:cNvPr>
-          <p:cNvSpPr txBox="1"/>
-          <p:nvPr/>
-        </p:nvSpPr>
-        <p:spPr>
-          <a:xfrm>
-            <a:off x="3611895" y="1487602"/>
-            <a:ext cx="569643" cy="246221"/>
-          </a:xfrm>
-          <a:prstGeom prst="rect">
-            <a:avLst/>
-          </a:prstGeom>
-          <a:noFill/>
-        </p:spPr>
-        <p:txBody>
-          <a:bodyPr wrap="square" rtlCol="0">
-            <a:spAutoFit/>
-          </a:bodyPr>
-          <a:lstStyle/>
-          <a:p>
-            <a:pPr marL="0" marR="0" lvl="0" indent="0" algn="l" defTabSz="914400" rtl="0" eaLnBrk="1" fontAlgn="auto" latinLnBrk="0" hangingPunct="1">
-              <a:lnSpc>
-                <a:spcPct val="100000"/>
-              </a:lnSpc>
-              <a:spcBef>
-                <a:spcPts val="0"/>
-              </a:spcBef>
-              <a:spcAft>
-                <a:spcPts val="0"/>
-              </a:spcAft>
-              <a:buClrTx/>
-              <a:buSzTx/>
-              <a:buFontTx/>
-              <a:buNone/>
-              <a:tabLst/>
-              <a:defRPr/>
-            </a:pPr>
-            <a:r>
-              <a:rPr kumimoji="0" lang="en-US" sz="1000" b="1" i="0" u="none" strike="noStrike" kern="1200" cap="none" spc="0" normalizeH="0" baseline="0" noProof="0" dirty="0">
-                <a:ln>
-                  <a:noFill/>
-                </a:ln>
-                <a:solidFill>
-                  <a:prstClr val="black"/>
-                </a:solidFill>
-                <a:effectLst/>
-                <a:uLnTx/>
-                <a:uFillTx/>
-                <a:latin typeface="Consolas" panose="020B0609020204030204" pitchFamily="49" charset="0"/>
-                <a:ea typeface="+mn-ea"/>
-                <a:cs typeface="+mn-cs"/>
-              </a:rPr>
-              <a:t>S-101</a:t>
-            </a:r>
-            <a:endParaRPr kumimoji="0" lang="en-GB" sz="1000" b="1" i="0" u="none" strike="noStrike" kern="1200" cap="none" spc="0" normalizeH="0" baseline="0" noProof="0" dirty="0">
-              <a:ln>
-                <a:noFill/>
-              </a:ln>
-              <a:solidFill>
-                <a:prstClr val="black"/>
-              </a:solidFill>
-              <a:effectLst/>
-              <a:uLnTx/>
-              <a:uFillTx/>
-              <a:latin typeface="Consolas" panose="020B0609020204030204" pitchFamily="49" charset="0"/>
-              <a:ea typeface="+mn-ea"/>
-              <a:cs typeface="+mn-cs"/>
-            </a:endParaRPr>
-          </a:p>
-        </p:txBody>
-      </p:sp>
-      <p:sp>
-        <p:nvSpPr>
-          <p:cNvPr id="2" name="Freeform: Shape 1">
-            <a:extLst>
-              <a:ext uri="{FF2B5EF4-FFF2-40B4-BE49-F238E27FC236}">
-                <a16:creationId xmlns:a16="http://schemas.microsoft.com/office/drawing/2014/main" id="{1EE38AD8-E01A-B95C-E40E-23E9CD956A3A}"/>
-              </a:ext>
-            </a:extLst>
-          </p:cNvPr>
-          <p:cNvSpPr/>
-          <p:nvPr/>
-        </p:nvSpPr>
-        <p:spPr>
-          <a:xfrm>
-            <a:off x="5025192" y="2566703"/>
-            <a:ext cx="349144" cy="348919"/>
-          </a:xfrm>
-          <a:custGeom>
-            <a:avLst/>
-            <a:gdLst>
-              <a:gd name="connsiteX0" fmla="*/ 0 w 349144"/>
-              <a:gd name="connsiteY0" fmla="*/ 57566 h 348919"/>
-              <a:gd name="connsiteX1" fmla="*/ 300317 w 349144"/>
-              <a:gd name="connsiteY1" fmla="*/ 21707 h 348919"/>
-              <a:gd name="connsiteX2" fmla="*/ 345141 w 349144"/>
-              <a:gd name="connsiteY2" fmla="*/ 348919 h 348919"/>
-            </a:gdLst>
-            <a:ahLst/>
-            <a:cxnLst>
-              <a:cxn ang="0">
-                <a:pos x="connsiteX0" y="connsiteY0"/>
-              </a:cxn>
-              <a:cxn ang="0">
-                <a:pos x="connsiteX1" y="connsiteY1"/>
-              </a:cxn>
-              <a:cxn ang="0">
-                <a:pos x="connsiteX2" y="connsiteY2"/>
-              </a:cxn>
-            </a:cxnLst>
-            <a:rect l="l" t="t" r="r" b="b"/>
-            <a:pathLst>
-              <a:path w="349144" h="348919">
-                <a:moveTo>
-                  <a:pt x="0" y="57566"/>
-                </a:moveTo>
-                <a:cubicBezTo>
-                  <a:pt x="121397" y="15357"/>
-                  <a:pt x="242794" y="-26852"/>
-                  <a:pt x="300317" y="21707"/>
-                </a:cubicBezTo>
-                <a:cubicBezTo>
-                  <a:pt x="357840" y="70266"/>
-                  <a:pt x="351490" y="209592"/>
-                  <a:pt x="345141" y="348919"/>
-                </a:cubicBezTo>
-              </a:path>
-            </a:pathLst>
-          </a:custGeom>
-          <a:noFill/>
-          <a:ln>
-            <a:headEnd type="triangle"/>
-            <a:tailEnd type="triangle"/>
-          </a:ln>
-        </p:spPr>
-        <p:style>
-          <a:lnRef idx="2">
-            <a:schemeClr val="accent1">
-              <a:shade val="15000"/>
-            </a:schemeClr>
-          </a:lnRef>
-          <a:fillRef idx="1">
-            <a:schemeClr val="accent1"/>
-          </a:fillRef>
-          <a:effectRef idx="0">
-            <a:schemeClr val="accent1"/>
-          </a:effectRef>
-          <a:fontRef idx="minor">
-            <a:schemeClr val="lt1"/>
-          </a:fontRef>
-        </p:style>
-        <p:txBody>
-          <a:bodyPr rtlCol="0" anchor="ctr"/>
-          <a:lstStyle/>
-          <a:p>
-            <a:pPr marL="0" marR="0" lvl="0" indent="0" algn="ctr" defTabSz="914400" rtl="0" eaLnBrk="1" fontAlgn="auto" latinLnBrk="0" hangingPunct="1">
-              <a:lnSpc>
-                <a:spcPct val="100000"/>
-              </a:lnSpc>
-              <a:spcBef>
-                <a:spcPts val="0"/>
-              </a:spcBef>
-              <a:spcAft>
-                <a:spcPts val="0"/>
-              </a:spcAft>
-              <a:buClrTx/>
-              <a:buSzTx/>
-              <a:buFontTx/>
-              <a:buNone/>
-              <a:tabLst/>
-              <a:defRPr/>
-            </a:pPr>
-            <a:endParaRPr kumimoji="0" lang="en-GB" sz="1800" b="0" i="0" u="none" strike="noStrike" kern="1200" cap="none" spc="0" normalizeH="0" baseline="0" noProof="0">
-              <a:ln>
-                <a:noFill/>
-              </a:ln>
-              <a:solidFill>
-                <a:prstClr val="white"/>
-              </a:solidFill>
-              <a:effectLst/>
-              <a:uLnTx/>
-              <a:uFillTx/>
-              <a:latin typeface="Calibri" panose="020F0502020204030204"/>
-              <a:ea typeface="+mn-ea"/>
-              <a:cs typeface="+mn-cs"/>
-            </a:endParaRPr>
-          </a:p>
-        </p:txBody>
-      </p:sp>
-      <p:sp>
-        <p:nvSpPr>
-          <p:cNvPr id="3" name="TextBox 2">
-            <a:extLst>
-              <a:ext uri="{FF2B5EF4-FFF2-40B4-BE49-F238E27FC236}">
-                <a16:creationId xmlns:a16="http://schemas.microsoft.com/office/drawing/2014/main" id="{23B6F084-7DE4-BB53-8CCB-1D4F487F70BF}"/>
-              </a:ext>
-            </a:extLst>
-          </p:cNvPr>
-          <p:cNvSpPr txBox="1"/>
-          <p:nvPr/>
-        </p:nvSpPr>
-        <p:spPr>
-          <a:xfrm>
-            <a:off x="5147281" y="2390663"/>
-            <a:ext cx="652743" cy="215444"/>
-          </a:xfrm>
-          <a:prstGeom prst="rect">
-            <a:avLst/>
-          </a:prstGeom>
-          <a:noFill/>
-        </p:spPr>
-        <p:txBody>
-          <a:bodyPr wrap="none" rtlCol="0">
-            <a:spAutoFit/>
-          </a:bodyPr>
-          <a:lstStyle/>
-          <a:p>
-            <a:pPr marL="0" marR="0" lvl="0" indent="0" algn="l" defTabSz="914400" rtl="0" eaLnBrk="1" fontAlgn="auto" latinLnBrk="0" hangingPunct="1">
-              <a:lnSpc>
-                <a:spcPct val="100000"/>
-              </a:lnSpc>
-              <a:spcBef>
-                <a:spcPts val="0"/>
-              </a:spcBef>
-              <a:spcAft>
-                <a:spcPts val="0"/>
-              </a:spcAft>
-              <a:buClrTx/>
-              <a:buSzTx/>
-              <a:buFontTx/>
-              <a:buNone/>
-              <a:tabLst/>
-              <a:defRPr/>
-            </a:pPr>
-            <a:r>
-              <a:rPr kumimoji="0" lang="en-US" sz="800" b="0" i="0" u="none" strike="noStrike" kern="1200" cap="none" spc="0" normalizeH="0" baseline="0" noProof="0" dirty="0">
-                <a:ln>
-                  <a:noFill/>
-                </a:ln>
-                <a:solidFill>
-                  <a:prstClr val="black"/>
-                </a:solidFill>
-                <a:effectLst/>
-                <a:uLnTx/>
-                <a:uFillTx/>
-                <a:latin typeface="Calibri" panose="020F0502020204030204"/>
-                <a:ea typeface="+mn-ea"/>
-                <a:cs typeface="+mn-cs"/>
-              </a:rPr>
-              <a:t>association</a:t>
-            </a:r>
-            <a:endParaRPr kumimoji="0" lang="en-GB" sz="800" b="0" i="0" u="none" strike="noStrike" kern="1200" cap="none" spc="0" normalizeH="0" baseline="0" noProof="0" dirty="0">
-              <a:ln>
-                <a:noFill/>
-              </a:ln>
-              <a:solidFill>
-                <a:prstClr val="black"/>
-              </a:solidFill>
-              <a:effectLst/>
-              <a:uLnTx/>
-              <a:uFillTx/>
-              <a:latin typeface="Calibri" panose="020F0502020204030204"/>
-              <a:ea typeface="+mn-ea"/>
-              <a:cs typeface="+mn-cs"/>
-            </a:endParaRPr>
-          </a:p>
-        </p:txBody>
-      </p:sp>
-      <p:sp>
-        <p:nvSpPr>
-          <p:cNvPr id="12" name="Freeform: Shape 11">
-            <a:extLst>
-              <a:ext uri="{FF2B5EF4-FFF2-40B4-BE49-F238E27FC236}">
-                <a16:creationId xmlns:a16="http://schemas.microsoft.com/office/drawing/2014/main" id="{4936263A-795C-D503-E607-05B3F1AE0F9D}"/>
-              </a:ext>
-            </a:extLst>
-          </p:cNvPr>
-          <p:cNvSpPr/>
-          <p:nvPr/>
-        </p:nvSpPr>
-        <p:spPr>
-          <a:xfrm>
-            <a:off x="4705585" y="3334871"/>
-            <a:ext cx="354991" cy="227783"/>
-          </a:xfrm>
-          <a:custGeom>
-            <a:avLst/>
-            <a:gdLst>
-              <a:gd name="connsiteX0" fmla="*/ 354991 w 354991"/>
-              <a:gd name="connsiteY0" fmla="*/ 0 h 227783"/>
-              <a:gd name="connsiteX1" fmla="*/ 5368 w 354991"/>
-              <a:gd name="connsiteY1" fmla="*/ 197224 h 227783"/>
-              <a:gd name="connsiteX2" fmla="*/ 175697 w 354991"/>
-              <a:gd name="connsiteY2" fmla="*/ 224118 h 227783"/>
-            </a:gdLst>
-            <a:ahLst/>
-            <a:cxnLst>
-              <a:cxn ang="0">
-                <a:pos x="connsiteX0" y="connsiteY0"/>
-              </a:cxn>
-              <a:cxn ang="0">
-                <a:pos x="connsiteX1" y="connsiteY1"/>
-              </a:cxn>
-              <a:cxn ang="0">
-                <a:pos x="connsiteX2" y="connsiteY2"/>
-              </a:cxn>
-            </a:cxnLst>
-            <a:rect l="l" t="t" r="r" b="b"/>
-            <a:pathLst>
-              <a:path w="354991" h="227783">
-                <a:moveTo>
-                  <a:pt x="354991" y="0"/>
-                </a:moveTo>
-                <a:cubicBezTo>
-                  <a:pt x="195120" y="79935"/>
-                  <a:pt x="35250" y="159871"/>
-                  <a:pt x="5368" y="197224"/>
-                </a:cubicBezTo>
-                <a:cubicBezTo>
-                  <a:pt x="-24514" y="234577"/>
-                  <a:pt x="75591" y="229347"/>
-                  <a:pt x="175697" y="224118"/>
-                </a:cubicBezTo>
-              </a:path>
-            </a:pathLst>
-          </a:custGeom>
-          <a:noFill/>
-          <a:ln>
-            <a:headEnd type="triangle"/>
-            <a:tailEnd type="triangle"/>
-          </a:ln>
-        </p:spPr>
-        <p:style>
-          <a:lnRef idx="2">
-            <a:schemeClr val="accent1">
-              <a:shade val="15000"/>
-            </a:schemeClr>
-          </a:lnRef>
-          <a:fillRef idx="1">
-            <a:schemeClr val="accent1"/>
-          </a:fillRef>
-          <a:effectRef idx="0">
-            <a:schemeClr val="accent1"/>
-          </a:effectRef>
-          <a:fontRef idx="minor">
-            <a:schemeClr val="lt1"/>
-          </a:fontRef>
-        </p:style>
-        <p:txBody>
-          <a:bodyPr rtlCol="0" anchor="ctr"/>
-          <a:lstStyle/>
-          <a:p>
-            <a:pPr marL="0" marR="0" lvl="0" indent="0" algn="ctr" defTabSz="914400" rtl="0" eaLnBrk="1" fontAlgn="auto" latinLnBrk="0" hangingPunct="1">
-              <a:lnSpc>
-                <a:spcPct val="100000"/>
-              </a:lnSpc>
-              <a:spcBef>
-                <a:spcPts val="0"/>
-              </a:spcBef>
-              <a:spcAft>
-                <a:spcPts val="0"/>
-              </a:spcAft>
-              <a:buClrTx/>
-              <a:buSzTx/>
-              <a:buFontTx/>
-              <a:buNone/>
-              <a:tabLst/>
-              <a:defRPr/>
-            </a:pPr>
-            <a:endParaRPr kumimoji="0" lang="en-GB" sz="1800" b="0" i="0" u="none" strike="noStrike" kern="1200" cap="none" spc="0" normalizeH="0" baseline="0" noProof="0">
-              <a:ln>
-                <a:noFill/>
-              </a:ln>
-              <a:solidFill>
-                <a:prstClr val="white"/>
-              </a:solidFill>
-              <a:effectLst/>
-              <a:uLnTx/>
-              <a:uFillTx/>
-              <a:latin typeface="Calibri" panose="020F0502020204030204"/>
-              <a:ea typeface="+mn-ea"/>
-              <a:cs typeface="+mn-cs"/>
-            </a:endParaRPr>
-          </a:p>
-        </p:txBody>
-      </p:sp>
-      <p:sp>
-        <p:nvSpPr>
-          <p:cNvPr id="15" name="TextBox 14">
-            <a:extLst>
-              <a:ext uri="{FF2B5EF4-FFF2-40B4-BE49-F238E27FC236}">
-                <a16:creationId xmlns:a16="http://schemas.microsoft.com/office/drawing/2014/main" id="{C5BCC9E7-F9C8-6750-DC47-820B3D83BF94}"/>
-              </a:ext>
-            </a:extLst>
-          </p:cNvPr>
-          <p:cNvSpPr txBox="1"/>
-          <p:nvPr/>
-        </p:nvSpPr>
-        <p:spPr>
-          <a:xfrm>
-            <a:off x="4407833" y="3570577"/>
-            <a:ext cx="652743" cy="215444"/>
-          </a:xfrm>
-          <a:prstGeom prst="rect">
-            <a:avLst/>
-          </a:prstGeom>
-          <a:noFill/>
-        </p:spPr>
-        <p:txBody>
-          <a:bodyPr wrap="none" rtlCol="0">
-            <a:spAutoFit/>
-          </a:bodyPr>
-          <a:lstStyle/>
-          <a:p>
-            <a:pPr marL="0" marR="0" lvl="0" indent="0" algn="l" defTabSz="914400" rtl="0" eaLnBrk="1" fontAlgn="auto" latinLnBrk="0" hangingPunct="1">
-              <a:lnSpc>
-                <a:spcPct val="100000"/>
-              </a:lnSpc>
-              <a:spcBef>
-                <a:spcPts val="0"/>
-              </a:spcBef>
-              <a:spcAft>
-                <a:spcPts val="0"/>
-              </a:spcAft>
-              <a:buClrTx/>
-              <a:buSzTx/>
-              <a:buFontTx/>
-              <a:buNone/>
-              <a:tabLst/>
-              <a:defRPr/>
-            </a:pPr>
-            <a:r>
-              <a:rPr kumimoji="0" lang="en-US" sz="800" b="0" i="0" u="none" strike="noStrike" kern="1200" cap="none" spc="0" normalizeH="0" baseline="0" noProof="0" dirty="0">
-                <a:ln>
-                  <a:noFill/>
-                </a:ln>
-                <a:solidFill>
-                  <a:prstClr val="black"/>
-                </a:solidFill>
-                <a:effectLst/>
-                <a:uLnTx/>
-                <a:uFillTx/>
-                <a:latin typeface="Calibri" panose="020F0502020204030204"/>
-                <a:ea typeface="+mn-ea"/>
-                <a:cs typeface="+mn-cs"/>
-              </a:rPr>
-              <a:t>association</a:t>
-            </a:r>
-            <a:endParaRPr kumimoji="0" lang="en-GB" sz="800" b="0" i="0" u="none" strike="noStrike" kern="1200" cap="none" spc="0" normalizeH="0" baseline="0" noProof="0" dirty="0">
-              <a:ln>
-                <a:noFill/>
-              </a:ln>
-              <a:solidFill>
-                <a:prstClr val="black"/>
-              </a:solidFill>
-              <a:effectLst/>
-              <a:uLnTx/>
-              <a:uFillTx/>
-              <a:latin typeface="Calibri" panose="020F0502020204030204"/>
-              <a:ea typeface="+mn-ea"/>
-              <a:cs typeface="+mn-cs"/>
-            </a:endParaRPr>
-          </a:p>
-        </p:txBody>
-      </p:sp>
-    </p:spTree>
-    <p:extLst>
-      <p:ext uri="{BB962C8B-B14F-4D97-AF65-F5344CB8AC3E}">
-        <p14:creationId xmlns:p14="http://schemas.microsoft.com/office/powerpoint/2010/main" val="1317314841"/>
-      </p:ext>
-    </p:extLst>
-  </p:cSld>
-  <p:clrMapOvr>
-    <a:masterClrMapping/>
-  </p:clrMapOvr>
-</p:sld>
-</file>
-
-<file path=ppt/slides/slide20.xml><?xml version="1.0" encoding="utf-8"?>
+<file path=ppt/slides/slide22.xml><?xml version="1.0" encoding="utf-8"?>
 <p:sld xmlns:a="http://schemas.openxmlformats.org/drawingml/2006/main" xmlns:r="http://schemas.openxmlformats.org/officeDocument/2006/relationships" xmlns:p="http://schemas.openxmlformats.org/presentationml/2006/main">
   <p:cSld>
     <p:spTree>
@@ -22642,7 +23018,7 @@
         <p:cNvPr id="1" name="">
           <a:extLst>
             <a:ext uri="{FF2B5EF4-FFF2-40B4-BE49-F238E27FC236}">
-              <a16:creationId xmlns:a16="http://schemas.microsoft.com/office/drawing/2014/main" id="{99898E7A-4BB3-4899-D108-2FD918232EAE}"/>
+              <a16:creationId xmlns:a16="http://schemas.microsoft.com/office/drawing/2014/main" id="{BFB8C13B-DC60-6CAA-EEEB-1E3D8BC6960F}"/>
             </a:ext>
           </a:extLst>
         </p:cNvPr>
@@ -22662,7 +23038,7 @@
           <p:cNvPr id="5" name="Rectangle 4">
             <a:extLst>
               <a:ext uri="{FF2B5EF4-FFF2-40B4-BE49-F238E27FC236}">
-                <a16:creationId xmlns:a16="http://schemas.microsoft.com/office/drawing/2014/main" id="{88951B56-5A26-478A-BD3E-4DC8534E0A6C}"/>
+                <a16:creationId xmlns:a16="http://schemas.microsoft.com/office/drawing/2014/main" id="{171DCD72-545E-107A-90F9-4529F76E8DD4}"/>
               </a:ext>
             </a:extLst>
           </p:cNvPr>
@@ -22743,7 +23119,7 @@
           <p:cNvPr id="6" name="Rectangle 5">
             <a:extLst>
               <a:ext uri="{FF2B5EF4-FFF2-40B4-BE49-F238E27FC236}">
-                <a16:creationId xmlns:a16="http://schemas.microsoft.com/office/drawing/2014/main" id="{805C17C8-C90D-FD68-6183-C136FF13A5D0}"/>
+                <a16:creationId xmlns:a16="http://schemas.microsoft.com/office/drawing/2014/main" id="{7F3F3261-E190-F265-5AA0-D4D07205C1D3}"/>
               </a:ext>
             </a:extLst>
           </p:cNvPr>
@@ -22824,7 +23200,7 @@
           <p:cNvPr id="4" name="Rectangle 3">
             <a:extLst>
               <a:ext uri="{FF2B5EF4-FFF2-40B4-BE49-F238E27FC236}">
-                <a16:creationId xmlns:a16="http://schemas.microsoft.com/office/drawing/2014/main" id="{7BFCA4C4-B9A7-802F-F856-6D0CD93CF559}"/>
+                <a16:creationId xmlns:a16="http://schemas.microsoft.com/office/drawing/2014/main" id="{861BAF83-A7BA-8EB8-2311-272D873F329A}"/>
               </a:ext>
             </a:extLst>
           </p:cNvPr>
@@ -22921,7 +23297,7 @@
           <p:cNvPr id="7" name="Rectangle 6">
             <a:extLst>
               <a:ext uri="{FF2B5EF4-FFF2-40B4-BE49-F238E27FC236}">
-                <a16:creationId xmlns:a16="http://schemas.microsoft.com/office/drawing/2014/main" id="{ABD6B650-158A-A6C9-D5C5-C7D3D660AE02}"/>
+                <a16:creationId xmlns:a16="http://schemas.microsoft.com/office/drawing/2014/main" id="{1171059B-86AD-0FE2-61B4-89153C422A6C}"/>
               </a:ext>
             </a:extLst>
           </p:cNvPr>
@@ -22997,7 +23373,7 @@
           <p:cNvPr id="8" name="TextBox 7">
             <a:extLst>
               <a:ext uri="{FF2B5EF4-FFF2-40B4-BE49-F238E27FC236}">
-                <a16:creationId xmlns:a16="http://schemas.microsoft.com/office/drawing/2014/main" id="{85B1F050-2F9C-737D-80DD-DCE0CB129C13}"/>
+                <a16:creationId xmlns:a16="http://schemas.microsoft.com/office/drawing/2014/main" id="{0015E66A-F381-4249-5C5B-F2A8B54504B4}"/>
               </a:ext>
             </a:extLst>
           </p:cNvPr>
@@ -23076,7 +23452,7 @@
           <p:cNvPr id="10" name="Straight Connector 9">
             <a:extLst>
               <a:ext uri="{FF2B5EF4-FFF2-40B4-BE49-F238E27FC236}">
-                <a16:creationId xmlns:a16="http://schemas.microsoft.com/office/drawing/2014/main" id="{FB5D85EA-6B5A-C5BE-3A70-20B12DC18324}"/>
+                <a16:creationId xmlns:a16="http://schemas.microsoft.com/office/drawing/2014/main" id="{EBA09C29-A53D-FA25-4641-9D48FA1D8ADA}"/>
               </a:ext>
             </a:extLst>
           </p:cNvPr>
@@ -23123,7 +23499,7 @@
           <p:cNvPr id="13" name="TextBox 12">
             <a:extLst>
               <a:ext uri="{FF2B5EF4-FFF2-40B4-BE49-F238E27FC236}">
-                <a16:creationId xmlns:a16="http://schemas.microsoft.com/office/drawing/2014/main" id="{49560C74-F26A-9113-B300-F86A83092B9C}"/>
+                <a16:creationId xmlns:a16="http://schemas.microsoft.com/office/drawing/2014/main" id="{FD45D6EC-5F17-926C-33D0-55EA1B2A2134}"/>
               </a:ext>
             </a:extLst>
           </p:cNvPr>
@@ -23225,7 +23601,7 @@
           <p:cNvPr id="14" name="TextBox 13">
             <a:extLst>
               <a:ext uri="{FF2B5EF4-FFF2-40B4-BE49-F238E27FC236}">
-                <a16:creationId xmlns:a16="http://schemas.microsoft.com/office/drawing/2014/main" id="{D6BFBBA0-15F6-8FA3-82BB-B82F302CF168}"/>
+                <a16:creationId xmlns:a16="http://schemas.microsoft.com/office/drawing/2014/main" id="{D40006B2-C45F-2C32-AB42-81338898691D}"/>
               </a:ext>
             </a:extLst>
           </p:cNvPr>
@@ -23327,7 +23703,7 @@
           <p:cNvPr id="16" name="Oval 15">
             <a:extLst>
               <a:ext uri="{FF2B5EF4-FFF2-40B4-BE49-F238E27FC236}">
-                <a16:creationId xmlns:a16="http://schemas.microsoft.com/office/drawing/2014/main" id="{637E202A-3FAF-8592-9B4D-4448D1802321}"/>
+                <a16:creationId xmlns:a16="http://schemas.microsoft.com/office/drawing/2014/main" id="{90FCB501-C99A-5821-5703-45B5DD1ACAFB}"/>
               </a:ext>
             </a:extLst>
           </p:cNvPr>
@@ -23405,7 +23781,7 @@
           <p:cNvPr id="17" name="Oval 16">
             <a:extLst>
               <a:ext uri="{FF2B5EF4-FFF2-40B4-BE49-F238E27FC236}">
-                <a16:creationId xmlns:a16="http://schemas.microsoft.com/office/drawing/2014/main" id="{7FF56587-9F60-211C-A67D-7AA98758F76D}"/>
+                <a16:creationId xmlns:a16="http://schemas.microsoft.com/office/drawing/2014/main" id="{ECE7B046-C23C-10D1-7C70-E3BB3B5E368E}"/>
               </a:ext>
             </a:extLst>
           </p:cNvPr>
@@ -23486,7 +23862,7 @@
           <p:cNvPr id="19" name="Straight Arrow Connector 18">
             <a:extLst>
               <a:ext uri="{FF2B5EF4-FFF2-40B4-BE49-F238E27FC236}">
-                <a16:creationId xmlns:a16="http://schemas.microsoft.com/office/drawing/2014/main" id="{42B6BFB9-F338-8D1F-8CA7-93F6FF32A1D4}"/>
+                <a16:creationId xmlns:a16="http://schemas.microsoft.com/office/drawing/2014/main" id="{041872E0-F863-E2A0-1158-FD26D427C4A4}"/>
               </a:ext>
             </a:extLst>
           </p:cNvPr>
@@ -23525,10 +23901,563 @@
       </p:cxnSp>
       <p:sp>
         <p:nvSpPr>
-          <p:cNvPr id="12" name="Freeform: Shape 11">
-            <a:extLst>
-              <a:ext uri="{FF2B5EF4-FFF2-40B4-BE49-F238E27FC236}">
-                <a16:creationId xmlns:a16="http://schemas.microsoft.com/office/drawing/2014/main" id="{FA2A8E27-1CB8-DDD5-BDE7-37072666A57A}"/>
+          <p:cNvPr id="25" name="TextBox 24">
+            <a:extLst>
+              <a:ext uri="{FF2B5EF4-FFF2-40B4-BE49-F238E27FC236}">
+                <a16:creationId xmlns:a16="http://schemas.microsoft.com/office/drawing/2014/main" id="{AB7121D8-A136-26BB-C5F8-55842663AC99}"/>
+              </a:ext>
+            </a:extLst>
+          </p:cNvPr>
+          <p:cNvSpPr txBox="1"/>
+          <p:nvPr/>
+        </p:nvSpPr>
+        <p:spPr>
+          <a:xfrm>
+            <a:off x="1005408" y="3140115"/>
+            <a:ext cx="570990" cy="369332"/>
+          </a:xfrm>
+          <a:prstGeom prst="rect">
+            <a:avLst/>
+          </a:prstGeom>
+          <a:noFill/>
+        </p:spPr>
+        <p:txBody>
+          <a:bodyPr wrap="none" rtlCol="0">
+            <a:spAutoFit/>
+          </a:bodyPr>
+          <a:lstStyle/>
+          <a:p>
+            <a:pPr marL="0" marR="0" lvl="0" indent="0" algn="l" defTabSz="914400" rtl="0" eaLnBrk="1" fontAlgn="auto" latinLnBrk="0" hangingPunct="1">
+              <a:lnSpc>
+                <a:spcPct val="100000"/>
+              </a:lnSpc>
+              <a:spcBef>
+                <a:spcPts val="0"/>
+              </a:spcBef>
+              <a:spcAft>
+                <a:spcPts val="0"/>
+              </a:spcAft>
+              <a:buClrTx/>
+              <a:buSzTx/>
+              <a:buFontTx/>
+              <a:buNone/>
+              <a:tabLst/>
+              <a:defRPr/>
+            </a:pPr>
+            <a:r>
+              <a:rPr kumimoji="0" lang="en-US" sz="1800" b="1" i="0" u="none" strike="noStrike" kern="1200" cap="none" spc="0" normalizeH="0" baseline="0" noProof="0" dirty="0">
+                <a:ln>
+                  <a:noFill/>
+                </a:ln>
+                <a:solidFill>
+                  <a:srgbClr val="7030A0"/>
+                </a:solidFill>
+                <a:effectLst/>
+                <a:uLnTx/>
+                <a:uFillTx/>
+                <a:latin typeface="Calibri" panose="020F0502020204030204"/>
+                <a:ea typeface="+mn-ea"/>
+                <a:cs typeface="+mn-cs"/>
+              </a:rPr>
+              <a:t>pick</a:t>
+            </a:r>
+            <a:endParaRPr kumimoji="0" lang="en-GB" sz="1800" b="1" i="0" u="none" strike="noStrike" kern="1200" cap="none" spc="0" normalizeH="0" baseline="0" noProof="0" dirty="0">
+              <a:ln>
+                <a:noFill/>
+              </a:ln>
+              <a:solidFill>
+                <a:srgbClr val="7030A0"/>
+              </a:solidFill>
+              <a:effectLst/>
+              <a:uLnTx/>
+              <a:uFillTx/>
+              <a:latin typeface="Calibri" panose="020F0502020204030204"/>
+              <a:ea typeface="+mn-ea"/>
+              <a:cs typeface="+mn-cs"/>
+            </a:endParaRPr>
+          </a:p>
+        </p:txBody>
+      </p:sp>
+      <p:sp>
+        <p:nvSpPr>
+          <p:cNvPr id="26" name="TextBox 25">
+            <a:extLst>
+              <a:ext uri="{FF2B5EF4-FFF2-40B4-BE49-F238E27FC236}">
+                <a16:creationId xmlns:a16="http://schemas.microsoft.com/office/drawing/2014/main" id="{823399EB-F265-BBC6-6A25-2CCB916AC1F0}"/>
+              </a:ext>
+            </a:extLst>
+          </p:cNvPr>
+          <p:cNvSpPr txBox="1"/>
+          <p:nvPr/>
+        </p:nvSpPr>
+        <p:spPr>
+          <a:xfrm>
+            <a:off x="2039367" y="3264430"/>
+            <a:ext cx="251992" cy="261610"/>
+          </a:xfrm>
+          <a:prstGeom prst="rect">
+            <a:avLst/>
+          </a:prstGeom>
+          <a:noFill/>
+        </p:spPr>
+        <p:txBody>
+          <a:bodyPr wrap="none" rtlCol="0">
+            <a:spAutoFit/>
+          </a:bodyPr>
+          <a:lstStyle/>
+          <a:p>
+            <a:pPr marL="0" marR="0" lvl="0" indent="0" algn="l" defTabSz="914400" rtl="0" eaLnBrk="1" fontAlgn="auto" latinLnBrk="0" hangingPunct="1">
+              <a:lnSpc>
+                <a:spcPct val="100000"/>
+              </a:lnSpc>
+              <a:spcBef>
+                <a:spcPts val="0"/>
+              </a:spcBef>
+              <a:spcAft>
+                <a:spcPts val="0"/>
+              </a:spcAft>
+              <a:buClrTx/>
+              <a:buSzTx/>
+              <a:buFontTx/>
+              <a:buNone/>
+              <a:tabLst/>
+              <a:defRPr/>
+            </a:pPr>
+            <a:r>
+              <a:rPr kumimoji="0" lang="en-US" sz="1100" b="1" i="0" u="none" strike="noStrike" kern="1200" cap="none" spc="0" normalizeH="0" baseline="0" noProof="0" dirty="0">
+                <a:ln>
+                  <a:noFill/>
+                </a:ln>
+                <a:solidFill>
+                  <a:srgbClr val="C00000"/>
+                </a:solidFill>
+                <a:effectLst/>
+                <a:uLnTx/>
+                <a:uFillTx/>
+                <a:latin typeface="Calibri" panose="020F0502020204030204"/>
+                <a:ea typeface="+mn-ea"/>
+                <a:cs typeface="+mn-cs"/>
+              </a:rPr>
+              <a:t>a</a:t>
+            </a:r>
+            <a:endParaRPr kumimoji="0" lang="en-GB" sz="1100" b="1" i="0" u="none" strike="noStrike" kern="1200" cap="none" spc="0" normalizeH="0" baseline="0" noProof="0" dirty="0">
+              <a:ln>
+                <a:noFill/>
+              </a:ln>
+              <a:solidFill>
+                <a:srgbClr val="C00000"/>
+              </a:solidFill>
+              <a:effectLst/>
+              <a:uLnTx/>
+              <a:uFillTx/>
+              <a:latin typeface="Calibri" panose="020F0502020204030204"/>
+              <a:ea typeface="+mn-ea"/>
+              <a:cs typeface="+mn-cs"/>
+            </a:endParaRPr>
+          </a:p>
+        </p:txBody>
+      </p:sp>
+      <p:sp>
+        <p:nvSpPr>
+          <p:cNvPr id="27" name="TextBox 26">
+            <a:extLst>
+              <a:ext uri="{FF2B5EF4-FFF2-40B4-BE49-F238E27FC236}">
+                <a16:creationId xmlns:a16="http://schemas.microsoft.com/office/drawing/2014/main" id="{59D36467-33B9-DD36-9E33-581A2E13C2F5}"/>
+              </a:ext>
+            </a:extLst>
+          </p:cNvPr>
+          <p:cNvSpPr txBox="1"/>
+          <p:nvPr/>
+        </p:nvSpPr>
+        <p:spPr>
+          <a:xfrm>
+            <a:off x="6091517" y="2856121"/>
+            <a:ext cx="258404" cy="261610"/>
+          </a:xfrm>
+          <a:prstGeom prst="rect">
+            <a:avLst/>
+          </a:prstGeom>
+          <a:noFill/>
+        </p:spPr>
+        <p:txBody>
+          <a:bodyPr wrap="none" rtlCol="0">
+            <a:spAutoFit/>
+          </a:bodyPr>
+          <a:lstStyle/>
+          <a:p>
+            <a:pPr marL="0" marR="0" lvl="0" indent="0" algn="l" defTabSz="914400" rtl="0" eaLnBrk="1" fontAlgn="auto" latinLnBrk="0" hangingPunct="1">
+              <a:lnSpc>
+                <a:spcPct val="100000"/>
+              </a:lnSpc>
+              <a:spcBef>
+                <a:spcPts val="0"/>
+              </a:spcBef>
+              <a:spcAft>
+                <a:spcPts val="0"/>
+              </a:spcAft>
+              <a:buClrTx/>
+              <a:buSzTx/>
+              <a:buFontTx/>
+              <a:buNone/>
+              <a:tabLst/>
+              <a:defRPr/>
+            </a:pPr>
+            <a:r>
+              <a:rPr kumimoji="0" lang="en-US" sz="1100" b="1" i="0" u="none" strike="noStrike" kern="1200" cap="none" spc="0" normalizeH="0" baseline="0" noProof="0" dirty="0">
+                <a:ln>
+                  <a:noFill/>
+                </a:ln>
+                <a:solidFill>
+                  <a:srgbClr val="C00000"/>
+                </a:solidFill>
+                <a:effectLst/>
+                <a:uLnTx/>
+                <a:uFillTx/>
+                <a:latin typeface="Calibri" panose="020F0502020204030204"/>
+                <a:ea typeface="+mn-ea"/>
+                <a:cs typeface="+mn-cs"/>
+              </a:rPr>
+              <a:t>b</a:t>
+            </a:r>
+            <a:endParaRPr kumimoji="0" lang="en-GB" sz="1100" b="1" i="0" u="none" strike="noStrike" kern="1200" cap="none" spc="0" normalizeH="0" baseline="0" noProof="0" dirty="0">
+              <a:ln>
+                <a:noFill/>
+              </a:ln>
+              <a:solidFill>
+                <a:srgbClr val="C00000"/>
+              </a:solidFill>
+              <a:effectLst/>
+              <a:uLnTx/>
+              <a:uFillTx/>
+              <a:latin typeface="Calibri" panose="020F0502020204030204"/>
+              <a:ea typeface="+mn-ea"/>
+              <a:cs typeface="+mn-cs"/>
+            </a:endParaRPr>
+          </a:p>
+        </p:txBody>
+      </p:sp>
+      <p:sp>
+        <p:nvSpPr>
+          <p:cNvPr id="28" name="TextBox 27">
+            <a:extLst>
+              <a:ext uri="{FF2B5EF4-FFF2-40B4-BE49-F238E27FC236}">
+                <a16:creationId xmlns:a16="http://schemas.microsoft.com/office/drawing/2014/main" id="{E25558D4-95CF-D410-9307-3F672E5D3C41}"/>
+              </a:ext>
+            </a:extLst>
+          </p:cNvPr>
+          <p:cNvSpPr txBox="1"/>
+          <p:nvPr/>
+        </p:nvSpPr>
+        <p:spPr>
+          <a:xfrm>
+            <a:off x="4931583" y="2551270"/>
+            <a:ext cx="243978" cy="261610"/>
+          </a:xfrm>
+          <a:prstGeom prst="rect">
+            <a:avLst/>
+          </a:prstGeom>
+          <a:noFill/>
+        </p:spPr>
+        <p:txBody>
+          <a:bodyPr wrap="none" rtlCol="0">
+            <a:spAutoFit/>
+          </a:bodyPr>
+          <a:lstStyle/>
+          <a:p>
+            <a:pPr marL="0" marR="0" lvl="0" indent="0" algn="l" defTabSz="914400" rtl="0" eaLnBrk="1" fontAlgn="auto" latinLnBrk="0" hangingPunct="1">
+              <a:lnSpc>
+                <a:spcPct val="100000"/>
+              </a:lnSpc>
+              <a:spcBef>
+                <a:spcPts val="0"/>
+              </a:spcBef>
+              <a:spcAft>
+                <a:spcPts val="0"/>
+              </a:spcAft>
+              <a:buClrTx/>
+              <a:buSzTx/>
+              <a:buFontTx/>
+              <a:buNone/>
+              <a:tabLst/>
+              <a:defRPr/>
+            </a:pPr>
+            <a:r>
+              <a:rPr kumimoji="0" lang="en-US" sz="1100" b="1" i="0" u="none" strike="noStrike" kern="1200" cap="none" spc="0" normalizeH="0" baseline="0" noProof="0" dirty="0">
+                <a:ln>
+                  <a:noFill/>
+                </a:ln>
+                <a:solidFill>
+                  <a:srgbClr val="C00000"/>
+                </a:solidFill>
+                <a:effectLst/>
+                <a:uLnTx/>
+                <a:uFillTx/>
+                <a:latin typeface="Calibri" panose="020F0502020204030204"/>
+                <a:ea typeface="+mn-ea"/>
+                <a:cs typeface="+mn-cs"/>
+              </a:rPr>
+              <a:t>c</a:t>
+            </a:r>
+            <a:endParaRPr kumimoji="0" lang="en-GB" sz="1100" b="1" i="0" u="none" strike="noStrike" kern="1200" cap="none" spc="0" normalizeH="0" baseline="0" noProof="0" dirty="0">
+              <a:ln>
+                <a:noFill/>
+              </a:ln>
+              <a:solidFill>
+                <a:srgbClr val="C00000"/>
+              </a:solidFill>
+              <a:effectLst/>
+              <a:uLnTx/>
+              <a:uFillTx/>
+              <a:latin typeface="Calibri" panose="020F0502020204030204"/>
+              <a:ea typeface="+mn-ea"/>
+              <a:cs typeface="+mn-cs"/>
+            </a:endParaRPr>
+          </a:p>
+        </p:txBody>
+      </p:sp>
+      <p:sp>
+        <p:nvSpPr>
+          <p:cNvPr id="29" name="TextBox 28">
+            <a:extLst>
+              <a:ext uri="{FF2B5EF4-FFF2-40B4-BE49-F238E27FC236}">
+                <a16:creationId xmlns:a16="http://schemas.microsoft.com/office/drawing/2014/main" id="{067D206D-70DA-6776-96E4-0E26C8CEFF3A}"/>
+              </a:ext>
+            </a:extLst>
+          </p:cNvPr>
+          <p:cNvSpPr txBox="1"/>
+          <p:nvPr/>
+        </p:nvSpPr>
+        <p:spPr>
+          <a:xfrm>
+            <a:off x="4917157" y="3554148"/>
+            <a:ext cx="258404" cy="261610"/>
+          </a:xfrm>
+          <a:prstGeom prst="rect">
+            <a:avLst/>
+          </a:prstGeom>
+          <a:noFill/>
+        </p:spPr>
+        <p:txBody>
+          <a:bodyPr wrap="none" rtlCol="0">
+            <a:spAutoFit/>
+          </a:bodyPr>
+          <a:lstStyle/>
+          <a:p>
+            <a:pPr marL="0" marR="0" lvl="0" indent="0" algn="l" defTabSz="914400" rtl="0" eaLnBrk="1" fontAlgn="auto" latinLnBrk="0" hangingPunct="1">
+              <a:lnSpc>
+                <a:spcPct val="100000"/>
+              </a:lnSpc>
+              <a:spcBef>
+                <a:spcPts val="0"/>
+              </a:spcBef>
+              <a:spcAft>
+                <a:spcPts val="0"/>
+              </a:spcAft>
+              <a:buClrTx/>
+              <a:buSzTx/>
+              <a:buFontTx/>
+              <a:buNone/>
+              <a:tabLst/>
+              <a:defRPr/>
+            </a:pPr>
+            <a:r>
+              <a:rPr kumimoji="0" lang="en-US" sz="1100" b="1" i="0" u="none" strike="noStrike" kern="1200" cap="none" spc="0" normalizeH="0" baseline="0" noProof="0" dirty="0">
+                <a:ln>
+                  <a:noFill/>
+                </a:ln>
+                <a:solidFill>
+                  <a:srgbClr val="C00000"/>
+                </a:solidFill>
+                <a:effectLst/>
+                <a:uLnTx/>
+                <a:uFillTx/>
+                <a:latin typeface="Calibri" panose="020F0502020204030204"/>
+                <a:ea typeface="+mn-ea"/>
+                <a:cs typeface="+mn-cs"/>
+              </a:rPr>
+              <a:t>d</a:t>
+            </a:r>
+            <a:endParaRPr kumimoji="0" lang="en-GB" sz="1100" b="1" i="0" u="none" strike="noStrike" kern="1200" cap="none" spc="0" normalizeH="0" baseline="0" noProof="0" dirty="0">
+              <a:ln>
+                <a:noFill/>
+              </a:ln>
+              <a:solidFill>
+                <a:srgbClr val="C00000"/>
+              </a:solidFill>
+              <a:effectLst/>
+              <a:uLnTx/>
+              <a:uFillTx/>
+              <a:latin typeface="Calibri" panose="020F0502020204030204"/>
+              <a:ea typeface="+mn-ea"/>
+              <a:cs typeface="+mn-cs"/>
+            </a:endParaRPr>
+          </a:p>
+        </p:txBody>
+      </p:sp>
+      <p:sp>
+        <p:nvSpPr>
+          <p:cNvPr id="31" name="TextBox 30">
+            <a:extLst>
+              <a:ext uri="{FF2B5EF4-FFF2-40B4-BE49-F238E27FC236}">
+                <a16:creationId xmlns:a16="http://schemas.microsoft.com/office/drawing/2014/main" id="{ED74DDBF-B079-7AF8-FEDC-6F220E10DFEA}"/>
+              </a:ext>
+            </a:extLst>
+          </p:cNvPr>
+          <p:cNvSpPr txBox="1"/>
+          <p:nvPr/>
+        </p:nvSpPr>
+        <p:spPr>
+          <a:xfrm>
+            <a:off x="199429" y="1487603"/>
+            <a:ext cx="569643" cy="246221"/>
+          </a:xfrm>
+          <a:prstGeom prst="rect">
+            <a:avLst/>
+          </a:prstGeom>
+          <a:noFill/>
+        </p:spPr>
+        <p:txBody>
+          <a:bodyPr wrap="square" rtlCol="0">
+            <a:spAutoFit/>
+          </a:bodyPr>
+          <a:lstStyle/>
+          <a:p>
+            <a:pPr marL="0" marR="0" lvl="0" indent="0" algn="l" defTabSz="914400" rtl="0" eaLnBrk="1" fontAlgn="auto" latinLnBrk="0" hangingPunct="1">
+              <a:lnSpc>
+                <a:spcPct val="100000"/>
+              </a:lnSpc>
+              <a:spcBef>
+                <a:spcPts val="0"/>
+              </a:spcBef>
+              <a:spcAft>
+                <a:spcPts val="0"/>
+              </a:spcAft>
+              <a:buClrTx/>
+              <a:buSzTx/>
+              <a:buFontTx/>
+              <a:buNone/>
+              <a:tabLst/>
+              <a:defRPr/>
+            </a:pPr>
+            <a:r>
+              <a:rPr kumimoji="0" lang="en-US" sz="1000" b="1" i="0" u="none" strike="noStrike" kern="1200" cap="none" spc="0" normalizeH="0" baseline="0" noProof="0" dirty="0">
+                <a:ln>
+                  <a:noFill/>
+                </a:ln>
+                <a:solidFill>
+                  <a:prstClr val="black"/>
+                </a:solidFill>
+                <a:effectLst/>
+                <a:uLnTx/>
+                <a:uFillTx/>
+                <a:latin typeface="Consolas" panose="020B0609020204030204" pitchFamily="49" charset="0"/>
+                <a:ea typeface="+mn-ea"/>
+                <a:cs typeface="+mn-cs"/>
+              </a:rPr>
+              <a:t>S-101</a:t>
+            </a:r>
+            <a:endParaRPr kumimoji="0" lang="en-GB" sz="1000" b="1" i="0" u="none" strike="noStrike" kern="1200" cap="none" spc="0" normalizeH="0" baseline="0" noProof="0" dirty="0">
+              <a:ln>
+                <a:noFill/>
+              </a:ln>
+              <a:solidFill>
+                <a:prstClr val="black"/>
+              </a:solidFill>
+              <a:effectLst/>
+              <a:uLnTx/>
+              <a:uFillTx/>
+              <a:latin typeface="Consolas" panose="020B0609020204030204" pitchFamily="49" charset="0"/>
+              <a:ea typeface="+mn-ea"/>
+              <a:cs typeface="+mn-cs"/>
+            </a:endParaRPr>
+          </a:p>
+        </p:txBody>
+      </p:sp>
+      <p:sp>
+        <p:nvSpPr>
+          <p:cNvPr id="33" name="TextBox 32">
+            <a:extLst>
+              <a:ext uri="{FF2B5EF4-FFF2-40B4-BE49-F238E27FC236}">
+                <a16:creationId xmlns:a16="http://schemas.microsoft.com/office/drawing/2014/main" id="{74AAA8C0-8E0D-DC2C-0628-8685872C7FC3}"/>
+              </a:ext>
+            </a:extLst>
+          </p:cNvPr>
+          <p:cNvSpPr txBox="1"/>
+          <p:nvPr/>
+        </p:nvSpPr>
+        <p:spPr>
+          <a:xfrm>
+            <a:off x="3611895" y="1487602"/>
+            <a:ext cx="569643" cy="246221"/>
+          </a:xfrm>
+          <a:prstGeom prst="rect">
+            <a:avLst/>
+          </a:prstGeom>
+          <a:noFill/>
+        </p:spPr>
+        <p:txBody>
+          <a:bodyPr wrap="square" rtlCol="0">
+            <a:spAutoFit/>
+          </a:bodyPr>
+          <a:lstStyle/>
+          <a:p>
+            <a:pPr marL="0" marR="0" lvl="0" indent="0" algn="l" defTabSz="914400" rtl="0" eaLnBrk="1" fontAlgn="auto" latinLnBrk="0" hangingPunct="1">
+              <a:lnSpc>
+                <a:spcPct val="100000"/>
+              </a:lnSpc>
+              <a:spcBef>
+                <a:spcPts val="0"/>
+              </a:spcBef>
+              <a:spcAft>
+                <a:spcPts val="0"/>
+              </a:spcAft>
+              <a:buClrTx/>
+              <a:buSzTx/>
+              <a:buFontTx/>
+              <a:buNone/>
+              <a:tabLst/>
+              <a:defRPr/>
+            </a:pPr>
+            <a:r>
+              <a:rPr kumimoji="0" lang="en-US" sz="1000" b="1" i="0" u="none" strike="noStrike" kern="1200" cap="none" spc="0" normalizeH="0" baseline="0" noProof="0" dirty="0">
+                <a:ln>
+                  <a:noFill/>
+                </a:ln>
+                <a:solidFill>
+                  <a:prstClr val="black"/>
+                </a:solidFill>
+                <a:effectLst/>
+                <a:uLnTx/>
+                <a:uFillTx/>
+                <a:latin typeface="Consolas" panose="020B0609020204030204" pitchFamily="49" charset="0"/>
+                <a:ea typeface="+mn-ea"/>
+                <a:cs typeface="+mn-cs"/>
+              </a:rPr>
+              <a:t>S-101</a:t>
+            </a:r>
+            <a:endParaRPr kumimoji="0" lang="en-GB" sz="1000" b="1" i="0" u="none" strike="noStrike" kern="1200" cap="none" spc="0" normalizeH="0" baseline="0" noProof="0" dirty="0">
+              <a:ln>
+                <a:noFill/>
+              </a:ln>
+              <a:solidFill>
+                <a:prstClr val="black"/>
+              </a:solidFill>
+              <a:effectLst/>
+              <a:uLnTx/>
+              <a:uFillTx/>
+              <a:latin typeface="Consolas" panose="020B0609020204030204" pitchFamily="49" charset="0"/>
+              <a:ea typeface="+mn-ea"/>
+              <a:cs typeface="+mn-cs"/>
+            </a:endParaRPr>
+          </a:p>
+        </p:txBody>
+      </p:sp>
+      <p:sp>
+        <p:nvSpPr>
+          <p:cNvPr id="2" name="Freeform: Shape 1">
+            <a:extLst>
+              <a:ext uri="{FF2B5EF4-FFF2-40B4-BE49-F238E27FC236}">
+                <a16:creationId xmlns:a16="http://schemas.microsoft.com/office/drawing/2014/main" id="{1EE38AD8-E01A-B95C-E40E-23E9CD956A3A}"/>
               </a:ext>
             </a:extLst>
           </p:cNvPr>
@@ -23643,10 +24572,10 @@
       </p:sp>
       <p:sp>
         <p:nvSpPr>
-          <p:cNvPr id="15" name="TextBox 14">
-            <a:extLst>
-              <a:ext uri="{FF2B5EF4-FFF2-40B4-BE49-F238E27FC236}">
-                <a16:creationId xmlns:a16="http://schemas.microsoft.com/office/drawing/2014/main" id="{35EF2426-93A6-B43B-3424-F334538EADC4}"/>
+          <p:cNvPr id="3" name="TextBox 2">
+            <a:extLst>
+              <a:ext uri="{FF2B5EF4-FFF2-40B4-BE49-F238E27FC236}">
+                <a16:creationId xmlns:a16="http://schemas.microsoft.com/office/drawing/2014/main" id="{23B6F084-7DE4-BB53-8CCB-1D4F487F70BF}"/>
               </a:ext>
             </a:extLst>
           </p:cNvPr>
@@ -23722,10 +24651,10 @@
       </p:sp>
       <p:sp>
         <p:nvSpPr>
-          <p:cNvPr id="21" name="Freeform: Shape 20">
-            <a:extLst>
-              <a:ext uri="{FF2B5EF4-FFF2-40B4-BE49-F238E27FC236}">
-                <a16:creationId xmlns:a16="http://schemas.microsoft.com/office/drawing/2014/main" id="{CD4EE136-B1DF-0B18-60B7-CFD5910AAF4C}"/>
+          <p:cNvPr id="12" name="Freeform: Shape 11">
+            <a:extLst>
+              <a:ext uri="{FF2B5EF4-FFF2-40B4-BE49-F238E27FC236}">
+                <a16:creationId xmlns:a16="http://schemas.microsoft.com/office/drawing/2014/main" id="{4936263A-795C-D503-E607-05B3F1AE0F9D}"/>
               </a:ext>
             </a:extLst>
           </p:cNvPr>
@@ -23840,10 +24769,10 @@
       </p:sp>
       <p:sp>
         <p:nvSpPr>
-          <p:cNvPr id="22" name="TextBox 21">
-            <a:extLst>
-              <a:ext uri="{FF2B5EF4-FFF2-40B4-BE49-F238E27FC236}">
-                <a16:creationId xmlns:a16="http://schemas.microsoft.com/office/drawing/2014/main" id="{8D0F5A37-2E0C-C12D-0A57-3E6A6D1E7482}"/>
+          <p:cNvPr id="15" name="TextBox 14">
+            <a:extLst>
+              <a:ext uri="{FF2B5EF4-FFF2-40B4-BE49-F238E27FC236}">
+                <a16:creationId xmlns:a16="http://schemas.microsoft.com/office/drawing/2014/main" id="{C5BCC9E7-F9C8-6750-DC47-820B3D83BF94}"/>
               </a:ext>
             </a:extLst>
           </p:cNvPr>
@@ -23917,12 +24846,48 @@
           </a:p>
         </p:txBody>
       </p:sp>
+    </p:spTree>
+    <p:extLst>
+      <p:ext uri="{BB962C8B-B14F-4D97-AF65-F5344CB8AC3E}">
+        <p14:creationId xmlns:p14="http://schemas.microsoft.com/office/powerpoint/2010/main" val="1317314841"/>
+      </p:ext>
+    </p:extLst>
+  </p:cSld>
+  <p:clrMapOvr>
+    <a:masterClrMapping/>
+  </p:clrMapOvr>
+</p:sld>
+</file>
+
+<file path=ppt/slides/slide4.xml><?xml version="1.0" encoding="utf-8"?>
+<p:sld xmlns:a="http://schemas.openxmlformats.org/drawingml/2006/main" xmlns:r="http://schemas.openxmlformats.org/officeDocument/2006/relationships" xmlns:p="http://schemas.openxmlformats.org/presentationml/2006/main">
+  <p:cSld>
+    <p:spTree>
+      <p:nvGrpSpPr>
+        <p:cNvPr id="1" name="">
+          <a:extLst>
+            <a:ext uri="{FF2B5EF4-FFF2-40B4-BE49-F238E27FC236}">
+              <a16:creationId xmlns:a16="http://schemas.microsoft.com/office/drawing/2014/main" id="{99898E7A-4BB3-4899-D108-2FD918232EAE}"/>
+            </a:ext>
+          </a:extLst>
+        </p:cNvPr>
+        <p:cNvGrpSpPr/>
+        <p:nvPr/>
+      </p:nvGrpSpPr>
+      <p:grpSpPr>
+        <a:xfrm>
+          <a:off x="0" y="0"/>
+          <a:ext cx="0" cy="0"/>
+          <a:chOff x="0" y="0"/>
+          <a:chExt cx="0" cy="0"/>
+        </a:xfrm>
+      </p:grpSpPr>
       <p:sp>
         <p:nvSpPr>
-          <p:cNvPr id="23" name="Rectangle 22">
-            <a:extLst>
-              <a:ext uri="{FF2B5EF4-FFF2-40B4-BE49-F238E27FC236}">
-                <a16:creationId xmlns:a16="http://schemas.microsoft.com/office/drawing/2014/main" id="{2F9B9FAE-85AD-F045-491B-CCF6F0D60956}"/>
+          <p:cNvPr id="5" name="Rectangle 4">
+            <a:extLst>
+              <a:ext uri="{FF2B5EF4-FFF2-40B4-BE49-F238E27FC236}">
+                <a16:creationId xmlns:a16="http://schemas.microsoft.com/office/drawing/2014/main" id="{88951B56-5A26-478A-BD3E-4DC8534E0A6C}"/>
               </a:ext>
             </a:extLst>
           </p:cNvPr>
@@ -23931,19 +24896,18 @@
         </p:nvSpPr>
         <p:spPr>
           <a:xfrm>
-            <a:off x="4775228" y="2473604"/>
-            <a:ext cx="354246" cy="369332"/>
+            <a:off x="230572" y="1505414"/>
+            <a:ext cx="3438144" cy="3608832"/>
           </a:xfrm>
           <a:prstGeom prst="rect">
             <a:avLst/>
           </a:prstGeom>
-          <a:noFill/>
-          <a:ln>
-            <a:solidFill>
-              <a:srgbClr val="C925BD"/>
-            </a:solidFill>
-            <a:prstDash val="sysDash"/>
-          </a:ln>
+          <a:solidFill>
+            <a:schemeClr val="accent5">
+              <a:lumMod val="40000"/>
+              <a:lumOff val="60000"/>
+            </a:schemeClr>
+          </a:solidFill>
         </p:spPr>
         <p:style>
           <a:lnRef idx="2">
@@ -24001,6 +24965,1267 @@
       </p:sp>
       <p:sp>
         <p:nvSpPr>
+          <p:cNvPr id="6" name="Rectangle 5">
+            <a:extLst>
+              <a:ext uri="{FF2B5EF4-FFF2-40B4-BE49-F238E27FC236}">
+                <a16:creationId xmlns:a16="http://schemas.microsoft.com/office/drawing/2014/main" id="{805C17C8-C90D-FD68-6183-C136FF13A5D0}"/>
+              </a:ext>
+            </a:extLst>
+          </p:cNvPr>
+          <p:cNvSpPr/>
+          <p:nvPr/>
+        </p:nvSpPr>
+        <p:spPr>
+          <a:xfrm>
+            <a:off x="3668716" y="1505414"/>
+            <a:ext cx="3438144" cy="3608832"/>
+          </a:xfrm>
+          <a:prstGeom prst="rect">
+            <a:avLst/>
+          </a:prstGeom>
+          <a:solidFill>
+            <a:schemeClr val="accent5">
+              <a:lumMod val="40000"/>
+              <a:lumOff val="60000"/>
+            </a:schemeClr>
+          </a:solidFill>
+        </p:spPr>
+        <p:style>
+          <a:lnRef idx="2">
+            <a:schemeClr val="accent1">
+              <a:shade val="15000"/>
+            </a:schemeClr>
+          </a:lnRef>
+          <a:fillRef idx="1">
+            <a:schemeClr val="accent1"/>
+          </a:fillRef>
+          <a:effectRef idx="0">
+            <a:schemeClr val="accent1"/>
+          </a:effectRef>
+          <a:fontRef idx="minor">
+            <a:schemeClr val="lt1"/>
+          </a:fontRef>
+        </p:style>
+        <p:txBody>
+          <a:bodyPr rtlCol="0" anchor="ctr"/>
+          <a:lstStyle/>
+          <a:p>
+            <a:pPr marL="0" marR="0" lvl="0" indent="0" algn="ctr" defTabSz="914400" rtl="0" eaLnBrk="1" fontAlgn="auto" latinLnBrk="0" hangingPunct="1">
+              <a:lnSpc>
+                <a:spcPct val="100000"/>
+              </a:lnSpc>
+              <a:spcBef>
+                <a:spcPts val="0"/>
+              </a:spcBef>
+              <a:spcAft>
+                <a:spcPts val="0"/>
+              </a:spcAft>
+              <a:buClrTx/>
+              <a:buSzTx/>
+              <a:buFontTx/>
+              <a:buNone/>
+              <a:tabLst/>
+              <a:defRPr/>
+            </a:pPr>
+            <a:endParaRPr kumimoji="0" lang="en-GB" sz="1800" b="0" i="0" u="none" strike="noStrike" kern="1200" cap="none" spc="0" normalizeH="0" baseline="0" noProof="0">
+              <a:ln>
+                <a:noFill/>
+              </a:ln>
+              <a:solidFill>
+                <a:prstClr val="white"/>
+              </a:solidFill>
+              <a:effectLst/>
+              <a:uLnTx/>
+              <a:uFillTx/>
+              <a:latin typeface="Calibri" panose="020F0502020204030204"/>
+              <a:ea typeface="+mn-ea"/>
+              <a:cs typeface="+mn-cs"/>
+            </a:endParaRPr>
+          </a:p>
+        </p:txBody>
+      </p:sp>
+      <p:sp>
+        <p:nvSpPr>
+          <p:cNvPr id="4" name="Rectangle 3">
+            <a:extLst>
+              <a:ext uri="{FF2B5EF4-FFF2-40B4-BE49-F238E27FC236}">
+                <a16:creationId xmlns:a16="http://schemas.microsoft.com/office/drawing/2014/main" id="{7BFCA4C4-B9A7-802F-F856-6D0CD93CF559}"/>
+              </a:ext>
+            </a:extLst>
+          </p:cNvPr>
+          <p:cNvSpPr/>
+          <p:nvPr/>
+        </p:nvSpPr>
+        <p:spPr>
+          <a:xfrm rot="21193878">
+            <a:off x="1648514" y="2866427"/>
+            <a:ext cx="4937760" cy="673445"/>
+          </a:xfrm>
+          <a:prstGeom prst="rect">
+            <a:avLst/>
+          </a:prstGeom>
+          <a:ln>
+            <a:solidFill>
+              <a:srgbClr val="C00000"/>
+            </a:solidFill>
+          </a:ln>
+        </p:spPr>
+        <p:style>
+          <a:lnRef idx="2">
+            <a:schemeClr val="accent1">
+              <a:shade val="15000"/>
+            </a:schemeClr>
+          </a:lnRef>
+          <a:fillRef idx="1">
+            <a:schemeClr val="accent1"/>
+          </a:fillRef>
+          <a:effectRef idx="0">
+            <a:schemeClr val="accent1"/>
+          </a:effectRef>
+          <a:fontRef idx="minor">
+            <a:schemeClr val="lt1"/>
+          </a:fontRef>
+        </p:style>
+        <p:txBody>
+          <a:bodyPr rtlCol="0" anchor="ctr"/>
+          <a:lstStyle/>
+          <a:p>
+            <a:pPr marL="0" marR="0" lvl="0" indent="0" algn="ctr" defTabSz="914400" rtl="0" eaLnBrk="1" fontAlgn="auto" latinLnBrk="0" hangingPunct="1">
+              <a:lnSpc>
+                <a:spcPct val="100000"/>
+              </a:lnSpc>
+              <a:spcBef>
+                <a:spcPts val="0"/>
+              </a:spcBef>
+              <a:spcAft>
+                <a:spcPts val="0"/>
+              </a:spcAft>
+              <a:buClrTx/>
+              <a:buSzTx/>
+              <a:buFontTx/>
+              <a:buNone/>
+              <a:tabLst/>
+              <a:defRPr/>
+            </a:pPr>
+            <a:r>
+              <a:rPr kumimoji="0" lang="en-US" sz="1800" b="0" i="0" u="none" strike="noStrike" kern="1200" cap="none" spc="0" normalizeH="0" baseline="0" noProof="0" dirty="0">
+                <a:ln>
+                  <a:noFill/>
+                </a:ln>
+                <a:solidFill>
+                  <a:prstClr val="white"/>
+                </a:solidFill>
+                <a:effectLst/>
+                <a:uLnTx/>
+                <a:uFillTx/>
+                <a:latin typeface="Calibri" panose="020F0502020204030204"/>
+                <a:ea typeface="+mn-ea"/>
+                <a:cs typeface="+mn-cs"/>
+              </a:rPr>
+              <a:t>Bridge</a:t>
+            </a:r>
+            <a:endParaRPr kumimoji="0" lang="en-GB" sz="1800" b="0" i="0" u="none" strike="noStrike" kern="1200" cap="none" spc="0" normalizeH="0" baseline="0" noProof="0" dirty="0">
+              <a:ln>
+                <a:noFill/>
+              </a:ln>
+              <a:solidFill>
+                <a:prstClr val="white"/>
+              </a:solidFill>
+              <a:effectLst/>
+              <a:uLnTx/>
+              <a:uFillTx/>
+              <a:latin typeface="Calibri" panose="020F0502020204030204"/>
+              <a:ea typeface="+mn-ea"/>
+              <a:cs typeface="+mn-cs"/>
+            </a:endParaRPr>
+          </a:p>
+        </p:txBody>
+      </p:sp>
+      <p:sp>
+        <p:nvSpPr>
+          <p:cNvPr id="7" name="Rectangle 6">
+            <a:extLst>
+              <a:ext uri="{FF2B5EF4-FFF2-40B4-BE49-F238E27FC236}">
+                <a16:creationId xmlns:a16="http://schemas.microsoft.com/office/drawing/2014/main" id="{ABD6B650-158A-A6C9-D5C5-C7D3D660AE02}"/>
+              </a:ext>
+            </a:extLst>
+          </p:cNvPr>
+          <p:cNvSpPr/>
+          <p:nvPr/>
+        </p:nvSpPr>
+        <p:spPr>
+          <a:xfrm>
+            <a:off x="468316" y="2738838"/>
+            <a:ext cx="2962656" cy="2029968"/>
+          </a:xfrm>
+          <a:prstGeom prst="rect">
+            <a:avLst/>
+          </a:prstGeom>
+          <a:noFill/>
+        </p:spPr>
+        <p:style>
+          <a:lnRef idx="2">
+            <a:schemeClr val="accent1">
+              <a:shade val="15000"/>
+            </a:schemeClr>
+          </a:lnRef>
+          <a:fillRef idx="1">
+            <a:schemeClr val="accent1"/>
+          </a:fillRef>
+          <a:effectRef idx="0">
+            <a:schemeClr val="accent1"/>
+          </a:effectRef>
+          <a:fontRef idx="minor">
+            <a:schemeClr val="lt1"/>
+          </a:fontRef>
+        </p:style>
+        <p:txBody>
+          <a:bodyPr rtlCol="0" anchor="ctr"/>
+          <a:lstStyle/>
+          <a:p>
+            <a:pPr marL="0" marR="0" lvl="0" indent="0" algn="ctr" defTabSz="914400" rtl="0" eaLnBrk="1" fontAlgn="auto" latinLnBrk="0" hangingPunct="1">
+              <a:lnSpc>
+                <a:spcPct val="100000"/>
+              </a:lnSpc>
+              <a:spcBef>
+                <a:spcPts val="0"/>
+              </a:spcBef>
+              <a:spcAft>
+                <a:spcPts val="0"/>
+              </a:spcAft>
+              <a:buClrTx/>
+              <a:buSzTx/>
+              <a:buFontTx/>
+              <a:buNone/>
+              <a:tabLst/>
+              <a:defRPr/>
+            </a:pPr>
+            <a:endParaRPr kumimoji="0" lang="en-GB" sz="1800" b="0" i="0" u="none" strike="noStrike" kern="1200" cap="none" spc="0" normalizeH="0" baseline="0" noProof="0">
+              <a:ln>
+                <a:noFill/>
+              </a:ln>
+              <a:solidFill>
+                <a:prstClr val="white"/>
+              </a:solidFill>
+              <a:effectLst/>
+              <a:uLnTx/>
+              <a:uFillTx/>
+              <a:latin typeface="Calibri" panose="020F0502020204030204"/>
+              <a:ea typeface="+mn-ea"/>
+              <a:cs typeface="+mn-cs"/>
+            </a:endParaRPr>
+          </a:p>
+        </p:txBody>
+      </p:sp>
+      <p:sp>
+        <p:nvSpPr>
+          <p:cNvPr id="8" name="TextBox 7">
+            <a:extLst>
+              <a:ext uri="{FF2B5EF4-FFF2-40B4-BE49-F238E27FC236}">
+                <a16:creationId xmlns:a16="http://schemas.microsoft.com/office/drawing/2014/main" id="{85B1F050-2F9C-737D-80DD-DCE0CB129C13}"/>
+              </a:ext>
+            </a:extLst>
+          </p:cNvPr>
+          <p:cNvSpPr txBox="1"/>
+          <p:nvPr/>
+        </p:nvSpPr>
+        <p:spPr>
+          <a:xfrm>
+            <a:off x="431219" y="2700230"/>
+            <a:ext cx="1049133" cy="369332"/>
+          </a:xfrm>
+          <a:prstGeom prst="rect">
+            <a:avLst/>
+          </a:prstGeom>
+          <a:noFill/>
+        </p:spPr>
+        <p:txBody>
+          <a:bodyPr wrap="none" rtlCol="0">
+            <a:spAutoFit/>
+          </a:bodyPr>
+          <a:lstStyle/>
+          <a:p>
+            <a:pPr marL="0" marR="0" lvl="0" indent="0" algn="l" defTabSz="914400" rtl="0" eaLnBrk="1" fontAlgn="auto" latinLnBrk="0" hangingPunct="1">
+              <a:lnSpc>
+                <a:spcPct val="100000"/>
+              </a:lnSpc>
+              <a:spcBef>
+                <a:spcPts val="0"/>
+              </a:spcBef>
+              <a:spcAft>
+                <a:spcPts val="0"/>
+              </a:spcAft>
+              <a:buClrTx/>
+              <a:buSzTx/>
+              <a:buFontTx/>
+              <a:buNone/>
+              <a:tabLst/>
+              <a:defRPr/>
+            </a:pPr>
+            <a:r>
+              <a:rPr kumimoji="0" lang="en-US" sz="1800" b="0" i="0" u="none" strike="noStrike" kern="1200" cap="none" spc="0" normalizeH="0" baseline="0" noProof="0" dirty="0">
+                <a:ln>
+                  <a:noFill/>
+                </a:ln>
+                <a:solidFill>
+                  <a:prstClr val="black"/>
+                </a:solidFill>
+                <a:effectLst/>
+                <a:uLnTx/>
+                <a:uFillTx/>
+                <a:latin typeface="Calibri" panose="020F0502020204030204"/>
+                <a:ea typeface="+mn-ea"/>
+                <a:cs typeface="+mn-cs"/>
+              </a:rPr>
+              <a:t>Viewport</a:t>
+            </a:r>
+            <a:endParaRPr kumimoji="0" lang="en-GB" sz="1800" b="0" i="0" u="none" strike="noStrike" kern="1200" cap="none" spc="0" normalizeH="0" baseline="0" noProof="0" dirty="0">
+              <a:ln>
+                <a:noFill/>
+              </a:ln>
+              <a:solidFill>
+                <a:prstClr val="black"/>
+              </a:solidFill>
+              <a:effectLst/>
+              <a:uLnTx/>
+              <a:uFillTx/>
+              <a:latin typeface="Calibri" panose="020F0502020204030204"/>
+              <a:ea typeface="+mn-ea"/>
+              <a:cs typeface="+mn-cs"/>
+            </a:endParaRPr>
+          </a:p>
+        </p:txBody>
+      </p:sp>
+      <p:cxnSp>
+        <p:nvCxnSpPr>
+          <p:cNvPr id="10" name="Straight Connector 9">
+            <a:extLst>
+              <a:ext uri="{FF2B5EF4-FFF2-40B4-BE49-F238E27FC236}">
+                <a16:creationId xmlns:a16="http://schemas.microsoft.com/office/drawing/2014/main" id="{FB5D85EA-6B5A-C5BE-3A70-20B12DC18324}"/>
+              </a:ext>
+            </a:extLst>
+          </p:cNvPr>
+          <p:cNvCxnSpPr>
+            <a:cxnSpLocks/>
+          </p:cNvCxnSpPr>
+          <p:nvPr/>
+        </p:nvCxnSpPr>
+        <p:spPr>
+          <a:xfrm>
+            <a:off x="3668716" y="2915622"/>
+            <a:ext cx="0" cy="662432"/>
+          </a:xfrm>
+          <a:prstGeom prst="line">
+            <a:avLst/>
+          </a:prstGeom>
+          <a:ln>
+            <a:solidFill>
+              <a:schemeClr val="tx1">
+                <a:lumMod val="95000"/>
+                <a:lumOff val="5000"/>
+              </a:schemeClr>
+            </a:solidFill>
+            <a:prstDash val="dash"/>
+          </a:ln>
+        </p:spPr>
+        <p:style>
+          <a:lnRef idx="1">
+            <a:schemeClr val="accent1"/>
+          </a:lnRef>
+          <a:fillRef idx="0">
+            <a:schemeClr val="accent1"/>
+          </a:fillRef>
+          <a:effectRef idx="0">
+            <a:schemeClr val="accent1"/>
+          </a:effectRef>
+          <a:fontRef idx="minor">
+            <a:schemeClr val="tx1"/>
+          </a:fontRef>
+        </p:style>
+      </p:cxnSp>
+      <p:sp>
+        <p:nvSpPr>
+          <p:cNvPr id="13" name="TextBox 12">
+            <a:extLst>
+              <a:ext uri="{FF2B5EF4-FFF2-40B4-BE49-F238E27FC236}">
+                <a16:creationId xmlns:a16="http://schemas.microsoft.com/office/drawing/2014/main" id="{49560C74-F26A-9113-B300-F86A83092B9C}"/>
+              </a:ext>
+            </a:extLst>
+          </p:cNvPr>
+          <p:cNvSpPr txBox="1"/>
+          <p:nvPr/>
+        </p:nvSpPr>
+        <p:spPr>
+          <a:xfrm>
+            <a:off x="3107005" y="1487603"/>
+            <a:ext cx="647934" cy="369332"/>
+          </a:xfrm>
+          <a:prstGeom prst="rect">
+            <a:avLst/>
+          </a:prstGeom>
+          <a:noFill/>
+        </p:spPr>
+        <p:txBody>
+          <a:bodyPr wrap="none" rtlCol="0">
+            <a:spAutoFit/>
+          </a:bodyPr>
+          <a:lstStyle/>
+          <a:p>
+            <a:pPr marL="0" marR="0" lvl="0" indent="0" algn="l" defTabSz="914400" rtl="0" eaLnBrk="1" fontAlgn="auto" latinLnBrk="0" hangingPunct="1">
+              <a:lnSpc>
+                <a:spcPct val="100000"/>
+              </a:lnSpc>
+              <a:spcBef>
+                <a:spcPts val="0"/>
+              </a:spcBef>
+              <a:spcAft>
+                <a:spcPts val="0"/>
+              </a:spcAft>
+              <a:buClrTx/>
+              <a:buSzTx/>
+              <a:buFontTx/>
+              <a:buNone/>
+              <a:tabLst/>
+              <a:defRPr/>
+            </a:pPr>
+            <a:r>
+              <a:rPr kumimoji="0" lang="en-US" sz="1800" b="0" i="0" u="none" strike="noStrike" kern="1200" cap="none" spc="0" normalizeH="0" baseline="0" noProof="0" dirty="0">
+                <a:ln>
+                  <a:noFill/>
+                </a:ln>
+                <a:solidFill>
+                  <a:srgbClr val="44546A">
+                    <a:lumMod val="50000"/>
+                  </a:srgbClr>
+                </a:solidFill>
+                <a:effectLst/>
+                <a:uLnTx/>
+                <a:uFillTx/>
+                <a:latin typeface="Calibri" panose="020F0502020204030204"/>
+                <a:ea typeface="+mn-ea"/>
+                <a:cs typeface="+mn-cs"/>
+              </a:rPr>
+              <a:t>ENC</a:t>
+            </a:r>
+            <a:r>
+              <a:rPr kumimoji="0" lang="en-US" sz="1800" b="0" i="0" u="none" strike="noStrike" kern="1200" cap="none" spc="0" normalizeH="0" baseline="-25000" noProof="0" dirty="0">
+                <a:ln>
+                  <a:noFill/>
+                </a:ln>
+                <a:solidFill>
+                  <a:srgbClr val="44546A">
+                    <a:lumMod val="50000"/>
+                  </a:srgbClr>
+                </a:solidFill>
+                <a:effectLst/>
+                <a:uLnTx/>
+                <a:uFillTx/>
+                <a:latin typeface="Calibri" panose="020F0502020204030204"/>
+                <a:ea typeface="+mn-ea"/>
+                <a:cs typeface="+mn-cs"/>
+              </a:rPr>
+              <a:t>1</a:t>
+            </a:r>
+            <a:endParaRPr kumimoji="0" lang="en-GB" sz="1800" b="0" i="0" u="none" strike="noStrike" kern="1200" cap="none" spc="0" normalizeH="0" baseline="0" noProof="0" dirty="0">
+              <a:ln>
+                <a:noFill/>
+              </a:ln>
+              <a:solidFill>
+                <a:srgbClr val="44546A">
+                  <a:lumMod val="50000"/>
+                </a:srgbClr>
+              </a:solidFill>
+              <a:effectLst/>
+              <a:uLnTx/>
+              <a:uFillTx/>
+              <a:latin typeface="Calibri" panose="020F0502020204030204"/>
+              <a:ea typeface="+mn-ea"/>
+              <a:cs typeface="+mn-cs"/>
+            </a:endParaRPr>
+          </a:p>
+        </p:txBody>
+      </p:sp>
+      <p:sp>
+        <p:nvSpPr>
+          <p:cNvPr id="14" name="TextBox 13">
+            <a:extLst>
+              <a:ext uri="{FF2B5EF4-FFF2-40B4-BE49-F238E27FC236}">
+                <a16:creationId xmlns:a16="http://schemas.microsoft.com/office/drawing/2014/main" id="{D6BFBBA0-15F6-8FA3-82BB-B82F302CF168}"/>
+              </a:ext>
+            </a:extLst>
+          </p:cNvPr>
+          <p:cNvSpPr txBox="1"/>
+          <p:nvPr/>
+        </p:nvSpPr>
+        <p:spPr>
+          <a:xfrm>
+            <a:off x="6545149" y="1452827"/>
+            <a:ext cx="647934" cy="369332"/>
+          </a:xfrm>
+          <a:prstGeom prst="rect">
+            <a:avLst/>
+          </a:prstGeom>
+          <a:noFill/>
+        </p:spPr>
+        <p:txBody>
+          <a:bodyPr wrap="none" rtlCol="0">
+            <a:spAutoFit/>
+          </a:bodyPr>
+          <a:lstStyle/>
+          <a:p>
+            <a:pPr marL="0" marR="0" lvl="0" indent="0" algn="l" defTabSz="914400" rtl="0" eaLnBrk="1" fontAlgn="auto" latinLnBrk="0" hangingPunct="1">
+              <a:lnSpc>
+                <a:spcPct val="100000"/>
+              </a:lnSpc>
+              <a:spcBef>
+                <a:spcPts val="0"/>
+              </a:spcBef>
+              <a:spcAft>
+                <a:spcPts val="0"/>
+              </a:spcAft>
+              <a:buClrTx/>
+              <a:buSzTx/>
+              <a:buFontTx/>
+              <a:buNone/>
+              <a:tabLst/>
+              <a:defRPr/>
+            </a:pPr>
+            <a:r>
+              <a:rPr kumimoji="0" lang="en-US" sz="1800" b="0" i="0" u="none" strike="noStrike" kern="1200" cap="none" spc="0" normalizeH="0" baseline="0" noProof="0" dirty="0">
+                <a:ln>
+                  <a:noFill/>
+                </a:ln>
+                <a:solidFill>
+                  <a:srgbClr val="44546A">
+                    <a:lumMod val="50000"/>
+                  </a:srgbClr>
+                </a:solidFill>
+                <a:effectLst/>
+                <a:uLnTx/>
+                <a:uFillTx/>
+                <a:latin typeface="Calibri" panose="020F0502020204030204"/>
+                <a:ea typeface="+mn-ea"/>
+                <a:cs typeface="+mn-cs"/>
+              </a:rPr>
+              <a:t>ENC</a:t>
+            </a:r>
+            <a:r>
+              <a:rPr kumimoji="0" lang="en-US" sz="1800" b="0" i="0" u="none" strike="noStrike" kern="1200" cap="none" spc="0" normalizeH="0" baseline="-25000" noProof="0" dirty="0">
+                <a:ln>
+                  <a:noFill/>
+                </a:ln>
+                <a:solidFill>
+                  <a:srgbClr val="44546A">
+                    <a:lumMod val="50000"/>
+                  </a:srgbClr>
+                </a:solidFill>
+                <a:effectLst/>
+                <a:uLnTx/>
+                <a:uFillTx/>
+                <a:latin typeface="Calibri" panose="020F0502020204030204"/>
+                <a:ea typeface="+mn-ea"/>
+                <a:cs typeface="+mn-cs"/>
+              </a:rPr>
+              <a:t>2</a:t>
+            </a:r>
+            <a:endParaRPr kumimoji="0" lang="en-GB" sz="1800" b="0" i="0" u="none" strike="noStrike" kern="1200" cap="none" spc="0" normalizeH="0" baseline="0" noProof="0" dirty="0">
+              <a:ln>
+                <a:noFill/>
+              </a:ln>
+              <a:solidFill>
+                <a:srgbClr val="44546A">
+                  <a:lumMod val="50000"/>
+                </a:srgbClr>
+              </a:solidFill>
+              <a:effectLst/>
+              <a:uLnTx/>
+              <a:uFillTx/>
+              <a:latin typeface="Calibri" panose="020F0502020204030204"/>
+              <a:ea typeface="+mn-ea"/>
+              <a:cs typeface="+mn-cs"/>
+            </a:endParaRPr>
+          </a:p>
+        </p:txBody>
+      </p:sp>
+      <p:sp>
+        <p:nvSpPr>
+          <p:cNvPr id="16" name="Oval 15">
+            <a:extLst>
+              <a:ext uri="{FF2B5EF4-FFF2-40B4-BE49-F238E27FC236}">
+                <a16:creationId xmlns:a16="http://schemas.microsoft.com/office/drawing/2014/main" id="{637E202A-3FAF-8592-9B4D-4448D1802321}"/>
+              </a:ext>
+            </a:extLst>
+          </p:cNvPr>
+          <p:cNvSpPr/>
+          <p:nvPr/>
+        </p:nvSpPr>
+        <p:spPr>
+          <a:xfrm>
+            <a:off x="4912190" y="2590850"/>
+            <a:ext cx="89408" cy="85344"/>
+          </a:xfrm>
+          <a:prstGeom prst="ellipse">
+            <a:avLst/>
+          </a:prstGeom>
+          <a:solidFill>
+            <a:srgbClr val="FF0000"/>
+          </a:solidFill>
+        </p:spPr>
+        <p:style>
+          <a:lnRef idx="2">
+            <a:schemeClr val="accent1">
+              <a:shade val="15000"/>
+            </a:schemeClr>
+          </a:lnRef>
+          <a:fillRef idx="1">
+            <a:schemeClr val="accent1"/>
+          </a:fillRef>
+          <a:effectRef idx="0">
+            <a:schemeClr val="accent1"/>
+          </a:effectRef>
+          <a:fontRef idx="minor">
+            <a:schemeClr val="lt1"/>
+          </a:fontRef>
+        </p:style>
+        <p:txBody>
+          <a:bodyPr rtlCol="0" anchor="ctr"/>
+          <a:lstStyle/>
+          <a:p>
+            <a:pPr marL="0" marR="0" lvl="0" indent="0" algn="ctr" defTabSz="914400" rtl="0" eaLnBrk="1" fontAlgn="auto" latinLnBrk="0" hangingPunct="1">
+              <a:lnSpc>
+                <a:spcPct val="100000"/>
+              </a:lnSpc>
+              <a:spcBef>
+                <a:spcPts val="0"/>
+              </a:spcBef>
+              <a:spcAft>
+                <a:spcPts val="0"/>
+              </a:spcAft>
+              <a:buClrTx/>
+              <a:buSzTx/>
+              <a:buFontTx/>
+              <a:buNone/>
+              <a:tabLst/>
+              <a:defRPr/>
+            </a:pPr>
+            <a:endParaRPr kumimoji="0" lang="en-GB" sz="1800" b="0" i="0" u="none" strike="noStrike" kern="1200" cap="none" spc="0" normalizeH="0" baseline="0" noProof="0">
+              <a:ln>
+                <a:noFill/>
+              </a:ln>
+              <a:solidFill>
+                <a:prstClr val="white"/>
+              </a:solidFill>
+              <a:effectLst/>
+              <a:uLnTx/>
+              <a:uFillTx/>
+              <a:latin typeface="Calibri" panose="020F0502020204030204"/>
+              <a:ea typeface="+mn-ea"/>
+              <a:cs typeface="+mn-cs"/>
+            </a:endParaRPr>
+          </a:p>
+        </p:txBody>
+      </p:sp>
+      <p:sp>
+        <p:nvSpPr>
+          <p:cNvPr id="17" name="Oval 16">
+            <a:extLst>
+              <a:ext uri="{FF2B5EF4-FFF2-40B4-BE49-F238E27FC236}">
+                <a16:creationId xmlns:a16="http://schemas.microsoft.com/office/drawing/2014/main" id="{7FF56587-9F60-211C-A67D-7AA98758F76D}"/>
+              </a:ext>
+            </a:extLst>
+          </p:cNvPr>
+          <p:cNvSpPr/>
+          <p:nvPr/>
+        </p:nvSpPr>
+        <p:spPr>
+          <a:xfrm>
+            <a:off x="4889775" y="3509447"/>
+            <a:ext cx="89408" cy="85344"/>
+          </a:xfrm>
+          <a:prstGeom prst="ellipse">
+            <a:avLst/>
+          </a:prstGeom>
+          <a:solidFill>
+            <a:schemeClr val="accent6">
+              <a:lumMod val="60000"/>
+              <a:lumOff val="40000"/>
+            </a:schemeClr>
+          </a:solidFill>
+        </p:spPr>
+        <p:style>
+          <a:lnRef idx="2">
+            <a:schemeClr val="accent1">
+              <a:shade val="15000"/>
+            </a:schemeClr>
+          </a:lnRef>
+          <a:fillRef idx="1">
+            <a:schemeClr val="accent1"/>
+          </a:fillRef>
+          <a:effectRef idx="0">
+            <a:schemeClr val="accent1"/>
+          </a:effectRef>
+          <a:fontRef idx="minor">
+            <a:schemeClr val="lt1"/>
+          </a:fontRef>
+        </p:style>
+        <p:txBody>
+          <a:bodyPr rtlCol="0" anchor="ctr"/>
+          <a:lstStyle/>
+          <a:p>
+            <a:pPr marL="0" marR="0" lvl="0" indent="0" algn="ctr" defTabSz="914400" rtl="0" eaLnBrk="1" fontAlgn="auto" latinLnBrk="0" hangingPunct="1">
+              <a:lnSpc>
+                <a:spcPct val="100000"/>
+              </a:lnSpc>
+              <a:spcBef>
+                <a:spcPts val="0"/>
+              </a:spcBef>
+              <a:spcAft>
+                <a:spcPts val="0"/>
+              </a:spcAft>
+              <a:buClrTx/>
+              <a:buSzTx/>
+              <a:buFontTx/>
+              <a:buNone/>
+              <a:tabLst/>
+              <a:defRPr/>
+            </a:pPr>
+            <a:endParaRPr kumimoji="0" lang="en-GB" sz="1800" b="0" i="0" u="none" strike="noStrike" kern="1200" cap="none" spc="0" normalizeH="0" baseline="0" noProof="0">
+              <a:ln>
+                <a:noFill/>
+              </a:ln>
+              <a:solidFill>
+                <a:prstClr val="white"/>
+              </a:solidFill>
+              <a:effectLst/>
+              <a:uLnTx/>
+              <a:uFillTx/>
+              <a:latin typeface="Calibri" panose="020F0502020204030204"/>
+              <a:ea typeface="+mn-ea"/>
+              <a:cs typeface="+mn-cs"/>
+            </a:endParaRPr>
+          </a:p>
+        </p:txBody>
+      </p:sp>
+      <p:cxnSp>
+        <p:nvCxnSpPr>
+          <p:cNvPr id="19" name="Straight Arrow Connector 18">
+            <a:extLst>
+              <a:ext uri="{FF2B5EF4-FFF2-40B4-BE49-F238E27FC236}">
+                <a16:creationId xmlns:a16="http://schemas.microsoft.com/office/drawing/2014/main" id="{42B6BFB9-F338-8D1F-8CA7-93F6FF32A1D4}"/>
+              </a:ext>
+            </a:extLst>
+          </p:cNvPr>
+          <p:cNvCxnSpPr/>
+          <p:nvPr/>
+        </p:nvCxnSpPr>
+        <p:spPr>
+          <a:xfrm>
+            <a:off x="1480352" y="3341005"/>
+            <a:ext cx="268705" cy="168442"/>
+          </a:xfrm>
+          <a:prstGeom prst="straightConnector1">
+            <a:avLst/>
+          </a:prstGeom>
+          <a:ln>
+            <a:solidFill>
+              <a:schemeClr val="tx1"/>
+            </a:solidFill>
+            <a:tailEnd type="triangle"/>
+          </a:ln>
+        </p:spPr>
+        <p:style>
+          <a:lnRef idx="1">
+            <a:schemeClr val="accent1"/>
+          </a:lnRef>
+          <a:fillRef idx="0">
+            <a:schemeClr val="accent1"/>
+          </a:fillRef>
+          <a:effectRef idx="0">
+            <a:schemeClr val="accent1"/>
+          </a:effectRef>
+          <a:fontRef idx="minor">
+            <a:schemeClr val="tx1"/>
+          </a:fontRef>
+        </p:style>
+      </p:cxnSp>
+      <p:sp>
+        <p:nvSpPr>
+          <p:cNvPr id="12" name="Freeform: Shape 11">
+            <a:extLst>
+              <a:ext uri="{FF2B5EF4-FFF2-40B4-BE49-F238E27FC236}">
+                <a16:creationId xmlns:a16="http://schemas.microsoft.com/office/drawing/2014/main" id="{FA2A8E27-1CB8-DDD5-BDE7-37072666A57A}"/>
+              </a:ext>
+            </a:extLst>
+          </p:cNvPr>
+          <p:cNvSpPr/>
+          <p:nvPr/>
+        </p:nvSpPr>
+        <p:spPr>
+          <a:xfrm>
+            <a:off x="5025192" y="2566703"/>
+            <a:ext cx="349144" cy="348919"/>
+          </a:xfrm>
+          <a:custGeom>
+            <a:avLst/>
+            <a:gdLst>
+              <a:gd name="connsiteX0" fmla="*/ 0 w 349144"/>
+              <a:gd name="connsiteY0" fmla="*/ 57566 h 348919"/>
+              <a:gd name="connsiteX1" fmla="*/ 300317 w 349144"/>
+              <a:gd name="connsiteY1" fmla="*/ 21707 h 348919"/>
+              <a:gd name="connsiteX2" fmla="*/ 345141 w 349144"/>
+              <a:gd name="connsiteY2" fmla="*/ 348919 h 348919"/>
+            </a:gdLst>
+            <a:ahLst/>
+            <a:cxnLst>
+              <a:cxn ang="0">
+                <a:pos x="connsiteX0" y="connsiteY0"/>
+              </a:cxn>
+              <a:cxn ang="0">
+                <a:pos x="connsiteX1" y="connsiteY1"/>
+              </a:cxn>
+              <a:cxn ang="0">
+                <a:pos x="connsiteX2" y="connsiteY2"/>
+              </a:cxn>
+            </a:cxnLst>
+            <a:rect l="l" t="t" r="r" b="b"/>
+            <a:pathLst>
+              <a:path w="349144" h="348919">
+                <a:moveTo>
+                  <a:pt x="0" y="57566"/>
+                </a:moveTo>
+                <a:cubicBezTo>
+                  <a:pt x="121397" y="15357"/>
+                  <a:pt x="242794" y="-26852"/>
+                  <a:pt x="300317" y="21707"/>
+                </a:cubicBezTo>
+                <a:cubicBezTo>
+                  <a:pt x="357840" y="70266"/>
+                  <a:pt x="351490" y="209592"/>
+                  <a:pt x="345141" y="348919"/>
+                </a:cubicBezTo>
+              </a:path>
+            </a:pathLst>
+          </a:custGeom>
+          <a:noFill/>
+          <a:ln>
+            <a:headEnd type="triangle"/>
+            <a:tailEnd type="triangle"/>
+          </a:ln>
+        </p:spPr>
+        <p:style>
+          <a:lnRef idx="2">
+            <a:schemeClr val="accent1">
+              <a:shade val="15000"/>
+            </a:schemeClr>
+          </a:lnRef>
+          <a:fillRef idx="1">
+            <a:schemeClr val="accent1"/>
+          </a:fillRef>
+          <a:effectRef idx="0">
+            <a:schemeClr val="accent1"/>
+          </a:effectRef>
+          <a:fontRef idx="minor">
+            <a:schemeClr val="lt1"/>
+          </a:fontRef>
+        </p:style>
+        <p:txBody>
+          <a:bodyPr rtlCol="0" anchor="ctr"/>
+          <a:lstStyle/>
+          <a:p>
+            <a:pPr marL="0" marR="0" lvl="0" indent="0" algn="ctr" defTabSz="914400" rtl="0" eaLnBrk="1" fontAlgn="auto" latinLnBrk="0" hangingPunct="1">
+              <a:lnSpc>
+                <a:spcPct val="100000"/>
+              </a:lnSpc>
+              <a:spcBef>
+                <a:spcPts val="0"/>
+              </a:spcBef>
+              <a:spcAft>
+                <a:spcPts val="0"/>
+              </a:spcAft>
+              <a:buClrTx/>
+              <a:buSzTx/>
+              <a:buFontTx/>
+              <a:buNone/>
+              <a:tabLst/>
+              <a:defRPr/>
+            </a:pPr>
+            <a:endParaRPr kumimoji="0" lang="en-GB" sz="1800" b="0" i="0" u="none" strike="noStrike" kern="1200" cap="none" spc="0" normalizeH="0" baseline="0" noProof="0">
+              <a:ln>
+                <a:noFill/>
+              </a:ln>
+              <a:solidFill>
+                <a:prstClr val="white"/>
+              </a:solidFill>
+              <a:effectLst/>
+              <a:uLnTx/>
+              <a:uFillTx/>
+              <a:latin typeface="Calibri" panose="020F0502020204030204"/>
+              <a:ea typeface="+mn-ea"/>
+              <a:cs typeface="+mn-cs"/>
+            </a:endParaRPr>
+          </a:p>
+        </p:txBody>
+      </p:sp>
+      <p:sp>
+        <p:nvSpPr>
+          <p:cNvPr id="15" name="TextBox 14">
+            <a:extLst>
+              <a:ext uri="{FF2B5EF4-FFF2-40B4-BE49-F238E27FC236}">
+                <a16:creationId xmlns:a16="http://schemas.microsoft.com/office/drawing/2014/main" id="{35EF2426-93A6-B43B-3424-F334538EADC4}"/>
+              </a:ext>
+            </a:extLst>
+          </p:cNvPr>
+          <p:cNvSpPr txBox="1"/>
+          <p:nvPr/>
+        </p:nvSpPr>
+        <p:spPr>
+          <a:xfrm>
+            <a:off x="5147281" y="2390663"/>
+            <a:ext cx="652743" cy="215444"/>
+          </a:xfrm>
+          <a:prstGeom prst="rect">
+            <a:avLst/>
+          </a:prstGeom>
+          <a:noFill/>
+        </p:spPr>
+        <p:txBody>
+          <a:bodyPr wrap="none" rtlCol="0">
+            <a:spAutoFit/>
+          </a:bodyPr>
+          <a:lstStyle/>
+          <a:p>
+            <a:pPr marL="0" marR="0" lvl="0" indent="0" algn="l" defTabSz="914400" rtl="0" eaLnBrk="1" fontAlgn="auto" latinLnBrk="0" hangingPunct="1">
+              <a:lnSpc>
+                <a:spcPct val="100000"/>
+              </a:lnSpc>
+              <a:spcBef>
+                <a:spcPts val="0"/>
+              </a:spcBef>
+              <a:spcAft>
+                <a:spcPts val="0"/>
+              </a:spcAft>
+              <a:buClrTx/>
+              <a:buSzTx/>
+              <a:buFontTx/>
+              <a:buNone/>
+              <a:tabLst/>
+              <a:defRPr/>
+            </a:pPr>
+            <a:r>
+              <a:rPr kumimoji="0" lang="en-US" sz="800" b="0" i="0" u="none" strike="noStrike" kern="1200" cap="none" spc="0" normalizeH="0" baseline="0" noProof="0" dirty="0">
+                <a:ln>
+                  <a:noFill/>
+                </a:ln>
+                <a:solidFill>
+                  <a:prstClr val="black"/>
+                </a:solidFill>
+                <a:effectLst/>
+                <a:uLnTx/>
+                <a:uFillTx/>
+                <a:latin typeface="Calibri" panose="020F0502020204030204"/>
+                <a:ea typeface="+mn-ea"/>
+                <a:cs typeface="+mn-cs"/>
+              </a:rPr>
+              <a:t>association</a:t>
+            </a:r>
+            <a:endParaRPr kumimoji="0" lang="en-GB" sz="800" b="0" i="0" u="none" strike="noStrike" kern="1200" cap="none" spc="0" normalizeH="0" baseline="0" noProof="0" dirty="0">
+              <a:ln>
+                <a:noFill/>
+              </a:ln>
+              <a:solidFill>
+                <a:prstClr val="black"/>
+              </a:solidFill>
+              <a:effectLst/>
+              <a:uLnTx/>
+              <a:uFillTx/>
+              <a:latin typeface="Calibri" panose="020F0502020204030204"/>
+              <a:ea typeface="+mn-ea"/>
+              <a:cs typeface="+mn-cs"/>
+            </a:endParaRPr>
+          </a:p>
+        </p:txBody>
+      </p:sp>
+      <p:sp>
+        <p:nvSpPr>
+          <p:cNvPr id="21" name="Freeform: Shape 20">
+            <a:extLst>
+              <a:ext uri="{FF2B5EF4-FFF2-40B4-BE49-F238E27FC236}">
+                <a16:creationId xmlns:a16="http://schemas.microsoft.com/office/drawing/2014/main" id="{CD4EE136-B1DF-0B18-60B7-CFD5910AAF4C}"/>
+              </a:ext>
+            </a:extLst>
+          </p:cNvPr>
+          <p:cNvSpPr/>
+          <p:nvPr/>
+        </p:nvSpPr>
+        <p:spPr>
+          <a:xfrm>
+            <a:off x="4705585" y="3334871"/>
+            <a:ext cx="354991" cy="227783"/>
+          </a:xfrm>
+          <a:custGeom>
+            <a:avLst/>
+            <a:gdLst>
+              <a:gd name="connsiteX0" fmla="*/ 354991 w 354991"/>
+              <a:gd name="connsiteY0" fmla="*/ 0 h 227783"/>
+              <a:gd name="connsiteX1" fmla="*/ 5368 w 354991"/>
+              <a:gd name="connsiteY1" fmla="*/ 197224 h 227783"/>
+              <a:gd name="connsiteX2" fmla="*/ 175697 w 354991"/>
+              <a:gd name="connsiteY2" fmla="*/ 224118 h 227783"/>
+            </a:gdLst>
+            <a:ahLst/>
+            <a:cxnLst>
+              <a:cxn ang="0">
+                <a:pos x="connsiteX0" y="connsiteY0"/>
+              </a:cxn>
+              <a:cxn ang="0">
+                <a:pos x="connsiteX1" y="connsiteY1"/>
+              </a:cxn>
+              <a:cxn ang="0">
+                <a:pos x="connsiteX2" y="connsiteY2"/>
+              </a:cxn>
+            </a:cxnLst>
+            <a:rect l="l" t="t" r="r" b="b"/>
+            <a:pathLst>
+              <a:path w="354991" h="227783">
+                <a:moveTo>
+                  <a:pt x="354991" y="0"/>
+                </a:moveTo>
+                <a:cubicBezTo>
+                  <a:pt x="195120" y="79935"/>
+                  <a:pt x="35250" y="159871"/>
+                  <a:pt x="5368" y="197224"/>
+                </a:cubicBezTo>
+                <a:cubicBezTo>
+                  <a:pt x="-24514" y="234577"/>
+                  <a:pt x="75591" y="229347"/>
+                  <a:pt x="175697" y="224118"/>
+                </a:cubicBezTo>
+              </a:path>
+            </a:pathLst>
+          </a:custGeom>
+          <a:noFill/>
+          <a:ln>
+            <a:headEnd type="triangle"/>
+            <a:tailEnd type="triangle"/>
+          </a:ln>
+        </p:spPr>
+        <p:style>
+          <a:lnRef idx="2">
+            <a:schemeClr val="accent1">
+              <a:shade val="15000"/>
+            </a:schemeClr>
+          </a:lnRef>
+          <a:fillRef idx="1">
+            <a:schemeClr val="accent1"/>
+          </a:fillRef>
+          <a:effectRef idx="0">
+            <a:schemeClr val="accent1"/>
+          </a:effectRef>
+          <a:fontRef idx="minor">
+            <a:schemeClr val="lt1"/>
+          </a:fontRef>
+        </p:style>
+        <p:txBody>
+          <a:bodyPr rtlCol="0" anchor="ctr"/>
+          <a:lstStyle/>
+          <a:p>
+            <a:pPr marL="0" marR="0" lvl="0" indent="0" algn="ctr" defTabSz="914400" rtl="0" eaLnBrk="1" fontAlgn="auto" latinLnBrk="0" hangingPunct="1">
+              <a:lnSpc>
+                <a:spcPct val="100000"/>
+              </a:lnSpc>
+              <a:spcBef>
+                <a:spcPts val="0"/>
+              </a:spcBef>
+              <a:spcAft>
+                <a:spcPts val="0"/>
+              </a:spcAft>
+              <a:buClrTx/>
+              <a:buSzTx/>
+              <a:buFontTx/>
+              <a:buNone/>
+              <a:tabLst/>
+              <a:defRPr/>
+            </a:pPr>
+            <a:endParaRPr kumimoji="0" lang="en-GB" sz="1800" b="0" i="0" u="none" strike="noStrike" kern="1200" cap="none" spc="0" normalizeH="0" baseline="0" noProof="0">
+              <a:ln>
+                <a:noFill/>
+              </a:ln>
+              <a:solidFill>
+                <a:prstClr val="white"/>
+              </a:solidFill>
+              <a:effectLst/>
+              <a:uLnTx/>
+              <a:uFillTx/>
+              <a:latin typeface="Calibri" panose="020F0502020204030204"/>
+              <a:ea typeface="+mn-ea"/>
+              <a:cs typeface="+mn-cs"/>
+            </a:endParaRPr>
+          </a:p>
+        </p:txBody>
+      </p:sp>
+      <p:sp>
+        <p:nvSpPr>
+          <p:cNvPr id="22" name="TextBox 21">
+            <a:extLst>
+              <a:ext uri="{FF2B5EF4-FFF2-40B4-BE49-F238E27FC236}">
+                <a16:creationId xmlns:a16="http://schemas.microsoft.com/office/drawing/2014/main" id="{8D0F5A37-2E0C-C12D-0A57-3E6A6D1E7482}"/>
+              </a:ext>
+            </a:extLst>
+          </p:cNvPr>
+          <p:cNvSpPr txBox="1"/>
+          <p:nvPr/>
+        </p:nvSpPr>
+        <p:spPr>
+          <a:xfrm>
+            <a:off x="4407833" y="3570577"/>
+            <a:ext cx="652743" cy="215444"/>
+          </a:xfrm>
+          <a:prstGeom prst="rect">
+            <a:avLst/>
+          </a:prstGeom>
+          <a:noFill/>
+        </p:spPr>
+        <p:txBody>
+          <a:bodyPr wrap="none" rtlCol="0">
+            <a:spAutoFit/>
+          </a:bodyPr>
+          <a:lstStyle/>
+          <a:p>
+            <a:pPr marL="0" marR="0" lvl="0" indent="0" algn="l" defTabSz="914400" rtl="0" eaLnBrk="1" fontAlgn="auto" latinLnBrk="0" hangingPunct="1">
+              <a:lnSpc>
+                <a:spcPct val="100000"/>
+              </a:lnSpc>
+              <a:spcBef>
+                <a:spcPts val="0"/>
+              </a:spcBef>
+              <a:spcAft>
+                <a:spcPts val="0"/>
+              </a:spcAft>
+              <a:buClrTx/>
+              <a:buSzTx/>
+              <a:buFontTx/>
+              <a:buNone/>
+              <a:tabLst/>
+              <a:defRPr/>
+            </a:pPr>
+            <a:r>
+              <a:rPr kumimoji="0" lang="en-US" sz="800" b="0" i="0" u="none" strike="noStrike" kern="1200" cap="none" spc="0" normalizeH="0" baseline="0" noProof="0" dirty="0">
+                <a:ln>
+                  <a:noFill/>
+                </a:ln>
+                <a:solidFill>
+                  <a:prstClr val="black"/>
+                </a:solidFill>
+                <a:effectLst/>
+                <a:uLnTx/>
+                <a:uFillTx/>
+                <a:latin typeface="Calibri" panose="020F0502020204030204"/>
+                <a:ea typeface="+mn-ea"/>
+                <a:cs typeface="+mn-cs"/>
+              </a:rPr>
+              <a:t>association</a:t>
+            </a:r>
+            <a:endParaRPr kumimoji="0" lang="en-GB" sz="800" b="0" i="0" u="none" strike="noStrike" kern="1200" cap="none" spc="0" normalizeH="0" baseline="0" noProof="0" dirty="0">
+              <a:ln>
+                <a:noFill/>
+              </a:ln>
+              <a:solidFill>
+                <a:prstClr val="black"/>
+              </a:solidFill>
+              <a:effectLst/>
+              <a:uLnTx/>
+              <a:uFillTx/>
+              <a:latin typeface="Calibri" panose="020F0502020204030204"/>
+              <a:ea typeface="+mn-ea"/>
+              <a:cs typeface="+mn-cs"/>
+            </a:endParaRPr>
+          </a:p>
+        </p:txBody>
+      </p:sp>
+      <p:sp>
+        <p:nvSpPr>
+          <p:cNvPr id="23" name="Rectangle 22">
+            <a:extLst>
+              <a:ext uri="{FF2B5EF4-FFF2-40B4-BE49-F238E27FC236}">
+                <a16:creationId xmlns:a16="http://schemas.microsoft.com/office/drawing/2014/main" id="{2F9B9FAE-85AD-F045-491B-CCF6F0D60956}"/>
+              </a:ext>
+            </a:extLst>
+          </p:cNvPr>
+          <p:cNvSpPr/>
+          <p:nvPr/>
+        </p:nvSpPr>
+        <p:spPr>
+          <a:xfrm>
+            <a:off x="4775228" y="2473604"/>
+            <a:ext cx="354246" cy="369332"/>
+          </a:xfrm>
+          <a:prstGeom prst="rect">
+            <a:avLst/>
+          </a:prstGeom>
+          <a:noFill/>
+          <a:ln>
+            <a:solidFill>
+              <a:srgbClr val="C925BD"/>
+            </a:solidFill>
+            <a:prstDash val="sysDash"/>
+          </a:ln>
+        </p:spPr>
+        <p:style>
+          <a:lnRef idx="2">
+            <a:schemeClr val="accent1">
+              <a:shade val="15000"/>
+            </a:schemeClr>
+          </a:lnRef>
+          <a:fillRef idx="1">
+            <a:schemeClr val="accent1"/>
+          </a:fillRef>
+          <a:effectRef idx="0">
+            <a:schemeClr val="accent1"/>
+          </a:effectRef>
+          <a:fontRef idx="minor">
+            <a:schemeClr val="lt1"/>
+          </a:fontRef>
+        </p:style>
+        <p:txBody>
+          <a:bodyPr rtlCol="0" anchor="ctr"/>
+          <a:lstStyle/>
+          <a:p>
+            <a:pPr marL="0" marR="0" lvl="0" indent="0" algn="ctr" defTabSz="914400" rtl="0" eaLnBrk="1" fontAlgn="auto" latinLnBrk="0" hangingPunct="1">
+              <a:lnSpc>
+                <a:spcPct val="100000"/>
+              </a:lnSpc>
+              <a:spcBef>
+                <a:spcPts val="0"/>
+              </a:spcBef>
+              <a:spcAft>
+                <a:spcPts val="0"/>
+              </a:spcAft>
+              <a:buClrTx/>
+              <a:buSzTx/>
+              <a:buFontTx/>
+              <a:buNone/>
+              <a:tabLst/>
+              <a:defRPr/>
+            </a:pPr>
+            <a:endParaRPr kumimoji="0" lang="en-GB" sz="1800" b="0" i="0" u="none" strike="noStrike" kern="1200" cap="none" spc="0" normalizeH="0" baseline="0" noProof="0">
+              <a:ln>
+                <a:noFill/>
+              </a:ln>
+              <a:solidFill>
+                <a:prstClr val="white"/>
+              </a:solidFill>
+              <a:effectLst/>
+              <a:uLnTx/>
+              <a:uFillTx/>
+              <a:latin typeface="Calibri" panose="020F0502020204030204"/>
+              <a:ea typeface="+mn-ea"/>
+              <a:cs typeface="+mn-cs"/>
+            </a:endParaRPr>
+          </a:p>
+        </p:txBody>
+      </p:sp>
+      <p:sp>
+        <p:nvSpPr>
           <p:cNvPr id="24" name="TextBox 23">
             <a:extLst>
               <a:ext uri="{FF2B5EF4-FFF2-40B4-BE49-F238E27FC236}">
@@ -24808,7 +27033,7 @@
 </p:sld>
 </file>
 
-<file path=ppt/slides/slide4.xml><?xml version="1.0" encoding="utf-8"?>
+<file path=ppt/slides/slide5.xml><?xml version="1.0" encoding="utf-8"?>
 <p:sld xmlns:a="http://schemas.openxmlformats.org/drawingml/2006/main" xmlns:r="http://schemas.openxmlformats.org/officeDocument/2006/relationships" xmlns:p="http://schemas.openxmlformats.org/presentationml/2006/main">
   <p:cSld>
     <p:spTree>
@@ -26562,7 +28787,7 @@
         </p:nvSpPr>
         <p:spPr>
           <a:xfrm>
-            <a:off x="1147012" y="5408210"/>
+            <a:off x="349478" y="5454520"/>
             <a:ext cx="9192645" cy="923330"/>
           </a:xfrm>
           <a:prstGeom prst="rect">
@@ -26587,11 +28812,7 @@
           <a:p>
             <a:r>
               <a:rPr lang="en-US" dirty="0"/>
-              <a:t>Is the whole feature highlighted? Are the attributes merged (although they should be </a:t>
-            </a:r>
-            <a:r>
-              <a:rPr lang="en-US"/>
-              <a:t>the same?)</a:t>
+              <a:t>Is the whole feature highlighted? Are the attributes merged (although they should be the same?)</a:t>
             </a:r>
             <a:endParaRPr lang="en-GB" dirty="0"/>
           </a:p>
@@ -26610,7 +28831,7 @@
 </p:sld>
 </file>
 
-<file path=ppt/slides/slide5.xml><?xml version="1.0" encoding="utf-8"?>
+<file path=ppt/slides/slide6.xml><?xml version="1.0" encoding="utf-8"?>
 <p:sld xmlns:a="http://schemas.openxmlformats.org/drawingml/2006/main" xmlns:r="http://schemas.openxmlformats.org/officeDocument/2006/relationships" xmlns:p="http://schemas.openxmlformats.org/presentationml/2006/main">
   <p:cSld>
     <p:spTree>
@@ -26698,7 +28919,7 @@
             </a:pPr>
             <a:r>
               <a:rPr lang="en-US" dirty="0"/>
-              <a:t>Associate between features in different PS, and also in different datasets (the same PS)</a:t>
+              <a:t>Associate between features in different PS, as well as in different datasets (the same PS)</a:t>
             </a:r>
           </a:p>
           <a:p>
@@ -26773,14 +28994,26 @@
               </a:lnSpc>
             </a:pPr>
             <a:r>
-              <a:rPr lang="en-US" b="1" dirty="0"/>
+              <a:rPr lang="en-US" b="1" dirty="0">
+                <a:solidFill>
+                  <a:srgbClr val="C00000"/>
+                </a:solidFill>
+              </a:rPr>
               <a:t>All features with identical </a:t>
             </a:r>
             <a:r>
-              <a:rPr lang="en-US" b="1" dirty="0" err="1"/>
+              <a:rPr lang="en-US" b="1" dirty="0" err="1">
+                <a:solidFill>
+                  <a:srgbClr val="C00000"/>
+                </a:solidFill>
+              </a:rPr>
               <a:t>interoperabilityIdentifiers</a:t>
             </a:r>
-            <a:endParaRPr lang="en-US" b="1" dirty="0"/>
+            <a:endParaRPr lang="en-US" b="1" dirty="0">
+              <a:solidFill>
+                <a:srgbClr val="C00000"/>
+              </a:solidFill>
+            </a:endParaRPr>
           </a:p>
           <a:p>
             <a:pPr lvl="1">
@@ -26789,15 +29022,27 @@
               </a:lnSpc>
             </a:pPr>
             <a:r>
-              <a:rPr lang="en-US" b="1" dirty="0"/>
+              <a:rPr lang="en-US" b="1" dirty="0">
+                <a:solidFill>
+                  <a:srgbClr val="C00000"/>
+                </a:solidFill>
+              </a:rPr>
               <a:t>Any feature which has a feature reference containing the </a:t>
             </a:r>
             <a:r>
-              <a:rPr lang="en-US" b="1" dirty="0" err="1"/>
+              <a:rPr lang="en-US" b="1" dirty="0" err="1">
+                <a:solidFill>
+                  <a:srgbClr val="C00000"/>
+                </a:solidFill>
+              </a:rPr>
               <a:t>interoperabilityIdentifier</a:t>
             </a:r>
             <a:r>
-              <a:rPr lang="en-US" b="1" dirty="0"/>
+              <a:rPr lang="en-US" b="1" dirty="0">
+                <a:solidFill>
+                  <a:srgbClr val="C00000"/>
+                </a:solidFill>
+              </a:rPr>
               <a:t> of the picked feature.</a:t>
             </a:r>
           </a:p>
@@ -26892,7 +29137,7 @@
 </p:sld>
 </file>
 
-<file path=ppt/slides/slide6.xml><?xml version="1.0" encoding="utf-8"?>
+<file path=ppt/slides/slide7.xml><?xml version="1.0" encoding="utf-8"?>
 <p:sld xmlns:a="http://schemas.openxmlformats.org/drawingml/2006/main" xmlns:r="http://schemas.openxmlformats.org/officeDocument/2006/relationships" xmlns:p="http://schemas.openxmlformats.org/presentationml/2006/main">
   <p:cSld>
     <p:spTree>
@@ -28348,7 +30593,7 @@
         </p:nvSpPr>
         <p:spPr>
           <a:xfrm>
-            <a:off x="1147012" y="5408210"/>
+            <a:off x="1111972" y="5027657"/>
             <a:ext cx="4528997" cy="1477328"/>
           </a:xfrm>
           <a:prstGeom prst="rect">
@@ -28445,15 +30690,35 @@
             </a:pPr>
             <a:r>
               <a:rPr lang="en-US" dirty="0"/>
+              <a:t>So: </a:t>
+            </a:r>
+            <a:r>
+              <a:rPr lang="en-US" b="1" dirty="0">
+                <a:solidFill>
+                  <a:srgbClr val="C00000"/>
+                </a:solidFill>
+              </a:rPr>
               <a:t>Features with common </a:t>
             </a:r>
             <a:r>
-              <a:rPr lang="en-US" dirty="0" err="1"/>
+              <a:rPr lang="en-US" b="1" dirty="0" err="1">
+                <a:solidFill>
+                  <a:srgbClr val="C00000"/>
+                </a:solidFill>
+              </a:rPr>
               <a:t>foids</a:t>
             </a:r>
             <a:r>
+              <a:rPr lang="en-US" b="1" dirty="0">
+                <a:solidFill>
+                  <a:srgbClr val="C00000"/>
+                </a:solidFill>
+              </a:rPr>
+              <a:t> in the viewport should be merged together for the pick report</a:t>
+            </a:r>
+            <a:r>
               <a:rPr lang="en-US" dirty="0"/>
-              <a:t> in the viewport should be merged together for the pick report?</a:t>
+              <a:t>?</a:t>
             </a:r>
           </a:p>
         </p:txBody>
@@ -29057,7 +31322,7 @@
 </p:sld>
 </file>
 
-<file path=ppt/slides/slide7.xml><?xml version="1.0" encoding="utf-8"?>
+<file path=ppt/slides/slide8.xml><?xml version="1.0" encoding="utf-8"?>
 <p:sld xmlns:a="http://schemas.openxmlformats.org/drawingml/2006/main" xmlns:r="http://schemas.openxmlformats.org/officeDocument/2006/relationships" xmlns:p="http://schemas.openxmlformats.org/presentationml/2006/main">
   <p:cSld>
     <p:spTree>
@@ -33086,7 +35351,7 @@
 </p:sld>
 </file>
 
-<file path=ppt/slides/slide8.xml><?xml version="1.0" encoding="utf-8"?>
+<file path=ppt/slides/slide9.xml><?xml version="1.0" encoding="utf-8"?>
 <p:sld xmlns:a="http://schemas.openxmlformats.org/drawingml/2006/main" xmlns:r="http://schemas.openxmlformats.org/officeDocument/2006/relationships" xmlns:p="http://schemas.openxmlformats.org/presentationml/2006/main">
   <p:cSld>
     <p:spTree>
@@ -33105,10 +35370,35 @@
       </p:grpSpPr>
       <p:sp>
         <p:nvSpPr>
+          <p:cNvPr id="2" name="Title 1">
+            <a:extLst>
+              <a:ext uri="{FF2B5EF4-FFF2-40B4-BE49-F238E27FC236}">
+                <a16:creationId xmlns:a16="http://schemas.microsoft.com/office/drawing/2014/main" id="{0C232E5D-33A8-70CA-4EF3-7AD712061142}"/>
+              </a:ext>
+            </a:extLst>
+          </p:cNvPr>
+          <p:cNvSpPr>
+            <a:spLocks noGrp="1"/>
+          </p:cNvSpPr>
+          <p:nvPr>
+            <p:ph type="title"/>
+          </p:nvPr>
+        </p:nvSpPr>
+        <p:spPr/>
+        <p:txBody>
+          <a:bodyPr/>
+          <a:lstStyle/>
+          <a:p>
+            <a:endParaRPr lang="en-GB"/>
+          </a:p>
+        </p:txBody>
+      </p:sp>
+      <p:sp>
+        <p:nvSpPr>
           <p:cNvPr id="3" name="Content Placeholder 2">
             <a:extLst>
               <a:ext uri="{FF2B5EF4-FFF2-40B4-BE49-F238E27FC236}">
-                <a16:creationId xmlns:a16="http://schemas.microsoft.com/office/drawing/2014/main" id="{5B095388-DF22-9031-3619-73AD841B9E0C}"/>
+                <a16:creationId xmlns:a16="http://schemas.microsoft.com/office/drawing/2014/main" id="{ECD5DA10-5A65-B185-972D-BA656DD2C23C}"/>
               </a:ext>
             </a:extLst>
           </p:cNvPr>
@@ -33119,2107 +35409,19 @@
             <p:ph idx="1"/>
           </p:nvPr>
         </p:nvSpPr>
-        <p:spPr>
-          <a:xfrm>
-            <a:off x="268857" y="1125746"/>
-            <a:ext cx="8219535" cy="5387197"/>
-          </a:xfrm>
-        </p:spPr>
+        <p:spPr/>
         <p:txBody>
-          <a:bodyPr>
-            <a:normAutofit fontScale="70000" lnSpcReduction="20000"/>
-          </a:bodyPr>
+          <a:bodyPr/>
           <a:lstStyle/>
           <a:p>
-            <a:pPr>
-              <a:lnSpc>
-                <a:spcPct val="110000"/>
-              </a:lnSpc>
-            </a:pPr>
-            <a:r>
-              <a:rPr lang="en-US" dirty="0"/>
-              <a:t>We are trying to do 2 different things:</a:t>
-            </a:r>
-          </a:p>
-          <a:p>
-            <a:pPr lvl="1">
-              <a:lnSpc>
-                <a:spcPct val="110000"/>
-              </a:lnSpc>
-            </a:pPr>
-            <a:r>
-              <a:rPr lang="en-US" dirty="0"/>
-              <a:t>Identify features (II does this)</a:t>
-            </a:r>
-          </a:p>
-          <a:p>
-            <a:pPr lvl="1">
-              <a:lnSpc>
-                <a:spcPct val="110000"/>
-              </a:lnSpc>
-            </a:pPr>
-            <a:r>
-              <a:rPr lang="en-US" dirty="0"/>
-              <a:t>Associate between features in different PS, and in different datasets (the same PS)</a:t>
-            </a:r>
-          </a:p>
-          <a:p>
-            <a:pPr lvl="1">
-              <a:lnSpc>
-                <a:spcPct val="110000"/>
-              </a:lnSpc>
-            </a:pPr>
-            <a:endParaRPr lang="en-US" dirty="0"/>
-          </a:p>
-          <a:p>
-            <a:pPr>
-              <a:lnSpc>
-                <a:spcPct val="110000"/>
-              </a:lnSpc>
-            </a:pPr>
-            <a:r>
-              <a:rPr lang="en-US" dirty="0"/>
-              <a:t>So, </a:t>
-            </a:r>
-            <a:r>
-              <a:rPr lang="en-US" i="1" dirty="0" err="1"/>
-              <a:t>interoperablityIdentifier</a:t>
-            </a:r>
-            <a:r>
-              <a:rPr lang="en-US" dirty="0"/>
-              <a:t> identifies “features”</a:t>
-            </a:r>
-          </a:p>
-          <a:p>
-            <a:pPr>
-              <a:lnSpc>
-                <a:spcPct val="110000"/>
-              </a:lnSpc>
-            </a:pPr>
-            <a:r>
-              <a:rPr lang="en-US" i="1" dirty="0" err="1"/>
-              <a:t>featureReference.interoperabilityIdentifier</a:t>
-            </a:r>
-            <a:r>
-              <a:rPr lang="en-US" i="1" dirty="0"/>
-              <a:t> </a:t>
-            </a:r>
-            <a:r>
-              <a:rPr lang="en-US" dirty="0"/>
-              <a:t>contains a reference to “other” identifiers</a:t>
-            </a:r>
-          </a:p>
-          <a:p>
-            <a:pPr>
-              <a:lnSpc>
-                <a:spcPct val="110000"/>
-              </a:lnSpc>
-            </a:pPr>
-            <a:endParaRPr lang="en-US" dirty="0"/>
-          </a:p>
-          <a:p>
-            <a:pPr>
-              <a:lnSpc>
-                <a:spcPct val="110000"/>
-              </a:lnSpc>
-            </a:pPr>
-            <a:r>
-              <a:rPr lang="en-US" dirty="0"/>
-              <a:t>The ECDIS returns (in the pick report)</a:t>
-            </a:r>
-          </a:p>
-          <a:p>
-            <a:pPr lvl="1">
-              <a:lnSpc>
-                <a:spcPct val="110000"/>
-              </a:lnSpc>
-            </a:pPr>
-            <a:r>
-              <a:rPr lang="en-US" dirty="0"/>
-              <a:t>All features with identical </a:t>
-            </a:r>
-            <a:r>
-              <a:rPr lang="en-US" dirty="0" err="1"/>
-              <a:t>interoperabilityIdentifiers</a:t>
-            </a:r>
-            <a:endParaRPr lang="en-US" dirty="0"/>
-          </a:p>
-          <a:p>
-            <a:pPr lvl="1">
-              <a:lnSpc>
-                <a:spcPct val="110000"/>
-              </a:lnSpc>
-            </a:pPr>
-            <a:r>
-              <a:rPr lang="en-US" dirty="0"/>
-              <a:t>Any feature which has a feature reference containing the </a:t>
-            </a:r>
-            <a:r>
-              <a:rPr lang="en-US" dirty="0" err="1"/>
-              <a:t>interoperabilityIdentifier</a:t>
-            </a:r>
-            <a:r>
-              <a:rPr lang="en-US" dirty="0"/>
-              <a:t> of the picked feature.</a:t>
-            </a:r>
-          </a:p>
-          <a:p>
-            <a:pPr lvl="1">
-              <a:lnSpc>
-                <a:spcPct val="110000"/>
-              </a:lnSpc>
-            </a:pPr>
-            <a:endParaRPr lang="en-US" dirty="0"/>
-          </a:p>
-          <a:p>
-            <a:pPr>
-              <a:lnSpc>
-                <a:spcPct val="110000"/>
-              </a:lnSpc>
-            </a:pPr>
-            <a:r>
-              <a:rPr lang="en-US" dirty="0"/>
-              <a:t>Can you have multiple II?</a:t>
-            </a:r>
-          </a:p>
-          <a:p>
-            <a:pPr>
-              <a:lnSpc>
-                <a:spcPct val="110000"/>
-              </a:lnSpc>
-            </a:pPr>
-            <a:r>
-              <a:rPr lang="en-US" dirty="0"/>
-              <a:t>How can you associate between different datasets (same PS)?</a:t>
-            </a:r>
-          </a:p>
-          <a:p>
-            <a:pPr>
-              <a:lnSpc>
-                <a:spcPct val="110000"/>
-              </a:lnSpc>
-            </a:pPr>
-            <a:endParaRPr lang="en-GB" dirty="0"/>
-          </a:p>
-        </p:txBody>
-      </p:sp>
-      <p:pic>
-        <p:nvPicPr>
-          <p:cNvPr id="4" name="Picture 3">
-            <a:extLst>
-              <a:ext uri="{FF2B5EF4-FFF2-40B4-BE49-F238E27FC236}">
-                <a16:creationId xmlns:a16="http://schemas.microsoft.com/office/drawing/2014/main" id="{4592D963-5E8B-F948-8C5D-9C58CDD0E56C}"/>
-              </a:ext>
-            </a:extLst>
-          </p:cNvPr>
-          <p:cNvPicPr>
-            <a:picLocks noChangeAspect="1"/>
-          </p:cNvPicPr>
-          <p:nvPr/>
-        </p:nvPicPr>
-        <p:blipFill>
-          <a:blip r:embed="rId2"/>
-          <a:stretch>
-            <a:fillRect/>
-          </a:stretch>
-        </p:blipFill>
-        <p:spPr>
-          <a:xfrm>
-            <a:off x="8846430" y="1427741"/>
-            <a:ext cx="2863129" cy="1513867"/>
-          </a:xfrm>
-          <a:prstGeom prst="rect">
-            <a:avLst/>
-          </a:prstGeom>
-        </p:spPr>
-      </p:pic>
-      <p:sp>
-        <p:nvSpPr>
-          <p:cNvPr id="6" name="TextBox 5">
-            <a:extLst>
-              <a:ext uri="{FF2B5EF4-FFF2-40B4-BE49-F238E27FC236}">
-                <a16:creationId xmlns:a16="http://schemas.microsoft.com/office/drawing/2014/main" id="{EA230D40-7741-BF8D-4E01-355F3E60F53E}"/>
-              </a:ext>
-            </a:extLst>
-          </p:cNvPr>
-          <p:cNvSpPr txBox="1"/>
-          <p:nvPr/>
-        </p:nvSpPr>
-        <p:spPr>
-          <a:xfrm>
-            <a:off x="231835" y="160391"/>
-            <a:ext cx="11883965" cy="338554"/>
-          </a:xfrm>
-          <a:prstGeom prst="rect">
-            <a:avLst/>
-          </a:prstGeom>
-          <a:noFill/>
-        </p:spPr>
-        <p:txBody>
-          <a:bodyPr wrap="square">
-            <a:spAutoFit/>
-          </a:bodyPr>
-          <a:lstStyle/>
-          <a:p>
-            <a:r>
-              <a:rPr lang="en-US" sz="1600" dirty="0">
-                <a:latin typeface="Consolas" panose="020B0609020204030204" pitchFamily="49" charset="0"/>
-              </a:rPr>
-              <a:t>Ex : </a:t>
-            </a:r>
-            <a:r>
-              <a:rPr lang="en-US" sz="1600" dirty="0">
-                <a:solidFill>
-                  <a:srgbClr val="C00000"/>
-                </a:solidFill>
-                <a:latin typeface="Consolas" panose="020B0609020204030204" pitchFamily="49" charset="0"/>
-              </a:rPr>
-              <a:t>Light=II1, bridge=II2, </a:t>
-            </a:r>
-            <a:r>
-              <a:rPr lang="en-US" sz="1600" dirty="0" err="1">
-                <a:solidFill>
-                  <a:srgbClr val="C00000"/>
-                </a:solidFill>
-                <a:latin typeface="Consolas" panose="020B0609020204030204" pitchFamily="49" charset="0"/>
-              </a:rPr>
-              <a:t>bridge.featureReference.intId</a:t>
-            </a:r>
-            <a:r>
-              <a:rPr lang="en-US" sz="1600" dirty="0">
-                <a:solidFill>
-                  <a:srgbClr val="C00000"/>
-                </a:solidFill>
-                <a:latin typeface="Consolas" panose="020B0609020204030204" pitchFamily="49" charset="0"/>
-              </a:rPr>
-              <a:t>=II1 and bridge(ENC1) = II2 = bridge(ENC2) </a:t>
-            </a:r>
-            <a:endParaRPr lang="en-GB" sz="1600" dirty="0">
-              <a:solidFill>
-                <a:srgbClr val="C00000"/>
-              </a:solidFill>
-              <a:latin typeface="Consolas" panose="020B0609020204030204" pitchFamily="49" charset="0"/>
-            </a:endParaRPr>
+            <a:endParaRPr lang="en-GB"/>
           </a:p>
         </p:txBody>
       </p:sp>
     </p:spTree>
     <p:extLst>
       <p:ext uri="{BB962C8B-B14F-4D97-AF65-F5344CB8AC3E}">
-        <p14:creationId xmlns:p14="http://schemas.microsoft.com/office/powerpoint/2010/main" val="3973382050"/>
-      </p:ext>
-    </p:extLst>
-  </p:cSld>
-  <p:clrMapOvr>
-    <a:masterClrMapping/>
-  </p:clrMapOvr>
-</p:sld>
-</file>
-
-<file path=ppt/slides/slide9.xml><?xml version="1.0" encoding="utf-8"?>
-<p:sld xmlns:a="http://schemas.openxmlformats.org/drawingml/2006/main" xmlns:r="http://schemas.openxmlformats.org/officeDocument/2006/relationships" xmlns:p="http://schemas.openxmlformats.org/presentationml/2006/main">
-  <p:cSld>
-    <p:spTree>
-      <p:nvGrpSpPr>
-        <p:cNvPr id="1" name="">
-          <a:extLst>
-            <a:ext uri="{FF2B5EF4-FFF2-40B4-BE49-F238E27FC236}">
-              <a16:creationId xmlns:a16="http://schemas.microsoft.com/office/drawing/2014/main" id="{4387EED8-565A-F2D4-4989-4D05BDE082F3}"/>
-            </a:ext>
-          </a:extLst>
-        </p:cNvPr>
-        <p:cNvGrpSpPr/>
-        <p:nvPr/>
-      </p:nvGrpSpPr>
-      <p:grpSpPr>
-        <a:xfrm>
-          <a:off x="0" y="0"/>
-          <a:ext cx="0" cy="0"/>
-          <a:chOff x="0" y="0"/>
-          <a:chExt cx="0" cy="0"/>
-        </a:xfrm>
-      </p:grpSpPr>
-      <p:sp>
-        <p:nvSpPr>
-          <p:cNvPr id="5" name="Rectangle 4">
-            <a:extLst>
-              <a:ext uri="{FF2B5EF4-FFF2-40B4-BE49-F238E27FC236}">
-                <a16:creationId xmlns:a16="http://schemas.microsoft.com/office/drawing/2014/main" id="{2AE00AA5-C066-2362-16CE-95DC56A7D042}"/>
-              </a:ext>
-            </a:extLst>
-          </p:cNvPr>
-          <p:cNvSpPr/>
-          <p:nvPr/>
-        </p:nvSpPr>
-        <p:spPr>
-          <a:xfrm>
-            <a:off x="230572" y="1505414"/>
-            <a:ext cx="3438144" cy="3608832"/>
-          </a:xfrm>
-          <a:prstGeom prst="rect">
-            <a:avLst/>
-          </a:prstGeom>
-          <a:solidFill>
-            <a:schemeClr val="accent5">
-              <a:lumMod val="40000"/>
-              <a:lumOff val="60000"/>
-            </a:schemeClr>
-          </a:solidFill>
-        </p:spPr>
-        <p:style>
-          <a:lnRef idx="2">
-            <a:schemeClr val="accent1">
-              <a:shade val="15000"/>
-            </a:schemeClr>
-          </a:lnRef>
-          <a:fillRef idx="1">
-            <a:schemeClr val="accent1"/>
-          </a:fillRef>
-          <a:effectRef idx="0">
-            <a:schemeClr val="accent1"/>
-          </a:effectRef>
-          <a:fontRef idx="minor">
-            <a:schemeClr val="lt1"/>
-          </a:fontRef>
-        </p:style>
-        <p:txBody>
-          <a:bodyPr rtlCol="0" anchor="ctr"/>
-          <a:lstStyle/>
-          <a:p>
-            <a:pPr marL="0" marR="0" lvl="0" indent="0" algn="ctr" defTabSz="914400" rtl="0" eaLnBrk="1" fontAlgn="auto" latinLnBrk="0" hangingPunct="1">
-              <a:lnSpc>
-                <a:spcPct val="100000"/>
-              </a:lnSpc>
-              <a:spcBef>
-                <a:spcPts val="0"/>
-              </a:spcBef>
-              <a:spcAft>
-                <a:spcPts val="0"/>
-              </a:spcAft>
-              <a:buClrTx/>
-              <a:buSzTx/>
-              <a:buFontTx/>
-              <a:buNone/>
-              <a:tabLst/>
-              <a:defRPr/>
-            </a:pPr>
-            <a:endParaRPr kumimoji="0" lang="en-GB" sz="1800" b="0" i="0" u="none" strike="noStrike" kern="1200" cap="none" spc="0" normalizeH="0" baseline="0" noProof="0">
-              <a:ln>
-                <a:noFill/>
-              </a:ln>
-              <a:solidFill>
-                <a:prstClr val="white"/>
-              </a:solidFill>
-              <a:effectLst/>
-              <a:uLnTx/>
-              <a:uFillTx/>
-              <a:latin typeface="Calibri" panose="020F0502020204030204"/>
-              <a:ea typeface="+mn-ea"/>
-              <a:cs typeface="+mn-cs"/>
-            </a:endParaRPr>
-          </a:p>
-        </p:txBody>
-      </p:sp>
-      <p:sp>
-        <p:nvSpPr>
-          <p:cNvPr id="6" name="Rectangle 5">
-            <a:extLst>
-              <a:ext uri="{FF2B5EF4-FFF2-40B4-BE49-F238E27FC236}">
-                <a16:creationId xmlns:a16="http://schemas.microsoft.com/office/drawing/2014/main" id="{D0FCA589-9ADB-6CBA-4DD3-ED600FD8DD92}"/>
-              </a:ext>
-            </a:extLst>
-          </p:cNvPr>
-          <p:cNvSpPr/>
-          <p:nvPr/>
-        </p:nvSpPr>
-        <p:spPr>
-          <a:xfrm>
-            <a:off x="3668716" y="1505414"/>
-            <a:ext cx="3438144" cy="3608832"/>
-          </a:xfrm>
-          <a:prstGeom prst="rect">
-            <a:avLst/>
-          </a:prstGeom>
-          <a:solidFill>
-            <a:schemeClr val="accent5">
-              <a:lumMod val="40000"/>
-              <a:lumOff val="60000"/>
-            </a:schemeClr>
-          </a:solidFill>
-        </p:spPr>
-        <p:style>
-          <a:lnRef idx="2">
-            <a:schemeClr val="accent1">
-              <a:shade val="15000"/>
-            </a:schemeClr>
-          </a:lnRef>
-          <a:fillRef idx="1">
-            <a:schemeClr val="accent1"/>
-          </a:fillRef>
-          <a:effectRef idx="0">
-            <a:schemeClr val="accent1"/>
-          </a:effectRef>
-          <a:fontRef idx="minor">
-            <a:schemeClr val="lt1"/>
-          </a:fontRef>
-        </p:style>
-        <p:txBody>
-          <a:bodyPr rtlCol="0" anchor="ctr"/>
-          <a:lstStyle/>
-          <a:p>
-            <a:pPr marL="0" marR="0" lvl="0" indent="0" algn="ctr" defTabSz="914400" rtl="0" eaLnBrk="1" fontAlgn="auto" latinLnBrk="0" hangingPunct="1">
-              <a:lnSpc>
-                <a:spcPct val="100000"/>
-              </a:lnSpc>
-              <a:spcBef>
-                <a:spcPts val="0"/>
-              </a:spcBef>
-              <a:spcAft>
-                <a:spcPts val="0"/>
-              </a:spcAft>
-              <a:buClrTx/>
-              <a:buSzTx/>
-              <a:buFontTx/>
-              <a:buNone/>
-              <a:tabLst/>
-              <a:defRPr/>
-            </a:pPr>
-            <a:endParaRPr kumimoji="0" lang="en-GB" sz="1800" b="0" i="0" u="none" strike="noStrike" kern="1200" cap="none" spc="0" normalizeH="0" baseline="0" noProof="0">
-              <a:ln>
-                <a:noFill/>
-              </a:ln>
-              <a:solidFill>
-                <a:prstClr val="white"/>
-              </a:solidFill>
-              <a:effectLst/>
-              <a:uLnTx/>
-              <a:uFillTx/>
-              <a:latin typeface="Calibri" panose="020F0502020204030204"/>
-              <a:ea typeface="+mn-ea"/>
-              <a:cs typeface="+mn-cs"/>
-            </a:endParaRPr>
-          </a:p>
-        </p:txBody>
-      </p:sp>
-      <p:sp>
-        <p:nvSpPr>
-          <p:cNvPr id="7" name="Rectangle 6">
-            <a:extLst>
-              <a:ext uri="{FF2B5EF4-FFF2-40B4-BE49-F238E27FC236}">
-                <a16:creationId xmlns:a16="http://schemas.microsoft.com/office/drawing/2014/main" id="{4CE89AA8-A529-EE7F-C6D5-C5FD7C561CF0}"/>
-              </a:ext>
-            </a:extLst>
-          </p:cNvPr>
-          <p:cNvSpPr/>
-          <p:nvPr/>
-        </p:nvSpPr>
-        <p:spPr>
-          <a:xfrm>
-            <a:off x="1817504" y="2877120"/>
-            <a:ext cx="2962656" cy="2029968"/>
-          </a:xfrm>
-          <a:prstGeom prst="rect">
-            <a:avLst/>
-          </a:prstGeom>
-          <a:noFill/>
-        </p:spPr>
-        <p:style>
-          <a:lnRef idx="2">
-            <a:schemeClr val="accent1">
-              <a:shade val="15000"/>
-            </a:schemeClr>
-          </a:lnRef>
-          <a:fillRef idx="1">
-            <a:schemeClr val="accent1"/>
-          </a:fillRef>
-          <a:effectRef idx="0">
-            <a:schemeClr val="accent1"/>
-          </a:effectRef>
-          <a:fontRef idx="minor">
-            <a:schemeClr val="lt1"/>
-          </a:fontRef>
-        </p:style>
-        <p:txBody>
-          <a:bodyPr rtlCol="0" anchor="ctr"/>
-          <a:lstStyle/>
-          <a:p>
-            <a:pPr marL="0" marR="0" lvl="0" indent="0" algn="ctr" defTabSz="914400" rtl="0" eaLnBrk="1" fontAlgn="auto" latinLnBrk="0" hangingPunct="1">
-              <a:lnSpc>
-                <a:spcPct val="100000"/>
-              </a:lnSpc>
-              <a:spcBef>
-                <a:spcPts val="0"/>
-              </a:spcBef>
-              <a:spcAft>
-                <a:spcPts val="0"/>
-              </a:spcAft>
-              <a:buClrTx/>
-              <a:buSzTx/>
-              <a:buFontTx/>
-              <a:buNone/>
-              <a:tabLst/>
-              <a:defRPr/>
-            </a:pPr>
-            <a:endParaRPr kumimoji="0" lang="en-GB" sz="1800" b="0" i="0" u="none" strike="noStrike" kern="1200" cap="none" spc="0" normalizeH="0" baseline="0" noProof="0">
-              <a:ln>
-                <a:noFill/>
-              </a:ln>
-              <a:solidFill>
-                <a:prstClr val="white"/>
-              </a:solidFill>
-              <a:effectLst/>
-              <a:uLnTx/>
-              <a:uFillTx/>
-              <a:latin typeface="Calibri" panose="020F0502020204030204"/>
-              <a:ea typeface="+mn-ea"/>
-              <a:cs typeface="+mn-cs"/>
-            </a:endParaRPr>
-          </a:p>
-        </p:txBody>
-      </p:sp>
-      <p:sp>
-        <p:nvSpPr>
-          <p:cNvPr id="13" name="TextBox 12">
-            <a:extLst>
-              <a:ext uri="{FF2B5EF4-FFF2-40B4-BE49-F238E27FC236}">
-                <a16:creationId xmlns:a16="http://schemas.microsoft.com/office/drawing/2014/main" id="{AD7086ED-941F-43B7-6F4B-D4A78A87EBE6}"/>
-              </a:ext>
-            </a:extLst>
-          </p:cNvPr>
-          <p:cNvSpPr txBox="1"/>
-          <p:nvPr/>
-        </p:nvSpPr>
-        <p:spPr>
-          <a:xfrm>
-            <a:off x="3107005" y="1487603"/>
-            <a:ext cx="647934" cy="369332"/>
-          </a:xfrm>
-          <a:prstGeom prst="rect">
-            <a:avLst/>
-          </a:prstGeom>
-          <a:noFill/>
-        </p:spPr>
-        <p:txBody>
-          <a:bodyPr wrap="none" rtlCol="0">
-            <a:spAutoFit/>
-          </a:bodyPr>
-          <a:lstStyle/>
-          <a:p>
-            <a:pPr marL="0" marR="0" lvl="0" indent="0" algn="l" defTabSz="914400" rtl="0" eaLnBrk="1" fontAlgn="auto" latinLnBrk="0" hangingPunct="1">
-              <a:lnSpc>
-                <a:spcPct val="100000"/>
-              </a:lnSpc>
-              <a:spcBef>
-                <a:spcPts val="0"/>
-              </a:spcBef>
-              <a:spcAft>
-                <a:spcPts val="0"/>
-              </a:spcAft>
-              <a:buClrTx/>
-              <a:buSzTx/>
-              <a:buFontTx/>
-              <a:buNone/>
-              <a:tabLst/>
-              <a:defRPr/>
-            </a:pPr>
-            <a:r>
-              <a:rPr kumimoji="0" lang="en-US" sz="1800" b="0" i="0" u="none" strike="noStrike" kern="1200" cap="none" spc="0" normalizeH="0" baseline="0" noProof="0" dirty="0">
-                <a:ln>
-                  <a:noFill/>
-                </a:ln>
-                <a:solidFill>
-                  <a:srgbClr val="44546A">
-                    <a:lumMod val="50000"/>
-                  </a:srgbClr>
-                </a:solidFill>
-                <a:effectLst/>
-                <a:uLnTx/>
-                <a:uFillTx/>
-                <a:latin typeface="Calibri" panose="020F0502020204030204"/>
-                <a:ea typeface="+mn-ea"/>
-                <a:cs typeface="+mn-cs"/>
-              </a:rPr>
-              <a:t>ENC</a:t>
-            </a:r>
-            <a:r>
-              <a:rPr kumimoji="0" lang="en-US" sz="1800" b="0" i="0" u="none" strike="noStrike" kern="1200" cap="none" spc="0" normalizeH="0" baseline="-25000" noProof="0" dirty="0">
-                <a:ln>
-                  <a:noFill/>
-                </a:ln>
-                <a:solidFill>
-                  <a:srgbClr val="44546A">
-                    <a:lumMod val="50000"/>
-                  </a:srgbClr>
-                </a:solidFill>
-                <a:effectLst/>
-                <a:uLnTx/>
-                <a:uFillTx/>
-                <a:latin typeface="Calibri" panose="020F0502020204030204"/>
-                <a:ea typeface="+mn-ea"/>
-                <a:cs typeface="+mn-cs"/>
-              </a:rPr>
-              <a:t>1</a:t>
-            </a:r>
-            <a:endParaRPr kumimoji="0" lang="en-GB" sz="1800" b="0" i="0" u="none" strike="noStrike" kern="1200" cap="none" spc="0" normalizeH="0" baseline="0" noProof="0" dirty="0">
-              <a:ln>
-                <a:noFill/>
-              </a:ln>
-              <a:solidFill>
-                <a:srgbClr val="44546A">
-                  <a:lumMod val="50000"/>
-                </a:srgbClr>
-              </a:solidFill>
-              <a:effectLst/>
-              <a:uLnTx/>
-              <a:uFillTx/>
-              <a:latin typeface="Calibri" panose="020F0502020204030204"/>
-              <a:ea typeface="+mn-ea"/>
-              <a:cs typeface="+mn-cs"/>
-            </a:endParaRPr>
-          </a:p>
-        </p:txBody>
-      </p:sp>
-      <p:sp>
-        <p:nvSpPr>
-          <p:cNvPr id="14" name="TextBox 13">
-            <a:extLst>
-              <a:ext uri="{FF2B5EF4-FFF2-40B4-BE49-F238E27FC236}">
-                <a16:creationId xmlns:a16="http://schemas.microsoft.com/office/drawing/2014/main" id="{3F268402-8392-2861-A7D7-C810EF306CB9}"/>
-              </a:ext>
-            </a:extLst>
-          </p:cNvPr>
-          <p:cNvSpPr txBox="1"/>
-          <p:nvPr/>
-        </p:nvSpPr>
-        <p:spPr>
-          <a:xfrm>
-            <a:off x="6545149" y="1452827"/>
-            <a:ext cx="647934" cy="369332"/>
-          </a:xfrm>
-          <a:prstGeom prst="rect">
-            <a:avLst/>
-          </a:prstGeom>
-          <a:noFill/>
-        </p:spPr>
-        <p:txBody>
-          <a:bodyPr wrap="none" rtlCol="0">
-            <a:spAutoFit/>
-          </a:bodyPr>
-          <a:lstStyle/>
-          <a:p>
-            <a:pPr marL="0" marR="0" lvl="0" indent="0" algn="l" defTabSz="914400" rtl="0" eaLnBrk="1" fontAlgn="auto" latinLnBrk="0" hangingPunct="1">
-              <a:lnSpc>
-                <a:spcPct val="100000"/>
-              </a:lnSpc>
-              <a:spcBef>
-                <a:spcPts val="0"/>
-              </a:spcBef>
-              <a:spcAft>
-                <a:spcPts val="0"/>
-              </a:spcAft>
-              <a:buClrTx/>
-              <a:buSzTx/>
-              <a:buFontTx/>
-              <a:buNone/>
-              <a:tabLst/>
-              <a:defRPr/>
-            </a:pPr>
-            <a:r>
-              <a:rPr kumimoji="0" lang="en-US" sz="1800" b="0" i="0" u="none" strike="noStrike" kern="1200" cap="none" spc="0" normalizeH="0" baseline="0" noProof="0" dirty="0">
-                <a:ln>
-                  <a:noFill/>
-                </a:ln>
-                <a:solidFill>
-                  <a:srgbClr val="44546A">
-                    <a:lumMod val="50000"/>
-                  </a:srgbClr>
-                </a:solidFill>
-                <a:effectLst/>
-                <a:uLnTx/>
-                <a:uFillTx/>
-                <a:latin typeface="Calibri" panose="020F0502020204030204"/>
-                <a:ea typeface="+mn-ea"/>
-                <a:cs typeface="+mn-cs"/>
-              </a:rPr>
-              <a:t>ENC</a:t>
-            </a:r>
-            <a:r>
-              <a:rPr kumimoji="0" lang="en-US" sz="1800" b="0" i="0" u="none" strike="noStrike" kern="1200" cap="none" spc="0" normalizeH="0" baseline="-25000" noProof="0" dirty="0">
-                <a:ln>
-                  <a:noFill/>
-                </a:ln>
-                <a:solidFill>
-                  <a:srgbClr val="44546A">
-                    <a:lumMod val="50000"/>
-                  </a:srgbClr>
-                </a:solidFill>
-                <a:effectLst/>
-                <a:uLnTx/>
-                <a:uFillTx/>
-                <a:latin typeface="Calibri" panose="020F0502020204030204"/>
-                <a:ea typeface="+mn-ea"/>
-                <a:cs typeface="+mn-cs"/>
-              </a:rPr>
-              <a:t>2</a:t>
-            </a:r>
-            <a:endParaRPr kumimoji="0" lang="en-GB" sz="1800" b="0" i="0" u="none" strike="noStrike" kern="1200" cap="none" spc="0" normalizeH="0" baseline="0" noProof="0" dirty="0">
-              <a:ln>
-                <a:noFill/>
-              </a:ln>
-              <a:solidFill>
-                <a:srgbClr val="44546A">
-                  <a:lumMod val="50000"/>
-                </a:srgbClr>
-              </a:solidFill>
-              <a:effectLst/>
-              <a:uLnTx/>
-              <a:uFillTx/>
-              <a:latin typeface="Calibri" panose="020F0502020204030204"/>
-              <a:ea typeface="+mn-ea"/>
-              <a:cs typeface="+mn-cs"/>
-            </a:endParaRPr>
-          </a:p>
-        </p:txBody>
-      </p:sp>
-      <p:sp>
-        <p:nvSpPr>
-          <p:cNvPr id="31" name="TextBox 30">
-            <a:extLst>
-              <a:ext uri="{FF2B5EF4-FFF2-40B4-BE49-F238E27FC236}">
-                <a16:creationId xmlns:a16="http://schemas.microsoft.com/office/drawing/2014/main" id="{654D8603-D743-0F6E-0FCF-78AD173318D0}"/>
-              </a:ext>
-            </a:extLst>
-          </p:cNvPr>
-          <p:cNvSpPr txBox="1"/>
-          <p:nvPr/>
-        </p:nvSpPr>
-        <p:spPr>
-          <a:xfrm>
-            <a:off x="199429" y="1487603"/>
-            <a:ext cx="569643" cy="246221"/>
-          </a:xfrm>
-          <a:prstGeom prst="rect">
-            <a:avLst/>
-          </a:prstGeom>
-          <a:noFill/>
-        </p:spPr>
-        <p:txBody>
-          <a:bodyPr wrap="square" rtlCol="0">
-            <a:spAutoFit/>
-          </a:bodyPr>
-          <a:lstStyle/>
-          <a:p>
-            <a:pPr marL="0" marR="0" lvl="0" indent="0" algn="l" defTabSz="914400" rtl="0" eaLnBrk="1" fontAlgn="auto" latinLnBrk="0" hangingPunct="1">
-              <a:lnSpc>
-                <a:spcPct val="100000"/>
-              </a:lnSpc>
-              <a:spcBef>
-                <a:spcPts val="0"/>
-              </a:spcBef>
-              <a:spcAft>
-                <a:spcPts val="0"/>
-              </a:spcAft>
-              <a:buClrTx/>
-              <a:buSzTx/>
-              <a:buFontTx/>
-              <a:buNone/>
-              <a:tabLst/>
-              <a:defRPr/>
-            </a:pPr>
-            <a:r>
-              <a:rPr kumimoji="0" lang="en-US" sz="1000" b="1" i="0" u="none" strike="noStrike" kern="1200" cap="none" spc="0" normalizeH="0" baseline="0" noProof="0" dirty="0">
-                <a:ln>
-                  <a:noFill/>
-                </a:ln>
-                <a:solidFill>
-                  <a:prstClr val="black"/>
-                </a:solidFill>
-                <a:effectLst/>
-                <a:uLnTx/>
-                <a:uFillTx/>
-                <a:latin typeface="Consolas" panose="020B0609020204030204" pitchFamily="49" charset="0"/>
-                <a:ea typeface="+mn-ea"/>
-                <a:cs typeface="+mn-cs"/>
-              </a:rPr>
-              <a:t>S-101</a:t>
-            </a:r>
-            <a:endParaRPr kumimoji="0" lang="en-GB" sz="1000" b="1" i="0" u="none" strike="noStrike" kern="1200" cap="none" spc="0" normalizeH="0" baseline="0" noProof="0" dirty="0">
-              <a:ln>
-                <a:noFill/>
-              </a:ln>
-              <a:solidFill>
-                <a:prstClr val="black"/>
-              </a:solidFill>
-              <a:effectLst/>
-              <a:uLnTx/>
-              <a:uFillTx/>
-              <a:latin typeface="Consolas" panose="020B0609020204030204" pitchFamily="49" charset="0"/>
-              <a:ea typeface="+mn-ea"/>
-              <a:cs typeface="+mn-cs"/>
-            </a:endParaRPr>
-          </a:p>
-        </p:txBody>
-      </p:sp>
-      <p:sp>
-        <p:nvSpPr>
-          <p:cNvPr id="33" name="TextBox 32">
-            <a:extLst>
-              <a:ext uri="{FF2B5EF4-FFF2-40B4-BE49-F238E27FC236}">
-                <a16:creationId xmlns:a16="http://schemas.microsoft.com/office/drawing/2014/main" id="{2C2318B4-C26B-0B1D-232F-CE17CBF29DA0}"/>
-              </a:ext>
-            </a:extLst>
-          </p:cNvPr>
-          <p:cNvSpPr txBox="1"/>
-          <p:nvPr/>
-        </p:nvSpPr>
-        <p:spPr>
-          <a:xfrm>
-            <a:off x="3611895" y="1487602"/>
-            <a:ext cx="569643" cy="246221"/>
-          </a:xfrm>
-          <a:prstGeom prst="rect">
-            <a:avLst/>
-          </a:prstGeom>
-          <a:noFill/>
-        </p:spPr>
-        <p:txBody>
-          <a:bodyPr wrap="square" rtlCol="0">
-            <a:spAutoFit/>
-          </a:bodyPr>
-          <a:lstStyle/>
-          <a:p>
-            <a:pPr marL="0" marR="0" lvl="0" indent="0" algn="l" defTabSz="914400" rtl="0" eaLnBrk="1" fontAlgn="auto" latinLnBrk="0" hangingPunct="1">
-              <a:lnSpc>
-                <a:spcPct val="100000"/>
-              </a:lnSpc>
-              <a:spcBef>
-                <a:spcPts val="0"/>
-              </a:spcBef>
-              <a:spcAft>
-                <a:spcPts val="0"/>
-              </a:spcAft>
-              <a:buClrTx/>
-              <a:buSzTx/>
-              <a:buFontTx/>
-              <a:buNone/>
-              <a:tabLst/>
-              <a:defRPr/>
-            </a:pPr>
-            <a:r>
-              <a:rPr kumimoji="0" lang="en-US" sz="1000" b="1" i="0" u="none" strike="noStrike" kern="1200" cap="none" spc="0" normalizeH="0" baseline="0" noProof="0" dirty="0">
-                <a:ln>
-                  <a:noFill/>
-                </a:ln>
-                <a:solidFill>
-                  <a:prstClr val="black"/>
-                </a:solidFill>
-                <a:effectLst/>
-                <a:uLnTx/>
-                <a:uFillTx/>
-                <a:latin typeface="Consolas" panose="020B0609020204030204" pitchFamily="49" charset="0"/>
-                <a:ea typeface="+mn-ea"/>
-                <a:cs typeface="+mn-cs"/>
-              </a:rPr>
-              <a:t>S-101</a:t>
-            </a:r>
-            <a:endParaRPr kumimoji="0" lang="en-GB" sz="1000" b="1" i="0" u="none" strike="noStrike" kern="1200" cap="none" spc="0" normalizeH="0" baseline="0" noProof="0" dirty="0">
-              <a:ln>
-                <a:noFill/>
-              </a:ln>
-              <a:solidFill>
-                <a:prstClr val="black"/>
-              </a:solidFill>
-              <a:effectLst/>
-              <a:uLnTx/>
-              <a:uFillTx/>
-              <a:latin typeface="Consolas" panose="020B0609020204030204" pitchFamily="49" charset="0"/>
-              <a:ea typeface="+mn-ea"/>
-              <a:cs typeface="+mn-cs"/>
-            </a:endParaRPr>
-          </a:p>
-        </p:txBody>
-      </p:sp>
-      <p:sp>
-        <p:nvSpPr>
-          <p:cNvPr id="39" name="Freeform: Shape 38">
-            <a:extLst>
-              <a:ext uri="{FF2B5EF4-FFF2-40B4-BE49-F238E27FC236}">
-                <a16:creationId xmlns:a16="http://schemas.microsoft.com/office/drawing/2014/main" id="{2BE721FB-05C5-BF5E-1021-9928C3BB3F21}"/>
-              </a:ext>
-            </a:extLst>
-          </p:cNvPr>
-          <p:cNvSpPr/>
-          <p:nvPr/>
-        </p:nvSpPr>
-        <p:spPr>
-          <a:xfrm rot="16200000">
-            <a:off x="3369255" y="3721432"/>
-            <a:ext cx="685149" cy="1191416"/>
-          </a:xfrm>
-          <a:custGeom>
-            <a:avLst/>
-            <a:gdLst>
-              <a:gd name="connsiteX0" fmla="*/ 226406 w 685149"/>
-              <a:gd name="connsiteY0" fmla="*/ 0 h 1191416"/>
-              <a:gd name="connsiteX1" fmla="*/ 2288 w 685149"/>
-              <a:gd name="connsiteY1" fmla="*/ 663388 h 1191416"/>
-              <a:gd name="connsiteX2" fmla="*/ 136759 w 685149"/>
-              <a:gd name="connsiteY2" fmla="*/ 1071282 h 1191416"/>
-              <a:gd name="connsiteX3" fmla="*/ 540171 w 685149"/>
-              <a:gd name="connsiteY3" fmla="*/ 1174376 h 1191416"/>
-              <a:gd name="connsiteX4" fmla="*/ 674641 w 685149"/>
-              <a:gd name="connsiteY4" fmla="*/ 770964 h 1191416"/>
-              <a:gd name="connsiteX5" fmla="*/ 665677 w 685149"/>
-              <a:gd name="connsiteY5" fmla="*/ 591670 h 1191416"/>
-              <a:gd name="connsiteX6" fmla="*/ 580512 w 685149"/>
-              <a:gd name="connsiteY6" fmla="*/ 219635 h 1191416"/>
-              <a:gd name="connsiteX7" fmla="*/ 450524 w 685149"/>
-              <a:gd name="connsiteY7" fmla="*/ 4482 h 1191416"/>
-            </a:gdLst>
-            <a:ahLst/>
-            <a:cxnLst>
-              <a:cxn ang="0">
-                <a:pos x="connsiteX0" y="connsiteY0"/>
-              </a:cxn>
-              <a:cxn ang="0">
-                <a:pos x="connsiteX1" y="connsiteY1"/>
-              </a:cxn>
-              <a:cxn ang="0">
-                <a:pos x="connsiteX2" y="connsiteY2"/>
-              </a:cxn>
-              <a:cxn ang="0">
-                <a:pos x="connsiteX3" y="connsiteY3"/>
-              </a:cxn>
-              <a:cxn ang="0">
-                <a:pos x="connsiteX4" y="connsiteY4"/>
-              </a:cxn>
-              <a:cxn ang="0">
-                <a:pos x="connsiteX5" y="connsiteY5"/>
-              </a:cxn>
-              <a:cxn ang="0">
-                <a:pos x="connsiteX6" y="connsiteY6"/>
-              </a:cxn>
-              <a:cxn ang="0">
-                <a:pos x="connsiteX7" y="connsiteY7"/>
-              </a:cxn>
-            </a:cxnLst>
-            <a:rect l="l" t="t" r="r" b="b"/>
-            <a:pathLst>
-              <a:path w="685149" h="1191416">
-                <a:moveTo>
-                  <a:pt x="226406" y="0"/>
-                </a:moveTo>
-                <a:cubicBezTo>
-                  <a:pt x="121817" y="242420"/>
-                  <a:pt x="17229" y="484841"/>
-                  <a:pt x="2288" y="663388"/>
-                </a:cubicBezTo>
-                <a:cubicBezTo>
-                  <a:pt x="-12653" y="841935"/>
-                  <a:pt x="47112" y="986117"/>
-                  <a:pt x="136759" y="1071282"/>
-                </a:cubicBezTo>
-                <a:cubicBezTo>
-                  <a:pt x="226406" y="1156447"/>
-                  <a:pt x="450524" y="1224429"/>
-                  <a:pt x="540171" y="1174376"/>
-                </a:cubicBezTo>
-                <a:cubicBezTo>
-                  <a:pt x="629818" y="1124323"/>
-                  <a:pt x="653723" y="868082"/>
-                  <a:pt x="674641" y="770964"/>
-                </a:cubicBezTo>
-                <a:cubicBezTo>
-                  <a:pt x="695559" y="673846"/>
-                  <a:pt x="681365" y="683558"/>
-                  <a:pt x="665677" y="591670"/>
-                </a:cubicBezTo>
-                <a:cubicBezTo>
-                  <a:pt x="649989" y="499782"/>
-                  <a:pt x="616371" y="317500"/>
-                  <a:pt x="580512" y="219635"/>
-                </a:cubicBezTo>
-                <a:cubicBezTo>
-                  <a:pt x="544653" y="121770"/>
-                  <a:pt x="497588" y="63126"/>
-                  <a:pt x="450524" y="4482"/>
-                </a:cubicBezTo>
-              </a:path>
-            </a:pathLst>
-          </a:custGeom>
-          <a:noFill/>
-          <a:ln w="28575">
-            <a:solidFill>
-              <a:srgbClr val="C925BD"/>
-            </a:solidFill>
-            <a:prstDash val="sysDot"/>
-          </a:ln>
-        </p:spPr>
-        <p:style>
-          <a:lnRef idx="2">
-            <a:schemeClr val="accent1">
-              <a:shade val="15000"/>
-            </a:schemeClr>
-          </a:lnRef>
-          <a:fillRef idx="1">
-            <a:schemeClr val="accent1"/>
-          </a:fillRef>
-          <a:effectRef idx="0">
-            <a:schemeClr val="accent1"/>
-          </a:effectRef>
-          <a:fontRef idx="minor">
-            <a:schemeClr val="lt1"/>
-          </a:fontRef>
-        </p:style>
-        <p:txBody>
-          <a:bodyPr rtlCol="0" anchor="ctr"/>
-          <a:lstStyle/>
-          <a:p>
-            <a:pPr marL="0" marR="0" lvl="0" indent="0" algn="ctr" defTabSz="914400" rtl="0" eaLnBrk="1" fontAlgn="auto" latinLnBrk="0" hangingPunct="1">
-              <a:lnSpc>
-                <a:spcPct val="100000"/>
-              </a:lnSpc>
-              <a:spcBef>
-                <a:spcPts val="0"/>
-              </a:spcBef>
-              <a:spcAft>
-                <a:spcPts val="0"/>
-              </a:spcAft>
-              <a:buClrTx/>
-              <a:buSzTx/>
-              <a:buFontTx/>
-              <a:buNone/>
-              <a:tabLst/>
-              <a:defRPr/>
-            </a:pPr>
-            <a:endParaRPr kumimoji="0" lang="en-GB" sz="1800" b="0" i="0" u="none" strike="noStrike" kern="1200" cap="none" spc="0" normalizeH="0" baseline="0" noProof="0">
-              <a:ln>
-                <a:noFill/>
-              </a:ln>
-              <a:solidFill>
-                <a:prstClr val="white"/>
-              </a:solidFill>
-              <a:effectLst/>
-              <a:uLnTx/>
-              <a:uFillTx/>
-              <a:latin typeface="Calibri" panose="020F0502020204030204"/>
-              <a:ea typeface="+mn-ea"/>
-              <a:cs typeface="+mn-cs"/>
-            </a:endParaRPr>
-          </a:p>
-        </p:txBody>
-      </p:sp>
-      <p:sp>
-        <p:nvSpPr>
-          <p:cNvPr id="11" name="TextBox 10">
-            <a:extLst>
-              <a:ext uri="{FF2B5EF4-FFF2-40B4-BE49-F238E27FC236}">
-                <a16:creationId xmlns:a16="http://schemas.microsoft.com/office/drawing/2014/main" id="{B50B1F15-082C-32C3-7484-2D625CF168B6}"/>
-              </a:ext>
-            </a:extLst>
-          </p:cNvPr>
-          <p:cNvSpPr txBox="1"/>
-          <p:nvPr/>
-        </p:nvSpPr>
-        <p:spPr>
-          <a:xfrm rot="20414996">
-            <a:off x="3056051" y="3865474"/>
-            <a:ext cx="591829" cy="246221"/>
-          </a:xfrm>
-          <a:prstGeom prst="rect">
-            <a:avLst/>
-          </a:prstGeom>
-          <a:noFill/>
-        </p:spPr>
-        <p:txBody>
-          <a:bodyPr wrap="none" rtlCol="0">
-            <a:spAutoFit/>
-          </a:bodyPr>
-          <a:lstStyle/>
-          <a:p>
-            <a:pPr marL="0" marR="0" lvl="0" indent="0" algn="l" defTabSz="914400" rtl="0" eaLnBrk="1" fontAlgn="auto" latinLnBrk="0" hangingPunct="1">
-              <a:lnSpc>
-                <a:spcPct val="100000"/>
-              </a:lnSpc>
-              <a:spcBef>
-                <a:spcPts val="0"/>
-              </a:spcBef>
-              <a:spcAft>
-                <a:spcPts val="0"/>
-              </a:spcAft>
-              <a:buClrTx/>
-              <a:buSzTx/>
-              <a:buFontTx/>
-              <a:buNone/>
-              <a:tabLst/>
-              <a:defRPr/>
-            </a:pPr>
-            <a:r>
-              <a:rPr kumimoji="0" lang="en-US" sz="1000" b="1" i="0" u="none" strike="noStrike" kern="1200" cap="none" spc="0" normalizeH="0" baseline="0" noProof="0" dirty="0">
-                <a:ln>
-                  <a:noFill/>
-                </a:ln>
-                <a:solidFill>
-                  <a:prstClr val="black"/>
-                </a:solidFill>
-                <a:effectLst/>
-                <a:uLnTx/>
-                <a:uFillTx/>
-                <a:latin typeface="Calibri" panose="020F0502020204030204"/>
-                <a:ea typeface="+mn-ea"/>
-                <a:cs typeface="+mn-cs"/>
-              </a:rPr>
-              <a:t>Spatial</a:t>
-            </a:r>
-            <a:r>
-              <a:rPr kumimoji="0" lang="en-US" sz="1000" b="1" i="0" u="none" strike="noStrike" kern="1200" cap="none" spc="0" normalizeH="0" baseline="-25000" noProof="0" dirty="0">
-                <a:ln>
-                  <a:noFill/>
-                </a:ln>
-                <a:solidFill>
-                  <a:prstClr val="black"/>
-                </a:solidFill>
-                <a:effectLst/>
-                <a:uLnTx/>
-                <a:uFillTx/>
-                <a:latin typeface="Calibri" panose="020F0502020204030204"/>
-                <a:ea typeface="+mn-ea"/>
-                <a:cs typeface="+mn-cs"/>
-              </a:rPr>
-              <a:t>1</a:t>
-            </a:r>
-            <a:endParaRPr kumimoji="0" lang="en-GB" sz="1000" b="1" i="0" u="none" strike="noStrike" kern="1200" cap="none" spc="0" normalizeH="0" baseline="0" noProof="0" dirty="0">
-              <a:ln>
-                <a:noFill/>
-              </a:ln>
-              <a:solidFill>
-                <a:prstClr val="black"/>
-              </a:solidFill>
-              <a:effectLst/>
-              <a:uLnTx/>
-              <a:uFillTx/>
-              <a:latin typeface="Calibri" panose="020F0502020204030204"/>
-              <a:ea typeface="+mn-ea"/>
-              <a:cs typeface="+mn-cs"/>
-            </a:endParaRPr>
-          </a:p>
-        </p:txBody>
-      </p:sp>
-      <p:sp>
-        <p:nvSpPr>
-          <p:cNvPr id="32" name="TextBox 31">
-            <a:extLst>
-              <a:ext uri="{FF2B5EF4-FFF2-40B4-BE49-F238E27FC236}">
-                <a16:creationId xmlns:a16="http://schemas.microsoft.com/office/drawing/2014/main" id="{A8264199-AEA3-EB5E-EE26-A4C53BE880E1}"/>
-              </a:ext>
-            </a:extLst>
-          </p:cNvPr>
-          <p:cNvSpPr txBox="1"/>
-          <p:nvPr/>
-        </p:nvSpPr>
-        <p:spPr>
-          <a:xfrm rot="1382470">
-            <a:off x="3048476" y="4515153"/>
-            <a:ext cx="591829" cy="246221"/>
-          </a:xfrm>
-          <a:prstGeom prst="rect">
-            <a:avLst/>
-          </a:prstGeom>
-          <a:noFill/>
-        </p:spPr>
-        <p:txBody>
-          <a:bodyPr wrap="none" rtlCol="0">
-            <a:spAutoFit/>
-          </a:bodyPr>
-          <a:lstStyle/>
-          <a:p>
-            <a:pPr marL="0" marR="0" lvl="0" indent="0" algn="l" defTabSz="914400" rtl="0" eaLnBrk="1" fontAlgn="auto" latinLnBrk="0" hangingPunct="1">
-              <a:lnSpc>
-                <a:spcPct val="100000"/>
-              </a:lnSpc>
-              <a:spcBef>
-                <a:spcPts val="0"/>
-              </a:spcBef>
-              <a:spcAft>
-                <a:spcPts val="0"/>
-              </a:spcAft>
-              <a:buClrTx/>
-              <a:buSzTx/>
-              <a:buFontTx/>
-              <a:buNone/>
-              <a:tabLst/>
-              <a:defRPr/>
-            </a:pPr>
-            <a:r>
-              <a:rPr kumimoji="0" lang="en-US" sz="1000" b="1" i="0" u="none" strike="noStrike" kern="1200" cap="none" spc="0" normalizeH="0" baseline="0" noProof="0" dirty="0">
-                <a:ln>
-                  <a:noFill/>
-                </a:ln>
-                <a:solidFill>
-                  <a:prstClr val="black"/>
-                </a:solidFill>
-                <a:effectLst/>
-                <a:uLnTx/>
-                <a:uFillTx/>
-                <a:latin typeface="Calibri" panose="020F0502020204030204"/>
-                <a:ea typeface="+mn-ea"/>
-                <a:cs typeface="+mn-cs"/>
-              </a:rPr>
-              <a:t>Spatial</a:t>
-            </a:r>
-            <a:r>
-              <a:rPr kumimoji="0" lang="en-US" sz="1000" b="1" i="0" u="none" strike="noStrike" kern="1200" cap="none" spc="0" normalizeH="0" baseline="-25000" noProof="0" dirty="0">
-                <a:ln>
-                  <a:noFill/>
-                </a:ln>
-                <a:solidFill>
-                  <a:prstClr val="black"/>
-                </a:solidFill>
-                <a:effectLst/>
-                <a:uLnTx/>
-                <a:uFillTx/>
-                <a:latin typeface="Calibri" panose="020F0502020204030204"/>
-                <a:ea typeface="+mn-ea"/>
-                <a:cs typeface="+mn-cs"/>
-              </a:rPr>
-              <a:t>2</a:t>
-            </a:r>
-            <a:endParaRPr kumimoji="0" lang="en-GB" sz="1000" b="1" i="0" u="none" strike="noStrike" kern="1200" cap="none" spc="0" normalizeH="0" baseline="0" noProof="0" dirty="0">
-              <a:ln>
-                <a:noFill/>
-              </a:ln>
-              <a:solidFill>
-                <a:prstClr val="black"/>
-              </a:solidFill>
-              <a:effectLst/>
-              <a:uLnTx/>
-              <a:uFillTx/>
-              <a:latin typeface="Calibri" panose="020F0502020204030204"/>
-              <a:ea typeface="+mn-ea"/>
-              <a:cs typeface="+mn-cs"/>
-            </a:endParaRPr>
-          </a:p>
-        </p:txBody>
-      </p:sp>
-      <p:sp>
-        <p:nvSpPr>
-          <p:cNvPr id="41" name="TextBox 40">
-            <a:extLst>
-              <a:ext uri="{FF2B5EF4-FFF2-40B4-BE49-F238E27FC236}">
-                <a16:creationId xmlns:a16="http://schemas.microsoft.com/office/drawing/2014/main" id="{63CF069F-7CE4-99A9-31EC-9CA6EAF26715}"/>
-              </a:ext>
-            </a:extLst>
-          </p:cNvPr>
-          <p:cNvSpPr txBox="1"/>
-          <p:nvPr/>
-        </p:nvSpPr>
-        <p:spPr>
-          <a:xfrm>
-            <a:off x="3869865" y="5193649"/>
-            <a:ext cx="1075936" cy="215444"/>
-          </a:xfrm>
-          <a:prstGeom prst="rect">
-            <a:avLst/>
-          </a:prstGeom>
-          <a:noFill/>
-        </p:spPr>
-        <p:txBody>
-          <a:bodyPr wrap="none" rtlCol="0">
-            <a:spAutoFit/>
-          </a:bodyPr>
-          <a:lstStyle/>
-          <a:p>
-            <a:pPr marL="0" marR="0" lvl="0" indent="0" algn="l" defTabSz="914400" rtl="0" eaLnBrk="1" fontAlgn="auto" latinLnBrk="0" hangingPunct="1">
-              <a:lnSpc>
-                <a:spcPct val="100000"/>
-              </a:lnSpc>
-              <a:spcBef>
-                <a:spcPts val="0"/>
-              </a:spcBef>
-              <a:spcAft>
-                <a:spcPts val="0"/>
-              </a:spcAft>
-              <a:buClrTx/>
-              <a:buSzTx/>
-              <a:buFontTx/>
-              <a:buNone/>
-              <a:tabLst/>
-              <a:defRPr/>
-            </a:pPr>
-            <a:r>
-              <a:rPr kumimoji="0" lang="en-US" sz="800" b="1" i="0" u="none" strike="noStrike" kern="1200" cap="none" spc="0" normalizeH="0" baseline="0" noProof="0" dirty="0" err="1">
-                <a:ln>
-                  <a:noFill/>
-                </a:ln>
-                <a:solidFill>
-                  <a:prstClr val="black"/>
-                </a:solidFill>
-                <a:effectLst/>
-                <a:uLnTx/>
-                <a:uFillTx/>
-                <a:latin typeface="Calibri" panose="020F0502020204030204"/>
-                <a:ea typeface="+mn-ea"/>
-                <a:cs typeface="+mn-cs"/>
-              </a:rPr>
-              <a:t>foid</a:t>
-            </a:r>
-            <a:r>
-              <a:rPr kumimoji="0" lang="en-US" sz="800" b="1" i="0" u="none" strike="noStrike" kern="1200" cap="none" spc="0" normalizeH="0" baseline="0" noProof="0" dirty="0">
-                <a:ln>
-                  <a:noFill/>
-                </a:ln>
-                <a:solidFill>
-                  <a:prstClr val="black"/>
-                </a:solidFill>
-                <a:effectLst/>
-                <a:uLnTx/>
-                <a:uFillTx/>
-                <a:latin typeface="Calibri" panose="020F0502020204030204"/>
-                <a:ea typeface="+mn-ea"/>
-                <a:cs typeface="+mn-cs"/>
-              </a:rPr>
-              <a:t>=1810:238975:35</a:t>
-            </a:r>
-            <a:endParaRPr kumimoji="0" lang="en-GB" sz="800" b="1" i="0" u="none" strike="noStrike" kern="1200" cap="none" spc="0" normalizeH="0" baseline="0" noProof="0" dirty="0">
-              <a:ln>
-                <a:noFill/>
-              </a:ln>
-              <a:solidFill>
-                <a:prstClr val="black"/>
-              </a:solidFill>
-              <a:effectLst/>
-              <a:uLnTx/>
-              <a:uFillTx/>
-              <a:latin typeface="Calibri" panose="020F0502020204030204"/>
-              <a:ea typeface="+mn-ea"/>
-              <a:cs typeface="+mn-cs"/>
-            </a:endParaRPr>
-          </a:p>
-        </p:txBody>
-      </p:sp>
-      <p:sp>
-        <p:nvSpPr>
-          <p:cNvPr id="42" name="TextBox 41">
-            <a:extLst>
-              <a:ext uri="{FF2B5EF4-FFF2-40B4-BE49-F238E27FC236}">
-                <a16:creationId xmlns:a16="http://schemas.microsoft.com/office/drawing/2014/main" id="{7E7600F2-AAD5-B46F-8E14-ED008F2D187F}"/>
-              </a:ext>
-            </a:extLst>
-          </p:cNvPr>
-          <p:cNvSpPr txBox="1"/>
-          <p:nvPr/>
-        </p:nvSpPr>
-        <p:spPr>
-          <a:xfrm>
-            <a:off x="2268454" y="5180514"/>
-            <a:ext cx="1075936" cy="215444"/>
-          </a:xfrm>
-          <a:prstGeom prst="rect">
-            <a:avLst/>
-          </a:prstGeom>
-          <a:noFill/>
-        </p:spPr>
-        <p:txBody>
-          <a:bodyPr wrap="none" rtlCol="0">
-            <a:spAutoFit/>
-          </a:bodyPr>
-          <a:lstStyle/>
-          <a:p>
-            <a:pPr marL="0" marR="0" lvl="0" indent="0" algn="l" defTabSz="914400" rtl="0" eaLnBrk="1" fontAlgn="auto" latinLnBrk="0" hangingPunct="1">
-              <a:lnSpc>
-                <a:spcPct val="100000"/>
-              </a:lnSpc>
-              <a:spcBef>
-                <a:spcPts val="0"/>
-              </a:spcBef>
-              <a:spcAft>
-                <a:spcPts val="0"/>
-              </a:spcAft>
-              <a:buClrTx/>
-              <a:buSzTx/>
-              <a:buFontTx/>
-              <a:buNone/>
-              <a:tabLst/>
-              <a:defRPr/>
-            </a:pPr>
-            <a:r>
-              <a:rPr kumimoji="0" lang="en-US" sz="800" b="1" i="0" u="none" strike="noStrike" kern="1200" cap="none" spc="0" normalizeH="0" baseline="0" noProof="0" dirty="0" err="1">
-                <a:ln>
-                  <a:noFill/>
-                </a:ln>
-                <a:solidFill>
-                  <a:prstClr val="black"/>
-                </a:solidFill>
-                <a:effectLst/>
-                <a:uLnTx/>
-                <a:uFillTx/>
-                <a:latin typeface="Calibri" panose="020F0502020204030204"/>
-                <a:ea typeface="+mn-ea"/>
-                <a:cs typeface="+mn-cs"/>
-              </a:rPr>
-              <a:t>foid</a:t>
-            </a:r>
-            <a:r>
-              <a:rPr kumimoji="0" lang="en-US" sz="800" b="1" i="0" u="none" strike="noStrike" kern="1200" cap="none" spc="0" normalizeH="0" baseline="0" noProof="0" dirty="0">
-                <a:ln>
-                  <a:noFill/>
-                </a:ln>
-                <a:solidFill>
-                  <a:prstClr val="black"/>
-                </a:solidFill>
-                <a:effectLst/>
-                <a:uLnTx/>
-                <a:uFillTx/>
-                <a:latin typeface="Calibri" panose="020F0502020204030204"/>
-                <a:ea typeface="+mn-ea"/>
-                <a:cs typeface="+mn-cs"/>
-              </a:rPr>
-              <a:t>=1810:238975:35</a:t>
-            </a:r>
-            <a:endParaRPr kumimoji="0" lang="en-GB" sz="800" b="1" i="0" u="none" strike="noStrike" kern="1200" cap="none" spc="0" normalizeH="0" baseline="0" noProof="0" dirty="0">
-              <a:ln>
-                <a:noFill/>
-              </a:ln>
-              <a:solidFill>
-                <a:prstClr val="black"/>
-              </a:solidFill>
-              <a:effectLst/>
-              <a:uLnTx/>
-              <a:uFillTx/>
-              <a:latin typeface="Calibri" panose="020F0502020204030204"/>
-              <a:ea typeface="+mn-ea"/>
-              <a:cs typeface="+mn-cs"/>
-            </a:endParaRPr>
-          </a:p>
-        </p:txBody>
-      </p:sp>
-      <p:sp>
-        <p:nvSpPr>
-          <p:cNvPr id="43" name="Freeform: Shape 42">
-            <a:extLst>
-              <a:ext uri="{FF2B5EF4-FFF2-40B4-BE49-F238E27FC236}">
-                <a16:creationId xmlns:a16="http://schemas.microsoft.com/office/drawing/2014/main" id="{002E3025-3412-15A1-7BF2-2F34D7273F63}"/>
-              </a:ext>
-            </a:extLst>
-          </p:cNvPr>
-          <p:cNvSpPr/>
-          <p:nvPr/>
-        </p:nvSpPr>
-        <p:spPr>
-          <a:xfrm>
-            <a:off x="2865412" y="4508073"/>
-            <a:ext cx="358624" cy="721658"/>
-          </a:xfrm>
-          <a:custGeom>
-            <a:avLst/>
-            <a:gdLst>
-              <a:gd name="connsiteX0" fmla="*/ 9000 w 358624"/>
-              <a:gd name="connsiteY0" fmla="*/ 721658 h 721658"/>
-              <a:gd name="connsiteX1" fmla="*/ 44859 w 358624"/>
-              <a:gd name="connsiteY1" fmla="*/ 138953 h 721658"/>
-              <a:gd name="connsiteX2" fmla="*/ 358624 w 358624"/>
-              <a:gd name="connsiteY2" fmla="*/ 0 h 721658"/>
-            </a:gdLst>
-            <a:ahLst/>
-            <a:cxnLst>
-              <a:cxn ang="0">
-                <a:pos x="connsiteX0" y="connsiteY0"/>
-              </a:cxn>
-              <a:cxn ang="0">
-                <a:pos x="connsiteX1" y="connsiteY1"/>
-              </a:cxn>
-              <a:cxn ang="0">
-                <a:pos x="connsiteX2" y="connsiteY2"/>
-              </a:cxn>
-            </a:cxnLst>
-            <a:rect l="l" t="t" r="r" b="b"/>
-            <a:pathLst>
-              <a:path w="358624" h="721658">
-                <a:moveTo>
-                  <a:pt x="9000" y="721658"/>
-                </a:moveTo>
-                <a:cubicBezTo>
-                  <a:pt x="-2206" y="490443"/>
-                  <a:pt x="-13412" y="259229"/>
-                  <a:pt x="44859" y="138953"/>
-                </a:cubicBezTo>
-                <a:cubicBezTo>
-                  <a:pt x="103130" y="18677"/>
-                  <a:pt x="230877" y="9338"/>
-                  <a:pt x="358624" y="0"/>
-                </a:cubicBezTo>
-              </a:path>
-            </a:pathLst>
-          </a:custGeom>
-          <a:noFill/>
-          <a:ln>
-            <a:tailEnd type="triangle"/>
-          </a:ln>
-        </p:spPr>
-        <p:style>
-          <a:lnRef idx="2">
-            <a:schemeClr val="accent1">
-              <a:shade val="15000"/>
-            </a:schemeClr>
-          </a:lnRef>
-          <a:fillRef idx="1">
-            <a:schemeClr val="accent1"/>
-          </a:fillRef>
-          <a:effectRef idx="0">
-            <a:schemeClr val="accent1"/>
-          </a:effectRef>
-          <a:fontRef idx="minor">
-            <a:schemeClr val="lt1"/>
-          </a:fontRef>
-        </p:style>
-        <p:txBody>
-          <a:bodyPr rtlCol="0" anchor="ctr"/>
-          <a:lstStyle/>
-          <a:p>
-            <a:pPr marL="0" marR="0" lvl="0" indent="0" algn="ctr" defTabSz="914400" rtl="0" eaLnBrk="1" fontAlgn="auto" latinLnBrk="0" hangingPunct="1">
-              <a:lnSpc>
-                <a:spcPct val="100000"/>
-              </a:lnSpc>
-              <a:spcBef>
-                <a:spcPts val="0"/>
-              </a:spcBef>
-              <a:spcAft>
-                <a:spcPts val="0"/>
-              </a:spcAft>
-              <a:buClrTx/>
-              <a:buSzTx/>
-              <a:buFontTx/>
-              <a:buNone/>
-              <a:tabLst/>
-              <a:defRPr/>
-            </a:pPr>
-            <a:endParaRPr kumimoji="0" lang="en-GB" sz="1800" b="0" i="0" u="none" strike="noStrike" kern="1200" cap="none" spc="0" normalizeH="0" baseline="0" noProof="0">
-              <a:ln>
-                <a:noFill/>
-              </a:ln>
-              <a:solidFill>
-                <a:prstClr val="white"/>
-              </a:solidFill>
-              <a:effectLst/>
-              <a:uLnTx/>
-              <a:uFillTx/>
-              <a:latin typeface="Calibri" panose="020F0502020204030204"/>
-              <a:ea typeface="+mn-ea"/>
-              <a:cs typeface="+mn-cs"/>
-            </a:endParaRPr>
-          </a:p>
-        </p:txBody>
-      </p:sp>
-      <p:sp>
-        <p:nvSpPr>
-          <p:cNvPr id="44" name="Freeform: Shape 43">
-            <a:extLst>
-              <a:ext uri="{FF2B5EF4-FFF2-40B4-BE49-F238E27FC236}">
-                <a16:creationId xmlns:a16="http://schemas.microsoft.com/office/drawing/2014/main" id="{1D1A5878-4727-64A6-54CC-76C326FB0625}"/>
-              </a:ext>
-            </a:extLst>
-          </p:cNvPr>
-          <p:cNvSpPr/>
-          <p:nvPr/>
-        </p:nvSpPr>
-        <p:spPr>
-          <a:xfrm>
-            <a:off x="2639457" y="4082234"/>
-            <a:ext cx="533919" cy="1154962"/>
-          </a:xfrm>
-          <a:custGeom>
-            <a:avLst/>
-            <a:gdLst>
-              <a:gd name="connsiteX0" fmla="*/ 247049 w 533919"/>
-              <a:gd name="connsiteY0" fmla="*/ 1154962 h 1154962"/>
-              <a:gd name="connsiteX1" fmla="*/ 519 w 533919"/>
-              <a:gd name="connsiteY1" fmla="*/ 285386 h 1154962"/>
-              <a:gd name="connsiteX2" fmla="*/ 305319 w 533919"/>
-              <a:gd name="connsiteY2" fmla="*/ 16445 h 1154962"/>
-              <a:gd name="connsiteX3" fmla="*/ 533919 w 533919"/>
-              <a:gd name="connsiteY3" fmla="*/ 52303 h 1154962"/>
-            </a:gdLst>
-            <a:ahLst/>
-            <a:cxnLst>
-              <a:cxn ang="0">
-                <a:pos x="connsiteX0" y="connsiteY0"/>
-              </a:cxn>
-              <a:cxn ang="0">
-                <a:pos x="connsiteX1" y="connsiteY1"/>
-              </a:cxn>
-              <a:cxn ang="0">
-                <a:pos x="connsiteX2" y="connsiteY2"/>
-              </a:cxn>
-              <a:cxn ang="0">
-                <a:pos x="connsiteX3" y="connsiteY3"/>
-              </a:cxn>
-            </a:cxnLst>
-            <a:rect l="l" t="t" r="r" b="b"/>
-            <a:pathLst>
-              <a:path w="533919" h="1154962">
-                <a:moveTo>
-                  <a:pt x="247049" y="1154962"/>
-                </a:moveTo>
-                <a:cubicBezTo>
-                  <a:pt x="118928" y="815050"/>
-                  <a:pt x="-9193" y="475139"/>
-                  <a:pt x="519" y="285386"/>
-                </a:cubicBezTo>
-                <a:cubicBezTo>
-                  <a:pt x="10231" y="95633"/>
-                  <a:pt x="216419" y="55292"/>
-                  <a:pt x="305319" y="16445"/>
-                </a:cubicBezTo>
-                <a:cubicBezTo>
-                  <a:pt x="394219" y="-22402"/>
-                  <a:pt x="464069" y="14950"/>
-                  <a:pt x="533919" y="52303"/>
-                </a:cubicBezTo>
-              </a:path>
-            </a:pathLst>
-          </a:custGeom>
-          <a:noFill/>
-          <a:ln>
-            <a:tailEnd type="triangle"/>
-          </a:ln>
-        </p:spPr>
-        <p:style>
-          <a:lnRef idx="2">
-            <a:schemeClr val="accent1">
-              <a:shade val="15000"/>
-            </a:schemeClr>
-          </a:lnRef>
-          <a:fillRef idx="1">
-            <a:schemeClr val="accent1"/>
-          </a:fillRef>
-          <a:effectRef idx="0">
-            <a:schemeClr val="accent1"/>
-          </a:effectRef>
-          <a:fontRef idx="minor">
-            <a:schemeClr val="lt1"/>
-          </a:fontRef>
-        </p:style>
-        <p:txBody>
-          <a:bodyPr rtlCol="0" anchor="ctr"/>
-          <a:lstStyle/>
-          <a:p>
-            <a:pPr marL="0" marR="0" lvl="0" indent="0" algn="ctr" defTabSz="914400" rtl="0" eaLnBrk="1" fontAlgn="auto" latinLnBrk="0" hangingPunct="1">
-              <a:lnSpc>
-                <a:spcPct val="100000"/>
-              </a:lnSpc>
-              <a:spcBef>
-                <a:spcPts val="0"/>
-              </a:spcBef>
-              <a:spcAft>
-                <a:spcPts val="0"/>
-              </a:spcAft>
-              <a:buClrTx/>
-              <a:buSzTx/>
-              <a:buFontTx/>
-              <a:buNone/>
-              <a:tabLst/>
-              <a:defRPr/>
-            </a:pPr>
-            <a:endParaRPr kumimoji="0" lang="en-GB" sz="1800" b="0" i="0" u="none" strike="noStrike" kern="1200" cap="none" spc="0" normalizeH="0" baseline="0" noProof="0">
-              <a:ln>
-                <a:noFill/>
-              </a:ln>
-              <a:solidFill>
-                <a:prstClr val="white"/>
-              </a:solidFill>
-              <a:effectLst/>
-              <a:uLnTx/>
-              <a:uFillTx/>
-              <a:latin typeface="Calibri" panose="020F0502020204030204"/>
-              <a:ea typeface="+mn-ea"/>
-              <a:cs typeface="+mn-cs"/>
-            </a:endParaRPr>
-          </a:p>
-        </p:txBody>
-      </p:sp>
-      <p:sp>
-        <p:nvSpPr>
-          <p:cNvPr id="45" name="Freeform: Shape 44">
-            <a:extLst>
-              <a:ext uri="{FF2B5EF4-FFF2-40B4-BE49-F238E27FC236}">
-                <a16:creationId xmlns:a16="http://schemas.microsoft.com/office/drawing/2014/main" id="{C0224D3A-5BA7-8BF5-4B73-54598EBD4F23}"/>
-              </a:ext>
-            </a:extLst>
-          </p:cNvPr>
-          <p:cNvSpPr/>
-          <p:nvPr/>
-        </p:nvSpPr>
-        <p:spPr>
-          <a:xfrm>
-            <a:off x="4231341" y="4347882"/>
-            <a:ext cx="167100" cy="900953"/>
-          </a:xfrm>
-          <a:custGeom>
-            <a:avLst/>
-            <a:gdLst>
-              <a:gd name="connsiteX0" fmla="*/ 0 w 167100"/>
-              <a:gd name="connsiteY0" fmla="*/ 900953 h 900953"/>
-              <a:gd name="connsiteX1" fmla="*/ 165847 w 167100"/>
-              <a:gd name="connsiteY1" fmla="*/ 170330 h 900953"/>
-              <a:gd name="connsiteX2" fmla="*/ 62753 w 167100"/>
-              <a:gd name="connsiteY2" fmla="*/ 0 h 900953"/>
-            </a:gdLst>
-            <a:ahLst/>
-            <a:cxnLst>
-              <a:cxn ang="0">
-                <a:pos x="connsiteX0" y="connsiteY0"/>
-              </a:cxn>
-              <a:cxn ang="0">
-                <a:pos x="connsiteX1" y="connsiteY1"/>
-              </a:cxn>
-              <a:cxn ang="0">
-                <a:pos x="connsiteX2" y="connsiteY2"/>
-              </a:cxn>
-            </a:cxnLst>
-            <a:rect l="l" t="t" r="r" b="b"/>
-            <a:pathLst>
-              <a:path w="167100" h="900953">
-                <a:moveTo>
-                  <a:pt x="0" y="900953"/>
-                </a:moveTo>
-                <a:cubicBezTo>
-                  <a:pt x="77694" y="610721"/>
-                  <a:pt x="155388" y="320489"/>
-                  <a:pt x="165847" y="170330"/>
-                </a:cubicBezTo>
-                <a:cubicBezTo>
-                  <a:pt x="176306" y="20171"/>
-                  <a:pt x="119529" y="10085"/>
-                  <a:pt x="62753" y="0"/>
-                </a:cubicBezTo>
-              </a:path>
-            </a:pathLst>
-          </a:custGeom>
-          <a:noFill/>
-          <a:ln>
-            <a:tailEnd type="triangle"/>
-          </a:ln>
-        </p:spPr>
-        <p:style>
-          <a:lnRef idx="2">
-            <a:schemeClr val="accent1">
-              <a:shade val="15000"/>
-            </a:schemeClr>
-          </a:lnRef>
-          <a:fillRef idx="1">
-            <a:schemeClr val="accent1"/>
-          </a:fillRef>
-          <a:effectRef idx="0">
-            <a:schemeClr val="accent1"/>
-          </a:effectRef>
-          <a:fontRef idx="minor">
-            <a:schemeClr val="lt1"/>
-          </a:fontRef>
-        </p:style>
-        <p:txBody>
-          <a:bodyPr rtlCol="0" anchor="ctr"/>
-          <a:lstStyle/>
-          <a:p>
-            <a:pPr marL="0" marR="0" lvl="0" indent="0" algn="ctr" defTabSz="914400" rtl="0" eaLnBrk="1" fontAlgn="auto" latinLnBrk="0" hangingPunct="1">
-              <a:lnSpc>
-                <a:spcPct val="100000"/>
-              </a:lnSpc>
-              <a:spcBef>
-                <a:spcPts val="0"/>
-              </a:spcBef>
-              <a:spcAft>
-                <a:spcPts val="0"/>
-              </a:spcAft>
-              <a:buClrTx/>
-              <a:buSzTx/>
-              <a:buFontTx/>
-              <a:buNone/>
-              <a:tabLst/>
-              <a:defRPr/>
-            </a:pPr>
-            <a:endParaRPr kumimoji="0" lang="en-GB" sz="1800" b="0" i="0" u="none" strike="noStrike" kern="1200" cap="none" spc="0" normalizeH="0" baseline="0" noProof="0">
-              <a:ln>
-                <a:noFill/>
-              </a:ln>
-              <a:solidFill>
-                <a:prstClr val="white"/>
-              </a:solidFill>
-              <a:effectLst/>
-              <a:uLnTx/>
-              <a:uFillTx/>
-              <a:latin typeface="Calibri" panose="020F0502020204030204"/>
-              <a:ea typeface="+mn-ea"/>
-              <a:cs typeface="+mn-cs"/>
-            </a:endParaRPr>
-          </a:p>
-        </p:txBody>
-      </p:sp>
-      <p:sp>
-        <p:nvSpPr>
-          <p:cNvPr id="46" name="TextBox 45">
-            <a:extLst>
-              <a:ext uri="{FF2B5EF4-FFF2-40B4-BE49-F238E27FC236}">
-                <a16:creationId xmlns:a16="http://schemas.microsoft.com/office/drawing/2014/main" id="{66B65465-554A-A9C7-B016-144DFFB1858B}"/>
-              </a:ext>
-            </a:extLst>
-          </p:cNvPr>
-          <p:cNvSpPr txBox="1"/>
-          <p:nvPr/>
-        </p:nvSpPr>
-        <p:spPr>
-          <a:xfrm>
-            <a:off x="1996885" y="4362617"/>
-            <a:ext cx="570990" cy="369332"/>
-          </a:xfrm>
-          <a:prstGeom prst="rect">
-            <a:avLst/>
-          </a:prstGeom>
-          <a:noFill/>
-        </p:spPr>
-        <p:txBody>
-          <a:bodyPr wrap="none" rtlCol="0">
-            <a:spAutoFit/>
-          </a:bodyPr>
-          <a:lstStyle/>
-          <a:p>
-            <a:pPr marL="0" marR="0" lvl="0" indent="0" algn="l" defTabSz="914400" rtl="0" eaLnBrk="1" fontAlgn="auto" latinLnBrk="0" hangingPunct="1">
-              <a:lnSpc>
-                <a:spcPct val="100000"/>
-              </a:lnSpc>
-              <a:spcBef>
-                <a:spcPts val="0"/>
-              </a:spcBef>
-              <a:spcAft>
-                <a:spcPts val="0"/>
-              </a:spcAft>
-              <a:buClrTx/>
-              <a:buSzTx/>
-              <a:buFontTx/>
-              <a:buNone/>
-              <a:tabLst/>
-              <a:defRPr/>
-            </a:pPr>
-            <a:r>
-              <a:rPr kumimoji="0" lang="en-US" sz="1800" b="1" i="0" u="none" strike="noStrike" kern="1200" cap="none" spc="0" normalizeH="0" baseline="0" noProof="0" dirty="0">
-                <a:ln>
-                  <a:noFill/>
-                </a:ln>
-                <a:solidFill>
-                  <a:srgbClr val="7030A0"/>
-                </a:solidFill>
-                <a:effectLst/>
-                <a:uLnTx/>
-                <a:uFillTx/>
-                <a:latin typeface="Calibri" panose="020F0502020204030204"/>
-                <a:ea typeface="+mn-ea"/>
-                <a:cs typeface="+mn-cs"/>
-              </a:rPr>
-              <a:t>pick</a:t>
-            </a:r>
-            <a:endParaRPr kumimoji="0" lang="en-GB" sz="1800" b="1" i="0" u="none" strike="noStrike" kern="1200" cap="none" spc="0" normalizeH="0" baseline="0" noProof="0" dirty="0">
-              <a:ln>
-                <a:noFill/>
-              </a:ln>
-              <a:solidFill>
-                <a:srgbClr val="7030A0"/>
-              </a:solidFill>
-              <a:effectLst/>
-              <a:uLnTx/>
-              <a:uFillTx/>
-              <a:latin typeface="Calibri" panose="020F0502020204030204"/>
-              <a:ea typeface="+mn-ea"/>
-              <a:cs typeface="+mn-cs"/>
-            </a:endParaRPr>
-          </a:p>
-        </p:txBody>
-      </p:sp>
-      <p:cxnSp>
-        <p:nvCxnSpPr>
-          <p:cNvPr id="47" name="Straight Arrow Connector 46">
-            <a:extLst>
-              <a:ext uri="{FF2B5EF4-FFF2-40B4-BE49-F238E27FC236}">
-                <a16:creationId xmlns:a16="http://schemas.microsoft.com/office/drawing/2014/main" id="{F59C39DF-9310-096D-71DE-18A2BAAF2C38}"/>
-              </a:ext>
-            </a:extLst>
-          </p:cNvPr>
-          <p:cNvCxnSpPr>
-            <a:cxnSpLocks/>
-          </p:cNvCxnSpPr>
-          <p:nvPr/>
-        </p:nvCxnSpPr>
-        <p:spPr>
-          <a:xfrm flipV="1">
-            <a:off x="2490002" y="4455459"/>
-            <a:ext cx="599109" cy="105229"/>
-          </a:xfrm>
-          <a:prstGeom prst="straightConnector1">
-            <a:avLst/>
-          </a:prstGeom>
-          <a:ln>
-            <a:solidFill>
-              <a:schemeClr val="tx1"/>
-            </a:solidFill>
-            <a:tailEnd type="triangle"/>
-          </a:ln>
-        </p:spPr>
-        <p:style>
-          <a:lnRef idx="1">
-            <a:schemeClr val="accent1"/>
-          </a:lnRef>
-          <a:fillRef idx="0">
-            <a:schemeClr val="accent1"/>
-          </a:fillRef>
-          <a:effectRef idx="0">
-            <a:schemeClr val="accent1"/>
-          </a:effectRef>
-          <a:fontRef idx="minor">
-            <a:schemeClr val="tx1"/>
-          </a:fontRef>
-        </p:style>
-      </p:cxnSp>
-      <p:sp>
-        <p:nvSpPr>
-          <p:cNvPr id="49" name="TextBox 48">
-            <a:extLst>
-              <a:ext uri="{FF2B5EF4-FFF2-40B4-BE49-F238E27FC236}">
-                <a16:creationId xmlns:a16="http://schemas.microsoft.com/office/drawing/2014/main" id="{C507BA05-0E72-4884-4476-E82CD0E6925A}"/>
-              </a:ext>
-            </a:extLst>
-          </p:cNvPr>
-          <p:cNvSpPr txBox="1"/>
-          <p:nvPr/>
-        </p:nvSpPr>
-        <p:spPr>
-          <a:xfrm>
-            <a:off x="1814161" y="2842383"/>
-            <a:ext cx="1049133" cy="369332"/>
-          </a:xfrm>
-          <a:prstGeom prst="rect">
-            <a:avLst/>
-          </a:prstGeom>
-          <a:noFill/>
-        </p:spPr>
-        <p:txBody>
-          <a:bodyPr wrap="none" rtlCol="0">
-            <a:spAutoFit/>
-          </a:bodyPr>
-          <a:lstStyle/>
-          <a:p>
-            <a:pPr marL="0" marR="0" lvl="0" indent="0" algn="l" defTabSz="914400" rtl="0" eaLnBrk="1" fontAlgn="auto" latinLnBrk="0" hangingPunct="1">
-              <a:lnSpc>
-                <a:spcPct val="100000"/>
-              </a:lnSpc>
-              <a:spcBef>
-                <a:spcPts val="0"/>
-              </a:spcBef>
-              <a:spcAft>
-                <a:spcPts val="0"/>
-              </a:spcAft>
-              <a:buClrTx/>
-              <a:buSzTx/>
-              <a:buFontTx/>
-              <a:buNone/>
-              <a:tabLst/>
-              <a:defRPr/>
-            </a:pPr>
-            <a:r>
-              <a:rPr kumimoji="0" lang="en-US" sz="1800" b="0" i="0" u="none" strike="noStrike" kern="1200" cap="none" spc="0" normalizeH="0" baseline="0" noProof="0" dirty="0">
-                <a:ln>
-                  <a:noFill/>
-                </a:ln>
-                <a:solidFill>
-                  <a:prstClr val="black"/>
-                </a:solidFill>
-                <a:effectLst/>
-                <a:uLnTx/>
-                <a:uFillTx/>
-                <a:latin typeface="Calibri" panose="020F0502020204030204"/>
-                <a:ea typeface="+mn-ea"/>
-                <a:cs typeface="+mn-cs"/>
-              </a:rPr>
-              <a:t>Viewport</a:t>
-            </a:r>
-            <a:endParaRPr kumimoji="0" lang="en-GB" sz="1800" b="0" i="0" u="none" strike="noStrike" kern="1200" cap="none" spc="0" normalizeH="0" baseline="0" noProof="0" dirty="0">
-              <a:ln>
-                <a:noFill/>
-              </a:ln>
-              <a:solidFill>
-                <a:prstClr val="black"/>
-              </a:solidFill>
-              <a:effectLst/>
-              <a:uLnTx/>
-              <a:uFillTx/>
-              <a:latin typeface="Calibri" panose="020F0502020204030204"/>
-              <a:ea typeface="+mn-ea"/>
-              <a:cs typeface="+mn-cs"/>
-            </a:endParaRPr>
-          </a:p>
-        </p:txBody>
-      </p:sp>
-      <p:pic>
-        <p:nvPicPr>
-          <p:cNvPr id="2" name="Picture 1">
-            <a:extLst>
-              <a:ext uri="{FF2B5EF4-FFF2-40B4-BE49-F238E27FC236}">
-                <a16:creationId xmlns:a16="http://schemas.microsoft.com/office/drawing/2014/main" id="{8C3D4385-4E27-43B3-4A77-978DE1511855}"/>
-              </a:ext>
-            </a:extLst>
-          </p:cNvPr>
-          <p:cNvPicPr>
-            <a:picLocks noChangeAspect="1"/>
-          </p:cNvPicPr>
-          <p:nvPr/>
-        </p:nvPicPr>
-        <p:blipFill>
-          <a:blip r:embed="rId2"/>
-          <a:stretch>
-            <a:fillRect/>
-          </a:stretch>
-        </p:blipFill>
-        <p:spPr>
-          <a:xfrm>
-            <a:off x="5528156" y="136205"/>
-            <a:ext cx="6369745" cy="1237219"/>
-          </a:xfrm>
-          <a:prstGeom prst="rect">
-            <a:avLst/>
-          </a:prstGeom>
-        </p:spPr>
-      </p:pic>
-      <p:pic>
-        <p:nvPicPr>
-          <p:cNvPr id="3" name="Picture 2">
-            <a:extLst>
-              <a:ext uri="{FF2B5EF4-FFF2-40B4-BE49-F238E27FC236}">
-                <a16:creationId xmlns:a16="http://schemas.microsoft.com/office/drawing/2014/main" id="{F88D3A8D-B588-49AE-D9F0-91BF17B0AFE0}"/>
-              </a:ext>
-            </a:extLst>
-          </p:cNvPr>
-          <p:cNvPicPr>
-            <a:picLocks noChangeAspect="1"/>
-          </p:cNvPicPr>
-          <p:nvPr/>
-        </p:nvPicPr>
-        <p:blipFill>
-          <a:blip r:embed="rId3"/>
-          <a:stretch>
-            <a:fillRect/>
-          </a:stretch>
-        </p:blipFill>
-        <p:spPr>
-          <a:xfrm>
-            <a:off x="4158184" y="5927274"/>
-            <a:ext cx="7921043" cy="822806"/>
-          </a:xfrm>
-          <a:prstGeom prst="rect">
-            <a:avLst/>
-          </a:prstGeom>
-        </p:spPr>
-      </p:pic>
-    </p:spTree>
-    <p:extLst>
-      <p:ext uri="{BB962C8B-B14F-4D97-AF65-F5344CB8AC3E}">
-        <p14:creationId xmlns:p14="http://schemas.microsoft.com/office/powerpoint/2010/main" val="3853371298"/>
+        <p14:creationId xmlns:p14="http://schemas.microsoft.com/office/powerpoint/2010/main" val="1685727371"/>
       </p:ext>
     </p:extLst>
   </p:cSld>
